--- a/docs/abbildungen/201603026_Anlage.pptx
+++ b/docs/abbildungen/201603026_Anlage.pptx
@@ -3189,6 +3189,36 @@
           </a:p>
         </p:txBody>
       </p:sp>
+      <p:pic>
+        <p:nvPicPr>
+          <p:cNvPr id="3" name="Bild 2"/>
+          <p:cNvPicPr>
+            <a:picLocks noChangeAspect="1"/>
+          </p:cNvPicPr>
+          <p:nvPr/>
+        </p:nvPicPr>
+        <p:blipFill>
+          <a:blip r:embed="rId2">
+            <a:extLst>
+              <a:ext uri="{28A0092B-C50C-407E-A947-70E740481C1C}">
+                <a14:useLocalDpi xmlns:a14="http://schemas.microsoft.com/office/drawing/2010/main" val="0"/>
+              </a:ext>
+            </a:extLst>
+          </a:blip>
+          <a:stretch>
+            <a:fillRect/>
+          </a:stretch>
+        </p:blipFill>
+        <p:spPr>
+          <a:xfrm>
+            <a:off x="2795405" y="0"/>
+            <a:ext cx="5692140" cy="6858000"/>
+          </a:xfrm>
+          <a:prstGeom prst="rect">
+            <a:avLst/>
+          </a:prstGeom>
+        </p:spPr>
+      </p:pic>
     </p:spTree>
     <p:extLst>
       <p:ext uri="{BB962C8B-B14F-4D97-AF65-F5344CB8AC3E}">

--- a/docs/abbildungen/201603026_Anlage.pptx
+++ b/docs/abbildungen/201603026_Anlage.pptx
@@ -3189,36 +3189,6 @@
           </a:p>
         </p:txBody>
       </p:sp>
-      <p:pic>
-        <p:nvPicPr>
-          <p:cNvPr id="3" name="Bild 2"/>
-          <p:cNvPicPr>
-            <a:picLocks noChangeAspect="1"/>
-          </p:cNvPicPr>
-          <p:nvPr/>
-        </p:nvPicPr>
-        <p:blipFill>
-          <a:blip r:embed="rId2">
-            <a:extLst>
-              <a:ext uri="{28A0092B-C50C-407E-A947-70E740481C1C}">
-                <a14:useLocalDpi xmlns:a14="http://schemas.microsoft.com/office/drawing/2010/main" val="0"/>
-              </a:ext>
-            </a:extLst>
-          </a:blip>
-          <a:stretch>
-            <a:fillRect/>
-          </a:stretch>
-        </p:blipFill>
-        <p:spPr>
-          <a:xfrm>
-            <a:off x="2795405" y="0"/>
-            <a:ext cx="5692140" cy="6858000"/>
-          </a:xfrm>
-          <a:prstGeom prst="rect">
-            <a:avLst/>
-          </a:prstGeom>
-        </p:spPr>
-      </p:pic>
     </p:spTree>
     <p:extLst>
       <p:ext uri="{BB962C8B-B14F-4D97-AF65-F5344CB8AC3E}">

--- a/docs/abbildungen/201603026_Anlage.pptx
+++ b/docs/abbildungen/201603026_Anlage.pptx
@@ -201,7 +201,7 @@
           <a:p>
             <a:fld id="{5753CF93-5E45-3941-8549-3B143DEE3F14}" type="datetimeFigureOut">
               <a:rPr lang="de-DE" smtClean="0"/>
-              <a:t>26.03.16</a:t>
+              <a:t>30.03.16</a:t>
             </a:fld>
             <a:endParaRPr lang="de-DE"/>
           </a:p>
@@ -415,7 +415,7 @@
           <a:p>
             <a:fld id="{CAD28D52-5B67-8840-9FB3-766E3199C55A}" type="datetimeFigureOut">
               <a:rPr lang="de-DE" smtClean="0"/>
-              <a:t>26.03.16</a:t>
+              <a:t>30.03.16</a:t>
             </a:fld>
             <a:endParaRPr lang="de-DE"/>
           </a:p>
@@ -585,7 +585,7 @@
           <a:p>
             <a:fld id="{CAD28D52-5B67-8840-9FB3-766E3199C55A}" type="datetimeFigureOut">
               <a:rPr lang="de-DE" smtClean="0"/>
-              <a:t>26.03.16</a:t>
+              <a:t>30.03.16</a:t>
             </a:fld>
             <a:endParaRPr lang="de-DE"/>
           </a:p>
@@ -765,7 +765,7 @@
           <a:p>
             <a:fld id="{CAD28D52-5B67-8840-9FB3-766E3199C55A}" type="datetimeFigureOut">
               <a:rPr lang="de-DE" smtClean="0"/>
-              <a:t>26.03.16</a:t>
+              <a:t>30.03.16</a:t>
             </a:fld>
             <a:endParaRPr lang="de-DE"/>
           </a:p>
@@ -935,7 +935,7 @@
           <a:p>
             <a:fld id="{CAD28D52-5B67-8840-9FB3-766E3199C55A}" type="datetimeFigureOut">
               <a:rPr lang="de-DE" smtClean="0"/>
-              <a:t>26.03.16</a:t>
+              <a:t>30.03.16</a:t>
             </a:fld>
             <a:endParaRPr lang="de-DE"/>
           </a:p>
@@ -1181,7 +1181,7 @@
           <a:p>
             <a:fld id="{CAD28D52-5B67-8840-9FB3-766E3199C55A}" type="datetimeFigureOut">
               <a:rPr lang="de-DE" smtClean="0"/>
-              <a:t>26.03.16</a:t>
+              <a:t>30.03.16</a:t>
             </a:fld>
             <a:endParaRPr lang="de-DE"/>
           </a:p>
@@ -1413,7 +1413,7 @@
           <a:p>
             <a:fld id="{CAD28D52-5B67-8840-9FB3-766E3199C55A}" type="datetimeFigureOut">
               <a:rPr lang="de-DE" smtClean="0"/>
-              <a:t>26.03.16</a:t>
+              <a:t>30.03.16</a:t>
             </a:fld>
             <a:endParaRPr lang="de-DE"/>
           </a:p>
@@ -1780,7 +1780,7 @@
           <a:p>
             <a:fld id="{CAD28D52-5B67-8840-9FB3-766E3199C55A}" type="datetimeFigureOut">
               <a:rPr lang="de-DE" smtClean="0"/>
-              <a:t>26.03.16</a:t>
+              <a:t>30.03.16</a:t>
             </a:fld>
             <a:endParaRPr lang="de-DE"/>
           </a:p>
@@ -1898,7 +1898,7 @@
           <a:p>
             <a:fld id="{CAD28D52-5B67-8840-9FB3-766E3199C55A}" type="datetimeFigureOut">
               <a:rPr lang="de-DE" smtClean="0"/>
-              <a:t>26.03.16</a:t>
+              <a:t>30.03.16</a:t>
             </a:fld>
             <a:endParaRPr lang="de-DE"/>
           </a:p>
@@ -1993,7 +1993,7 @@
           <a:p>
             <a:fld id="{CAD28D52-5B67-8840-9FB3-766E3199C55A}" type="datetimeFigureOut">
               <a:rPr lang="de-DE" smtClean="0"/>
-              <a:t>26.03.16</a:t>
+              <a:t>30.03.16</a:t>
             </a:fld>
             <a:endParaRPr lang="de-DE"/>
           </a:p>
@@ -2270,7 +2270,7 @@
           <a:p>
             <a:fld id="{CAD28D52-5B67-8840-9FB3-766E3199C55A}" type="datetimeFigureOut">
               <a:rPr lang="de-DE" smtClean="0"/>
-              <a:t>26.03.16</a:t>
+              <a:t>30.03.16</a:t>
             </a:fld>
             <a:endParaRPr lang="de-DE"/>
           </a:p>
@@ -2523,7 +2523,7 @@
           <a:p>
             <a:fld id="{CAD28D52-5B67-8840-9FB3-766E3199C55A}" type="datetimeFigureOut">
               <a:rPr lang="de-DE" smtClean="0"/>
-              <a:t>26.03.16</a:t>
+              <a:t>30.03.16</a:t>
             </a:fld>
             <a:endParaRPr lang="de-DE"/>
           </a:p>
@@ -2736,7 +2736,7 @@
           <a:p>
             <a:fld id="{CAD28D52-5B67-8840-9FB3-766E3199C55A}" type="datetimeFigureOut">
               <a:rPr lang="de-DE" smtClean="0"/>
-              <a:t>26.03.16</a:t>
+              <a:t>30.03.16</a:t>
             </a:fld>
             <a:endParaRPr lang="de-DE"/>
           </a:p>
@@ -3189,6 +3189,6930 @@
           </a:p>
         </p:txBody>
       </p:sp>
+      <p:grpSp>
+        <p:nvGrpSpPr>
+          <p:cNvPr id="5" name="Gruppierung 4"/>
+          <p:cNvGrpSpPr/>
+          <p:nvPr/>
+        </p:nvGrpSpPr>
+        <p:grpSpPr>
+          <a:xfrm>
+            <a:off x="1255363" y="2080"/>
+            <a:ext cx="8776512" cy="6362205"/>
+            <a:chOff x="356693" y="406400"/>
+            <a:chExt cx="8776512" cy="6362205"/>
+          </a:xfrm>
+        </p:grpSpPr>
+        <p:sp>
+          <p:nvSpPr>
+            <p:cNvPr id="6" name="Rechteck 5"/>
+            <p:cNvSpPr/>
+            <p:nvPr/>
+          </p:nvSpPr>
+          <p:spPr>
+            <a:xfrm>
+              <a:off x="356693" y="1058755"/>
+              <a:ext cx="1729106" cy="5697150"/>
+            </a:xfrm>
+            <a:prstGeom prst="rect">
+              <a:avLst/>
+            </a:prstGeom>
+            <a:solidFill>
+              <a:schemeClr val="accent1">
+                <a:lumMod val="40000"/>
+                <a:lumOff val="60000"/>
+              </a:schemeClr>
+            </a:solidFill>
+            <a:ln>
+              <a:noFill/>
+            </a:ln>
+            <a:effectLst/>
+          </p:spPr>
+          <p:style>
+            <a:lnRef idx="1">
+              <a:schemeClr val="accent1"/>
+            </a:lnRef>
+            <a:fillRef idx="3">
+              <a:schemeClr val="accent1"/>
+            </a:fillRef>
+            <a:effectRef idx="2">
+              <a:schemeClr val="accent1"/>
+            </a:effectRef>
+            <a:fontRef idx="minor">
+              <a:schemeClr val="lt1"/>
+            </a:fontRef>
+          </p:style>
+          <p:txBody>
+            <a:bodyPr rtlCol="0" anchor="ctr"/>
+            <a:lstStyle/>
+            <a:p>
+              <a:pPr algn="ctr"/>
+              <a:endParaRPr lang="de-DE"/>
+            </a:p>
+          </p:txBody>
+        </p:sp>
+        <p:sp>
+          <p:nvSpPr>
+            <p:cNvPr id="7" name="Rechteck 6"/>
+            <p:cNvSpPr/>
+            <p:nvPr/>
+          </p:nvSpPr>
+          <p:spPr>
+            <a:xfrm>
+              <a:off x="356693" y="406400"/>
+              <a:ext cx="8776511" cy="668020"/>
+            </a:xfrm>
+            <a:prstGeom prst="rect">
+              <a:avLst/>
+            </a:prstGeom>
+            <a:solidFill>
+              <a:schemeClr val="accent1">
+                <a:lumMod val="40000"/>
+                <a:lumOff val="60000"/>
+              </a:schemeClr>
+            </a:solidFill>
+            <a:ln>
+              <a:noFill/>
+            </a:ln>
+            <a:effectLst/>
+          </p:spPr>
+          <p:style>
+            <a:lnRef idx="1">
+              <a:schemeClr val="accent1"/>
+            </a:lnRef>
+            <a:fillRef idx="3">
+              <a:schemeClr val="accent1"/>
+            </a:fillRef>
+            <a:effectRef idx="2">
+              <a:schemeClr val="accent1"/>
+            </a:effectRef>
+            <a:fontRef idx="minor">
+              <a:schemeClr val="lt1"/>
+            </a:fontRef>
+          </p:style>
+          <p:txBody>
+            <a:bodyPr rtlCol="0" anchor="ctr"/>
+            <a:lstStyle/>
+            <a:p>
+              <a:pPr algn="ctr"/>
+              <a:endParaRPr lang="de-DE"/>
+            </a:p>
+          </p:txBody>
+        </p:sp>
+        <p:sp>
+          <p:nvSpPr>
+            <p:cNvPr id="8" name="Rechteck 7"/>
+            <p:cNvSpPr/>
+            <p:nvPr/>
+          </p:nvSpPr>
+          <p:spPr>
+            <a:xfrm>
+              <a:off x="8574821" y="1092835"/>
+              <a:ext cx="558383" cy="4525804"/>
+            </a:xfrm>
+            <a:prstGeom prst="rect">
+              <a:avLst/>
+            </a:prstGeom>
+            <a:solidFill>
+              <a:schemeClr val="tx1">
+                <a:lumMod val="50000"/>
+                <a:lumOff val="50000"/>
+              </a:schemeClr>
+            </a:solidFill>
+            <a:ln>
+              <a:noFill/>
+            </a:ln>
+            <a:effectLst/>
+          </p:spPr>
+          <p:style>
+            <a:lnRef idx="1">
+              <a:schemeClr val="accent1"/>
+            </a:lnRef>
+            <a:fillRef idx="3">
+              <a:schemeClr val="accent1"/>
+            </a:fillRef>
+            <a:effectRef idx="2">
+              <a:schemeClr val="accent1"/>
+            </a:effectRef>
+            <a:fontRef idx="minor">
+              <a:schemeClr val="lt1"/>
+            </a:fontRef>
+          </p:style>
+          <p:txBody>
+            <a:bodyPr rtlCol="0" anchor="ctr"/>
+            <a:lstStyle/>
+            <a:p>
+              <a:pPr algn="ctr"/>
+              <a:endParaRPr lang="de-DE"/>
+            </a:p>
+          </p:txBody>
+        </p:sp>
+        <p:sp>
+          <p:nvSpPr>
+            <p:cNvPr id="9" name="Rechteck 8"/>
+            <p:cNvSpPr/>
+            <p:nvPr/>
+          </p:nvSpPr>
+          <p:spPr>
+            <a:xfrm>
+              <a:off x="2122164" y="5612859"/>
+              <a:ext cx="7011041" cy="1155746"/>
+            </a:xfrm>
+            <a:prstGeom prst="rect">
+              <a:avLst/>
+            </a:prstGeom>
+            <a:solidFill>
+              <a:schemeClr val="tx1">
+                <a:lumMod val="50000"/>
+                <a:lumOff val="50000"/>
+              </a:schemeClr>
+            </a:solidFill>
+            <a:ln>
+              <a:noFill/>
+            </a:ln>
+            <a:effectLst/>
+          </p:spPr>
+          <p:style>
+            <a:lnRef idx="1">
+              <a:schemeClr val="accent1"/>
+            </a:lnRef>
+            <a:fillRef idx="3">
+              <a:schemeClr val="accent1"/>
+            </a:fillRef>
+            <a:effectRef idx="2">
+              <a:schemeClr val="accent1"/>
+            </a:effectRef>
+            <a:fontRef idx="minor">
+              <a:schemeClr val="lt1"/>
+            </a:fontRef>
+          </p:style>
+          <p:txBody>
+            <a:bodyPr rtlCol="0" anchor="ctr"/>
+            <a:lstStyle/>
+            <a:p>
+              <a:pPr algn="ctr"/>
+              <a:endParaRPr lang="de-DE"/>
+            </a:p>
+          </p:txBody>
+        </p:sp>
+        <p:cxnSp>
+          <p:nvCxnSpPr>
+            <p:cNvPr id="10" name="Gerade Verbindung 9"/>
+            <p:cNvCxnSpPr/>
+            <p:nvPr/>
+          </p:nvCxnSpPr>
+          <p:spPr>
+            <a:xfrm>
+              <a:off x="2103120" y="1076960"/>
+              <a:ext cx="6461760" cy="0"/>
+            </a:xfrm>
+            <a:prstGeom prst="line">
+              <a:avLst/>
+            </a:prstGeom>
+            <a:ln w="28575" cmpd="sng">
+              <a:solidFill>
+                <a:schemeClr val="tx1"/>
+              </a:solidFill>
+            </a:ln>
+            <a:effectLst/>
+          </p:spPr>
+          <p:style>
+            <a:lnRef idx="2">
+              <a:schemeClr val="accent1"/>
+            </a:lnRef>
+            <a:fillRef idx="0">
+              <a:schemeClr val="accent1"/>
+            </a:fillRef>
+            <a:effectRef idx="1">
+              <a:schemeClr val="accent1"/>
+            </a:effectRef>
+            <a:fontRef idx="minor">
+              <a:schemeClr val="tx1"/>
+            </a:fontRef>
+          </p:style>
+        </p:cxnSp>
+        <p:cxnSp>
+          <p:nvCxnSpPr>
+            <p:cNvPr id="11" name="Gerade Verbindung 10"/>
+            <p:cNvCxnSpPr/>
+            <p:nvPr/>
+          </p:nvCxnSpPr>
+          <p:spPr>
+            <a:xfrm>
+              <a:off x="8558530" y="1076960"/>
+              <a:ext cx="0" cy="4521200"/>
+            </a:xfrm>
+            <a:prstGeom prst="line">
+              <a:avLst/>
+            </a:prstGeom>
+            <a:ln>
+              <a:solidFill>
+                <a:schemeClr val="tx1"/>
+              </a:solidFill>
+            </a:ln>
+            <a:effectLst/>
+          </p:spPr>
+          <p:style>
+            <a:lnRef idx="2">
+              <a:schemeClr val="accent1"/>
+            </a:lnRef>
+            <a:fillRef idx="0">
+              <a:schemeClr val="accent1"/>
+            </a:fillRef>
+            <a:effectRef idx="1">
+              <a:schemeClr val="accent1"/>
+            </a:effectRef>
+            <a:fontRef idx="minor">
+              <a:schemeClr val="tx1"/>
+            </a:fontRef>
+          </p:style>
+        </p:cxnSp>
+        <p:cxnSp>
+          <p:nvCxnSpPr>
+            <p:cNvPr id="12" name="Gerade Verbindung 11"/>
+            <p:cNvCxnSpPr/>
+            <p:nvPr/>
+          </p:nvCxnSpPr>
+          <p:spPr>
+            <a:xfrm>
+              <a:off x="2103120" y="5598160"/>
+              <a:ext cx="6461760" cy="0"/>
+            </a:xfrm>
+            <a:prstGeom prst="line">
+              <a:avLst/>
+            </a:prstGeom>
+            <a:ln>
+              <a:solidFill>
+                <a:schemeClr val="tx1"/>
+              </a:solidFill>
+            </a:ln>
+            <a:effectLst/>
+          </p:spPr>
+          <p:style>
+            <a:lnRef idx="2">
+              <a:schemeClr val="accent1"/>
+            </a:lnRef>
+            <a:fillRef idx="0">
+              <a:schemeClr val="accent1"/>
+            </a:fillRef>
+            <a:effectRef idx="1">
+              <a:schemeClr val="accent1"/>
+            </a:effectRef>
+            <a:fontRef idx="minor">
+              <a:schemeClr val="tx1"/>
+            </a:fontRef>
+          </p:style>
+        </p:cxnSp>
+        <p:cxnSp>
+          <p:nvCxnSpPr>
+            <p:cNvPr id="13" name="Gerade Verbindung 12"/>
+            <p:cNvCxnSpPr/>
+            <p:nvPr/>
+          </p:nvCxnSpPr>
+          <p:spPr>
+            <a:xfrm>
+              <a:off x="2103120" y="1280160"/>
+              <a:ext cx="6207760" cy="0"/>
+            </a:xfrm>
+            <a:prstGeom prst="line">
+              <a:avLst/>
+            </a:prstGeom>
+            <a:ln w="28575" cmpd="sng">
+              <a:solidFill>
+                <a:schemeClr val="tx1"/>
+              </a:solidFill>
+            </a:ln>
+            <a:effectLst/>
+          </p:spPr>
+          <p:style>
+            <a:lnRef idx="2">
+              <a:schemeClr val="accent1"/>
+            </a:lnRef>
+            <a:fillRef idx="0">
+              <a:schemeClr val="accent1"/>
+            </a:fillRef>
+            <a:effectRef idx="1">
+              <a:schemeClr val="accent1"/>
+            </a:effectRef>
+            <a:fontRef idx="minor">
+              <a:schemeClr val="tx1"/>
+            </a:fontRef>
+          </p:style>
+        </p:cxnSp>
+        <p:cxnSp>
+          <p:nvCxnSpPr>
+            <p:cNvPr id="14" name="Gerade Verbindung 13"/>
+            <p:cNvCxnSpPr/>
+            <p:nvPr/>
+          </p:nvCxnSpPr>
+          <p:spPr>
+            <a:xfrm>
+              <a:off x="8329930" y="1280162"/>
+              <a:ext cx="0" cy="4319997"/>
+            </a:xfrm>
+            <a:prstGeom prst="line">
+              <a:avLst/>
+            </a:prstGeom>
+            <a:ln>
+              <a:solidFill>
+                <a:schemeClr val="tx1"/>
+              </a:solidFill>
+            </a:ln>
+            <a:effectLst/>
+          </p:spPr>
+          <p:style>
+            <a:lnRef idx="2">
+              <a:schemeClr val="accent1"/>
+            </a:lnRef>
+            <a:fillRef idx="0">
+              <a:schemeClr val="accent1"/>
+            </a:fillRef>
+            <a:effectRef idx="1">
+              <a:schemeClr val="accent1"/>
+            </a:effectRef>
+            <a:fontRef idx="minor">
+              <a:schemeClr val="tx1"/>
+            </a:fontRef>
+          </p:style>
+        </p:cxnSp>
+        <p:cxnSp>
+          <p:nvCxnSpPr>
+            <p:cNvPr id="15" name="Gerade Verbindung 14"/>
+            <p:cNvCxnSpPr/>
+            <p:nvPr/>
+          </p:nvCxnSpPr>
+          <p:spPr>
+            <a:xfrm>
+              <a:off x="2103122" y="5476240"/>
+              <a:ext cx="6211433" cy="0"/>
+            </a:xfrm>
+            <a:prstGeom prst="line">
+              <a:avLst/>
+            </a:prstGeom>
+            <a:ln>
+              <a:solidFill>
+                <a:schemeClr val="tx1"/>
+              </a:solidFill>
+            </a:ln>
+            <a:effectLst/>
+          </p:spPr>
+          <p:style>
+            <a:lnRef idx="2">
+              <a:schemeClr val="accent1"/>
+            </a:lnRef>
+            <a:fillRef idx="0">
+              <a:schemeClr val="accent1"/>
+            </a:fillRef>
+            <a:effectRef idx="1">
+              <a:schemeClr val="accent1"/>
+            </a:effectRef>
+            <a:fontRef idx="minor">
+              <a:schemeClr val="tx1"/>
+            </a:fontRef>
+          </p:style>
+        </p:cxnSp>
+        <p:cxnSp>
+          <p:nvCxnSpPr>
+            <p:cNvPr id="16" name="Gerade Verbindung 15"/>
+            <p:cNvCxnSpPr/>
+            <p:nvPr/>
+          </p:nvCxnSpPr>
+          <p:spPr>
+            <a:xfrm flipV="1">
+              <a:off x="7843520" y="4897120"/>
+              <a:ext cx="0" cy="559037"/>
+            </a:xfrm>
+            <a:prstGeom prst="line">
+              <a:avLst/>
+            </a:prstGeom>
+            <a:ln>
+              <a:solidFill>
+                <a:schemeClr val="tx1"/>
+              </a:solidFill>
+            </a:ln>
+            <a:effectLst/>
+          </p:spPr>
+          <p:style>
+            <a:lnRef idx="2">
+              <a:schemeClr val="accent1"/>
+            </a:lnRef>
+            <a:fillRef idx="0">
+              <a:schemeClr val="accent1"/>
+            </a:fillRef>
+            <a:effectRef idx="1">
+              <a:schemeClr val="accent1"/>
+            </a:effectRef>
+            <a:fontRef idx="minor">
+              <a:schemeClr val="tx1"/>
+            </a:fontRef>
+          </p:style>
+        </p:cxnSp>
+        <p:sp>
+          <p:nvSpPr>
+            <p:cNvPr id="17" name="Halbbogen 16"/>
+            <p:cNvSpPr/>
+            <p:nvPr/>
+          </p:nvSpPr>
+          <p:spPr>
+            <a:xfrm rot="16200000">
+              <a:off x="7240019" y="4891154"/>
+              <a:ext cx="1056640" cy="1080000"/>
+            </a:xfrm>
+            <a:prstGeom prst="blockArc">
+              <a:avLst>
+                <a:gd name="adj1" fmla="val 16177639"/>
+                <a:gd name="adj2" fmla="val 210774"/>
+                <a:gd name="adj3" fmla="val 2917"/>
+              </a:avLst>
+            </a:prstGeom>
+            <a:solidFill>
+              <a:schemeClr val="tx1"/>
+            </a:solidFill>
+            <a:ln>
+              <a:solidFill>
+                <a:schemeClr val="tx1"/>
+              </a:solidFill>
+            </a:ln>
+            <a:effectLst/>
+          </p:spPr>
+          <p:style>
+            <a:lnRef idx="1">
+              <a:schemeClr val="accent1"/>
+            </a:lnRef>
+            <a:fillRef idx="3">
+              <a:schemeClr val="accent1"/>
+            </a:fillRef>
+            <a:effectRef idx="2">
+              <a:schemeClr val="accent1"/>
+            </a:effectRef>
+            <a:fontRef idx="minor">
+              <a:schemeClr val="lt1"/>
+            </a:fontRef>
+          </p:style>
+          <p:txBody>
+            <a:bodyPr rtlCol="0" anchor="ctr"/>
+            <a:lstStyle/>
+            <a:p>
+              <a:pPr algn="ctr"/>
+              <a:endParaRPr lang="de-DE">
+                <a:solidFill>
+                  <a:schemeClr val="tx1"/>
+                </a:solidFill>
+              </a:endParaRPr>
+            </a:p>
+          </p:txBody>
+        </p:sp>
+        <p:sp>
+          <p:nvSpPr>
+            <p:cNvPr id="18" name="Rechteck 17"/>
+            <p:cNvSpPr/>
+            <p:nvPr/>
+          </p:nvSpPr>
+          <p:spPr>
+            <a:xfrm rot="5400000">
+              <a:off x="5242411" y="-2027408"/>
+              <a:ext cx="180000" cy="6420486"/>
+            </a:xfrm>
+            <a:prstGeom prst="rect">
+              <a:avLst/>
+            </a:prstGeom>
+            <a:pattFill prst="wdUpDiag">
+              <a:fgClr>
+                <a:schemeClr val="tx1">
+                  <a:lumMod val="50000"/>
+                  <a:lumOff val="50000"/>
+                </a:schemeClr>
+              </a:fgClr>
+              <a:bgClr>
+                <a:prstClr val="white"/>
+              </a:bgClr>
+            </a:pattFill>
+            <a:ln>
+              <a:noFill/>
+            </a:ln>
+            <a:effectLst/>
+          </p:spPr>
+          <p:style>
+            <a:lnRef idx="1">
+              <a:schemeClr val="accent1"/>
+            </a:lnRef>
+            <a:fillRef idx="3">
+              <a:schemeClr val="accent1"/>
+            </a:fillRef>
+            <a:effectRef idx="2">
+              <a:schemeClr val="accent1"/>
+            </a:effectRef>
+            <a:fontRef idx="minor">
+              <a:schemeClr val="lt1"/>
+            </a:fontRef>
+          </p:style>
+          <p:txBody>
+            <a:bodyPr rtlCol="0" anchor="ctr"/>
+            <a:lstStyle/>
+            <a:p>
+              <a:pPr algn="ctr"/>
+              <a:endParaRPr lang="de-DE"/>
+            </a:p>
+          </p:txBody>
+        </p:sp>
+        <p:sp>
+          <p:nvSpPr>
+            <p:cNvPr id="19" name="Rechteck 18"/>
+            <p:cNvSpPr/>
+            <p:nvPr/>
+          </p:nvSpPr>
+          <p:spPr>
+            <a:xfrm rot="10800000">
+              <a:off x="8347075" y="1243539"/>
+              <a:ext cx="195576" cy="4338110"/>
+            </a:xfrm>
+            <a:prstGeom prst="rect">
+              <a:avLst/>
+            </a:prstGeom>
+            <a:pattFill prst="wdUpDiag">
+              <a:fgClr>
+                <a:schemeClr val="tx1">
+                  <a:lumMod val="50000"/>
+                  <a:lumOff val="50000"/>
+                </a:schemeClr>
+              </a:fgClr>
+              <a:bgClr>
+                <a:prstClr val="white"/>
+              </a:bgClr>
+            </a:pattFill>
+            <a:ln>
+              <a:noFill/>
+            </a:ln>
+            <a:effectLst/>
+          </p:spPr>
+          <p:style>
+            <a:lnRef idx="1">
+              <a:schemeClr val="accent1"/>
+            </a:lnRef>
+            <a:fillRef idx="3">
+              <a:schemeClr val="accent1"/>
+            </a:fillRef>
+            <a:effectRef idx="2">
+              <a:schemeClr val="accent1"/>
+            </a:effectRef>
+            <a:fontRef idx="minor">
+              <a:schemeClr val="lt1"/>
+            </a:fontRef>
+          </p:style>
+          <p:txBody>
+            <a:bodyPr rtlCol="0" anchor="ctr"/>
+            <a:lstStyle/>
+            <a:p>
+              <a:pPr algn="ctr"/>
+              <a:endParaRPr lang="de-DE"/>
+            </a:p>
+          </p:txBody>
+        </p:sp>
+        <p:sp>
+          <p:nvSpPr>
+            <p:cNvPr id="20" name="Rechteck 19"/>
+            <p:cNvSpPr/>
+            <p:nvPr/>
+          </p:nvSpPr>
+          <p:spPr>
+            <a:xfrm rot="5400000">
+              <a:off x="5171523" y="2442291"/>
+              <a:ext cx="90000" cy="6188715"/>
+            </a:xfrm>
+            <a:prstGeom prst="rect">
+              <a:avLst/>
+            </a:prstGeom>
+            <a:pattFill prst="wdUpDiag">
+              <a:fgClr>
+                <a:schemeClr val="tx1">
+                  <a:lumMod val="50000"/>
+                  <a:lumOff val="50000"/>
+                </a:schemeClr>
+              </a:fgClr>
+              <a:bgClr>
+                <a:prstClr val="white"/>
+              </a:bgClr>
+            </a:pattFill>
+            <a:ln>
+              <a:noFill/>
+            </a:ln>
+            <a:effectLst/>
+          </p:spPr>
+          <p:style>
+            <a:lnRef idx="1">
+              <a:schemeClr val="accent1"/>
+            </a:lnRef>
+            <a:fillRef idx="3">
+              <a:schemeClr val="accent1"/>
+            </a:fillRef>
+            <a:effectRef idx="2">
+              <a:schemeClr val="accent1"/>
+            </a:effectRef>
+            <a:fontRef idx="minor">
+              <a:schemeClr val="lt1"/>
+            </a:fontRef>
+          </p:style>
+          <p:txBody>
+            <a:bodyPr rtlCol="0" anchor="ctr"/>
+            <a:lstStyle/>
+            <a:p>
+              <a:pPr algn="ctr"/>
+              <a:endParaRPr lang="de-DE"/>
+            </a:p>
+          </p:txBody>
+        </p:sp>
+        <p:sp>
+          <p:nvSpPr>
+            <p:cNvPr id="21" name="Rechteck 20"/>
+            <p:cNvSpPr/>
+            <p:nvPr/>
+          </p:nvSpPr>
+          <p:spPr>
+            <a:xfrm rot="10800000">
+              <a:off x="2122165" y="1300689"/>
+              <a:ext cx="116210" cy="4155467"/>
+            </a:xfrm>
+            <a:prstGeom prst="rect">
+              <a:avLst/>
+            </a:prstGeom>
+            <a:pattFill prst="wdUpDiag">
+              <a:fgClr>
+                <a:schemeClr val="tx1">
+                  <a:lumMod val="50000"/>
+                  <a:lumOff val="50000"/>
+                </a:schemeClr>
+              </a:fgClr>
+              <a:bgClr>
+                <a:prstClr val="white"/>
+              </a:bgClr>
+            </a:pattFill>
+            <a:ln>
+              <a:noFill/>
+            </a:ln>
+            <a:effectLst/>
+          </p:spPr>
+          <p:style>
+            <a:lnRef idx="1">
+              <a:schemeClr val="accent1"/>
+            </a:lnRef>
+            <a:fillRef idx="3">
+              <a:schemeClr val="accent1"/>
+            </a:fillRef>
+            <a:effectRef idx="2">
+              <a:schemeClr val="accent1"/>
+            </a:effectRef>
+            <a:fontRef idx="minor">
+              <a:schemeClr val="lt1"/>
+            </a:fontRef>
+          </p:style>
+          <p:txBody>
+            <a:bodyPr rtlCol="0" anchor="ctr"/>
+            <a:lstStyle/>
+            <a:p>
+              <a:pPr algn="ctr"/>
+              <a:endParaRPr lang="de-DE"/>
+            </a:p>
+          </p:txBody>
+        </p:sp>
+        <p:cxnSp>
+          <p:nvCxnSpPr>
+            <p:cNvPr id="22" name="Gerade Verbindung 21"/>
+            <p:cNvCxnSpPr/>
+            <p:nvPr/>
+          </p:nvCxnSpPr>
+          <p:spPr>
+            <a:xfrm>
+              <a:off x="2103120" y="1076960"/>
+              <a:ext cx="0" cy="4521200"/>
+            </a:xfrm>
+            <a:prstGeom prst="line">
+              <a:avLst/>
+            </a:prstGeom>
+            <a:ln>
+              <a:solidFill>
+                <a:schemeClr val="tx1"/>
+              </a:solidFill>
+            </a:ln>
+            <a:effectLst/>
+          </p:spPr>
+          <p:style>
+            <a:lnRef idx="2">
+              <a:schemeClr val="accent1"/>
+            </a:lnRef>
+            <a:fillRef idx="0">
+              <a:schemeClr val="accent1"/>
+            </a:fillRef>
+            <a:effectRef idx="1">
+              <a:schemeClr val="accent1"/>
+            </a:effectRef>
+            <a:fontRef idx="minor">
+              <a:schemeClr val="tx1"/>
+            </a:fontRef>
+          </p:style>
+        </p:cxnSp>
+        <p:cxnSp>
+          <p:nvCxnSpPr>
+            <p:cNvPr id="23" name="Gerade Verbindung 22"/>
+            <p:cNvCxnSpPr/>
+            <p:nvPr/>
+          </p:nvCxnSpPr>
+          <p:spPr>
+            <a:xfrm>
+              <a:off x="2256155" y="1280160"/>
+              <a:ext cx="0" cy="4196080"/>
+            </a:xfrm>
+            <a:prstGeom prst="line">
+              <a:avLst/>
+            </a:prstGeom>
+            <a:ln>
+              <a:solidFill>
+                <a:schemeClr val="tx1"/>
+              </a:solidFill>
+            </a:ln>
+            <a:effectLst/>
+          </p:spPr>
+          <p:style>
+            <a:lnRef idx="2">
+              <a:schemeClr val="accent1"/>
+            </a:lnRef>
+            <a:fillRef idx="0">
+              <a:schemeClr val="accent1"/>
+            </a:fillRef>
+            <a:effectRef idx="1">
+              <a:schemeClr val="accent1"/>
+            </a:effectRef>
+            <a:fontRef idx="minor">
+              <a:schemeClr val="tx1"/>
+            </a:fontRef>
+          </p:style>
+        </p:cxnSp>
+        <p:sp>
+          <p:nvSpPr>
+            <p:cNvPr id="24" name="Rechteck 23"/>
+            <p:cNvSpPr/>
+            <p:nvPr/>
+          </p:nvSpPr>
+          <p:spPr>
+            <a:xfrm>
+              <a:off x="2333625" y="1971670"/>
+              <a:ext cx="82550" cy="2916000"/>
+            </a:xfrm>
+            <a:prstGeom prst="rect">
+              <a:avLst/>
+            </a:prstGeom>
+            <a:pattFill prst="lgConfetti">
+              <a:fgClr>
+                <a:srgbClr val="FF0000"/>
+              </a:fgClr>
+              <a:bgClr>
+                <a:prstClr val="white"/>
+              </a:bgClr>
+            </a:pattFill>
+            <a:ln>
+              <a:solidFill>
+                <a:srgbClr val="FF0000"/>
+              </a:solidFill>
+            </a:ln>
+            <a:effectLst/>
+          </p:spPr>
+          <p:style>
+            <a:lnRef idx="1">
+              <a:schemeClr val="accent1"/>
+            </a:lnRef>
+            <a:fillRef idx="3">
+              <a:schemeClr val="accent1"/>
+            </a:fillRef>
+            <a:effectRef idx="2">
+              <a:schemeClr val="accent1"/>
+            </a:effectRef>
+            <a:fontRef idx="minor">
+              <a:schemeClr val="lt1"/>
+            </a:fontRef>
+          </p:style>
+          <p:txBody>
+            <a:bodyPr rtlCol="0" anchor="ctr"/>
+            <a:lstStyle/>
+            <a:p>
+              <a:pPr algn="ctr"/>
+              <a:endParaRPr lang="de-DE"/>
+            </a:p>
+          </p:txBody>
+        </p:sp>
+        <p:sp>
+          <p:nvSpPr>
+            <p:cNvPr id="25" name="Rechteck 24"/>
+            <p:cNvSpPr/>
+            <p:nvPr/>
+          </p:nvSpPr>
+          <p:spPr>
+            <a:xfrm>
+              <a:off x="2125134" y="1332440"/>
+              <a:ext cx="67955" cy="591609"/>
+            </a:xfrm>
+            <a:prstGeom prst="rect">
+              <a:avLst/>
+            </a:prstGeom>
+            <a:pattFill prst="ltHorz">
+              <a:fgClr>
+                <a:srgbClr val="0000FF"/>
+              </a:fgClr>
+              <a:bgClr>
+                <a:prstClr val="white"/>
+              </a:bgClr>
+            </a:pattFill>
+            <a:ln>
+              <a:solidFill>
+                <a:srgbClr val="3366FF"/>
+              </a:solidFill>
+            </a:ln>
+            <a:effectLst/>
+          </p:spPr>
+          <p:style>
+            <a:lnRef idx="1">
+              <a:schemeClr val="accent1"/>
+            </a:lnRef>
+            <a:fillRef idx="3">
+              <a:schemeClr val="accent1"/>
+            </a:fillRef>
+            <a:effectRef idx="2">
+              <a:schemeClr val="accent1"/>
+            </a:effectRef>
+            <a:fontRef idx="minor">
+              <a:schemeClr val="lt1"/>
+            </a:fontRef>
+          </p:style>
+          <p:txBody>
+            <a:bodyPr rtlCol="0" anchor="ctr"/>
+            <a:lstStyle/>
+            <a:p>
+              <a:pPr algn="ctr"/>
+              <a:endParaRPr lang="de-DE"/>
+            </a:p>
+          </p:txBody>
+        </p:sp>
+        <p:sp>
+          <p:nvSpPr>
+            <p:cNvPr id="26" name="Rechteck 25"/>
+            <p:cNvSpPr/>
+            <p:nvPr/>
+          </p:nvSpPr>
+          <p:spPr>
+            <a:xfrm>
+              <a:off x="2125134" y="2316690"/>
+              <a:ext cx="67955" cy="998010"/>
+            </a:xfrm>
+            <a:prstGeom prst="rect">
+              <a:avLst/>
+            </a:prstGeom>
+            <a:pattFill prst="ltHorz">
+              <a:fgClr>
+                <a:srgbClr val="0000FF"/>
+              </a:fgClr>
+              <a:bgClr>
+                <a:prstClr val="white"/>
+              </a:bgClr>
+            </a:pattFill>
+            <a:ln>
+              <a:solidFill>
+                <a:srgbClr val="3366FF"/>
+              </a:solidFill>
+            </a:ln>
+            <a:effectLst/>
+          </p:spPr>
+          <p:style>
+            <a:lnRef idx="1">
+              <a:schemeClr val="accent1"/>
+            </a:lnRef>
+            <a:fillRef idx="3">
+              <a:schemeClr val="accent1"/>
+            </a:fillRef>
+            <a:effectRef idx="2">
+              <a:schemeClr val="accent1"/>
+            </a:effectRef>
+            <a:fontRef idx="minor">
+              <a:schemeClr val="lt1"/>
+            </a:fontRef>
+          </p:style>
+          <p:txBody>
+            <a:bodyPr rtlCol="0" anchor="ctr"/>
+            <a:lstStyle/>
+            <a:p>
+              <a:pPr algn="ctr"/>
+              <a:endParaRPr lang="de-DE"/>
+            </a:p>
+          </p:txBody>
+        </p:sp>
+        <p:sp>
+          <p:nvSpPr>
+            <p:cNvPr id="27" name="Rechteck 26"/>
+            <p:cNvSpPr/>
+            <p:nvPr/>
+          </p:nvSpPr>
+          <p:spPr>
+            <a:xfrm>
+              <a:off x="2125134" y="3396190"/>
+              <a:ext cx="67955" cy="645585"/>
+            </a:xfrm>
+            <a:prstGeom prst="rect">
+              <a:avLst/>
+            </a:prstGeom>
+            <a:pattFill prst="ltHorz">
+              <a:fgClr>
+                <a:srgbClr val="0000FF"/>
+              </a:fgClr>
+              <a:bgClr>
+                <a:prstClr val="white"/>
+              </a:bgClr>
+            </a:pattFill>
+            <a:ln>
+              <a:solidFill>
+                <a:srgbClr val="3366FF"/>
+              </a:solidFill>
+            </a:ln>
+            <a:effectLst/>
+          </p:spPr>
+          <p:style>
+            <a:lnRef idx="1">
+              <a:schemeClr val="accent1"/>
+            </a:lnRef>
+            <a:fillRef idx="3">
+              <a:schemeClr val="accent1"/>
+            </a:fillRef>
+            <a:effectRef idx="2">
+              <a:schemeClr val="accent1"/>
+            </a:effectRef>
+            <a:fontRef idx="minor">
+              <a:schemeClr val="lt1"/>
+            </a:fontRef>
+          </p:style>
+          <p:txBody>
+            <a:bodyPr rtlCol="0" anchor="ctr"/>
+            <a:lstStyle/>
+            <a:p>
+              <a:pPr algn="ctr"/>
+              <a:endParaRPr lang="de-DE"/>
+            </a:p>
+          </p:txBody>
+        </p:sp>
+        <p:sp>
+          <p:nvSpPr>
+            <p:cNvPr id="28" name="Rechteck 27"/>
+            <p:cNvSpPr/>
+            <p:nvPr/>
+          </p:nvSpPr>
+          <p:spPr>
+            <a:xfrm>
+              <a:off x="2125134" y="4418339"/>
+              <a:ext cx="67955" cy="995036"/>
+            </a:xfrm>
+            <a:prstGeom prst="rect">
+              <a:avLst/>
+            </a:prstGeom>
+            <a:pattFill prst="ltHorz">
+              <a:fgClr>
+                <a:srgbClr val="0000FF"/>
+              </a:fgClr>
+              <a:bgClr>
+                <a:prstClr val="white"/>
+              </a:bgClr>
+            </a:pattFill>
+            <a:ln>
+              <a:solidFill>
+                <a:srgbClr val="3366FF"/>
+              </a:solidFill>
+            </a:ln>
+            <a:effectLst/>
+          </p:spPr>
+          <p:style>
+            <a:lnRef idx="1">
+              <a:schemeClr val="accent1"/>
+            </a:lnRef>
+            <a:fillRef idx="3">
+              <a:schemeClr val="accent1"/>
+            </a:fillRef>
+            <a:effectRef idx="2">
+              <a:schemeClr val="accent1"/>
+            </a:effectRef>
+            <a:fontRef idx="minor">
+              <a:schemeClr val="lt1"/>
+            </a:fontRef>
+          </p:style>
+          <p:txBody>
+            <a:bodyPr rtlCol="0" anchor="ctr"/>
+            <a:lstStyle/>
+            <a:p>
+              <a:pPr algn="ctr"/>
+              <a:endParaRPr lang="de-DE"/>
+            </a:p>
+          </p:txBody>
+        </p:sp>
+        <p:sp>
+          <p:nvSpPr>
+            <p:cNvPr id="29" name="Rechteck 28"/>
+            <p:cNvSpPr/>
+            <p:nvPr/>
+          </p:nvSpPr>
+          <p:spPr>
+            <a:xfrm>
+              <a:off x="7921625" y="1835150"/>
+              <a:ext cx="386715" cy="3619745"/>
+            </a:xfrm>
+            <a:prstGeom prst="rect">
+              <a:avLst/>
+            </a:prstGeom>
+            <a:noFill/>
+            <a:ln w="19050" cmpd="sng">
+              <a:solidFill>
+                <a:schemeClr val="accent6">
+                  <a:lumMod val="50000"/>
+                </a:schemeClr>
+              </a:solidFill>
+            </a:ln>
+            <a:effectLst/>
+          </p:spPr>
+          <p:style>
+            <a:lnRef idx="1">
+              <a:schemeClr val="accent1"/>
+            </a:lnRef>
+            <a:fillRef idx="3">
+              <a:schemeClr val="accent1"/>
+            </a:fillRef>
+            <a:effectRef idx="2">
+              <a:schemeClr val="accent1"/>
+            </a:effectRef>
+            <a:fontRef idx="minor">
+              <a:schemeClr val="lt1"/>
+            </a:fontRef>
+          </p:style>
+          <p:txBody>
+            <a:bodyPr rtlCol="0" anchor="ctr"/>
+            <a:lstStyle/>
+            <a:p>
+              <a:pPr algn="ctr"/>
+              <a:endParaRPr lang="de-DE"/>
+            </a:p>
+          </p:txBody>
+        </p:sp>
+        <p:cxnSp>
+          <p:nvCxnSpPr>
+            <p:cNvPr id="30" name="Gerade Verbindung 29"/>
+            <p:cNvCxnSpPr/>
+            <p:nvPr/>
+          </p:nvCxnSpPr>
+          <p:spPr>
+            <a:xfrm>
+              <a:off x="7921625" y="1835150"/>
+              <a:ext cx="386715" cy="3621007"/>
+            </a:xfrm>
+            <a:prstGeom prst="line">
+              <a:avLst/>
+            </a:prstGeom>
+            <a:ln>
+              <a:solidFill>
+                <a:srgbClr val="984807"/>
+              </a:solidFill>
+            </a:ln>
+            <a:effectLst/>
+          </p:spPr>
+          <p:style>
+            <a:lnRef idx="2">
+              <a:schemeClr val="accent1"/>
+            </a:lnRef>
+            <a:fillRef idx="0">
+              <a:schemeClr val="accent1"/>
+            </a:fillRef>
+            <a:effectRef idx="1">
+              <a:schemeClr val="accent1"/>
+            </a:effectRef>
+            <a:fontRef idx="minor">
+              <a:schemeClr val="tx1"/>
+            </a:fontRef>
+          </p:style>
+        </p:cxnSp>
+        <p:cxnSp>
+          <p:nvCxnSpPr>
+            <p:cNvPr id="31" name="Gerade Verbindung 30"/>
+            <p:cNvCxnSpPr/>
+            <p:nvPr/>
+          </p:nvCxnSpPr>
+          <p:spPr>
+            <a:xfrm flipH="1">
+              <a:off x="7921625" y="1835150"/>
+              <a:ext cx="386715" cy="3621007"/>
+            </a:xfrm>
+            <a:prstGeom prst="line">
+              <a:avLst/>
+            </a:prstGeom>
+            <a:ln>
+              <a:solidFill>
+                <a:srgbClr val="984807"/>
+              </a:solidFill>
+            </a:ln>
+            <a:effectLst/>
+          </p:spPr>
+          <p:style>
+            <a:lnRef idx="2">
+              <a:schemeClr val="accent1"/>
+            </a:lnRef>
+            <a:fillRef idx="0">
+              <a:schemeClr val="accent1"/>
+            </a:fillRef>
+            <a:effectRef idx="1">
+              <a:schemeClr val="accent1"/>
+            </a:effectRef>
+            <a:fontRef idx="minor">
+              <a:schemeClr val="tx1"/>
+            </a:fontRef>
+          </p:style>
+        </p:cxnSp>
+        <p:sp>
+          <p:nvSpPr>
+            <p:cNvPr id="32" name="Rechteck 31"/>
+            <p:cNvSpPr/>
+            <p:nvPr/>
+          </p:nvSpPr>
+          <p:spPr>
+            <a:xfrm>
+              <a:off x="7921624" y="1310215"/>
+              <a:ext cx="386715" cy="502710"/>
+            </a:xfrm>
+            <a:prstGeom prst="rect">
+              <a:avLst/>
+            </a:prstGeom>
+            <a:noFill/>
+            <a:ln w="19050" cmpd="sng">
+              <a:solidFill>
+                <a:schemeClr val="accent5">
+                  <a:lumMod val="60000"/>
+                  <a:lumOff val="40000"/>
+                </a:schemeClr>
+              </a:solidFill>
+            </a:ln>
+            <a:effectLst/>
+          </p:spPr>
+          <p:style>
+            <a:lnRef idx="1">
+              <a:schemeClr val="accent1"/>
+            </a:lnRef>
+            <a:fillRef idx="3">
+              <a:schemeClr val="accent1"/>
+            </a:fillRef>
+            <a:effectRef idx="2">
+              <a:schemeClr val="accent1"/>
+            </a:effectRef>
+            <a:fontRef idx="minor">
+              <a:schemeClr val="lt1"/>
+            </a:fontRef>
+          </p:style>
+          <p:txBody>
+            <a:bodyPr rtlCol="0" anchor="ctr"/>
+            <a:lstStyle/>
+            <a:p>
+              <a:pPr algn="ctr"/>
+              <a:endParaRPr lang="de-DE"/>
+            </a:p>
+          </p:txBody>
+        </p:sp>
+        <p:sp>
+          <p:nvSpPr>
+            <p:cNvPr id="33" name="Oval 32"/>
+            <p:cNvSpPr/>
+            <p:nvPr/>
+          </p:nvSpPr>
+          <p:spPr>
+            <a:xfrm>
+              <a:off x="8008619" y="1401233"/>
+              <a:ext cx="212725" cy="320675"/>
+            </a:xfrm>
+            <a:prstGeom prst="ellipse">
+              <a:avLst/>
+            </a:prstGeom>
+            <a:noFill/>
+            <a:ln>
+              <a:solidFill>
+                <a:schemeClr val="accent5">
+                  <a:lumMod val="60000"/>
+                  <a:lumOff val="40000"/>
+                </a:schemeClr>
+              </a:solidFill>
+            </a:ln>
+            <a:effectLst/>
+          </p:spPr>
+          <p:style>
+            <a:lnRef idx="1">
+              <a:schemeClr val="accent1"/>
+            </a:lnRef>
+            <a:fillRef idx="3">
+              <a:schemeClr val="accent1"/>
+            </a:fillRef>
+            <a:effectRef idx="2">
+              <a:schemeClr val="accent1"/>
+            </a:effectRef>
+            <a:fontRef idx="minor">
+              <a:schemeClr val="lt1"/>
+            </a:fontRef>
+          </p:style>
+          <p:txBody>
+            <a:bodyPr rtlCol="0" anchor="ctr"/>
+            <a:lstStyle/>
+            <a:p>
+              <a:pPr algn="ctr"/>
+              <a:endParaRPr lang="de-DE"/>
+            </a:p>
+          </p:txBody>
+        </p:sp>
+        <p:sp>
+          <p:nvSpPr>
+            <p:cNvPr id="34" name="Rechteck 33"/>
+            <p:cNvSpPr/>
+            <p:nvPr/>
+          </p:nvSpPr>
+          <p:spPr>
+            <a:xfrm rot="5400000">
+              <a:off x="4217975" y="949321"/>
+              <a:ext cx="1191471" cy="3438107"/>
+            </a:xfrm>
+            <a:prstGeom prst="rect">
+              <a:avLst/>
+            </a:prstGeom>
+            <a:noFill/>
+            <a:ln w="19050" cmpd="sng">
+              <a:solidFill>
+                <a:schemeClr val="accent6">
+                  <a:lumMod val="50000"/>
+                </a:schemeClr>
+              </a:solidFill>
+            </a:ln>
+            <a:effectLst/>
+          </p:spPr>
+          <p:style>
+            <a:lnRef idx="1">
+              <a:schemeClr val="accent1"/>
+            </a:lnRef>
+            <a:fillRef idx="3">
+              <a:schemeClr val="accent1"/>
+            </a:fillRef>
+            <a:effectRef idx="2">
+              <a:schemeClr val="accent1"/>
+            </a:effectRef>
+            <a:fontRef idx="minor">
+              <a:schemeClr val="lt1"/>
+            </a:fontRef>
+          </p:style>
+          <p:txBody>
+            <a:bodyPr rtlCol="0" anchor="ctr"/>
+            <a:lstStyle/>
+            <a:p>
+              <a:pPr algn="ctr"/>
+              <a:endParaRPr lang="de-DE"/>
+            </a:p>
+          </p:txBody>
+        </p:sp>
+        <p:sp>
+          <p:nvSpPr>
+            <p:cNvPr id="35" name="Rechteck 34"/>
+            <p:cNvSpPr/>
+            <p:nvPr/>
+          </p:nvSpPr>
+          <p:spPr>
+            <a:xfrm rot="5400000">
+              <a:off x="6196165" y="2409237"/>
+              <a:ext cx="1191471" cy="518275"/>
+            </a:xfrm>
+            <a:prstGeom prst="rect">
+              <a:avLst/>
+            </a:prstGeom>
+            <a:noFill/>
+            <a:ln w="19050" cmpd="sng">
+              <a:solidFill>
+                <a:schemeClr val="accent6">
+                  <a:lumMod val="50000"/>
+                </a:schemeClr>
+              </a:solidFill>
+            </a:ln>
+            <a:effectLst/>
+          </p:spPr>
+          <p:style>
+            <a:lnRef idx="1">
+              <a:schemeClr val="accent1"/>
+            </a:lnRef>
+            <a:fillRef idx="3">
+              <a:schemeClr val="accent1"/>
+            </a:fillRef>
+            <a:effectRef idx="2">
+              <a:schemeClr val="accent1"/>
+            </a:effectRef>
+            <a:fontRef idx="minor">
+              <a:schemeClr val="lt1"/>
+            </a:fontRef>
+          </p:style>
+          <p:txBody>
+            <a:bodyPr rtlCol="0" anchor="ctr"/>
+            <a:lstStyle/>
+            <a:p>
+              <a:pPr algn="ctr"/>
+              <a:endParaRPr lang="de-DE"/>
+            </a:p>
+          </p:txBody>
+        </p:sp>
+        <p:sp>
+          <p:nvSpPr>
+            <p:cNvPr id="36" name="Rechteck 35"/>
+            <p:cNvSpPr/>
+            <p:nvPr/>
+          </p:nvSpPr>
+          <p:spPr>
+            <a:xfrm rot="5400000">
+              <a:off x="5035066" y="4575962"/>
+              <a:ext cx="566345" cy="1189761"/>
+            </a:xfrm>
+            <a:prstGeom prst="rect">
+              <a:avLst/>
+            </a:prstGeom>
+            <a:noFill/>
+            <a:ln w="19050" cmpd="sng">
+              <a:solidFill>
+                <a:schemeClr val="accent6">
+                  <a:lumMod val="50000"/>
+                </a:schemeClr>
+              </a:solidFill>
+            </a:ln>
+            <a:effectLst/>
+          </p:spPr>
+          <p:style>
+            <a:lnRef idx="1">
+              <a:schemeClr val="accent1"/>
+            </a:lnRef>
+            <a:fillRef idx="3">
+              <a:schemeClr val="accent1"/>
+            </a:fillRef>
+            <a:effectRef idx="2">
+              <a:schemeClr val="accent1"/>
+            </a:effectRef>
+            <a:fontRef idx="minor">
+              <a:schemeClr val="lt1"/>
+            </a:fontRef>
+          </p:style>
+          <p:txBody>
+            <a:bodyPr rtlCol="0" anchor="ctr"/>
+            <a:lstStyle/>
+            <a:p>
+              <a:pPr algn="ctr"/>
+              <a:endParaRPr lang="de-DE"/>
+            </a:p>
+          </p:txBody>
+        </p:sp>
+        <p:sp>
+          <p:nvSpPr>
+            <p:cNvPr id="37" name="Rechteck 36"/>
+            <p:cNvSpPr/>
+            <p:nvPr/>
+          </p:nvSpPr>
+          <p:spPr>
+            <a:xfrm rot="5400000">
+              <a:off x="3104666" y="4575962"/>
+              <a:ext cx="566345" cy="1189761"/>
+            </a:xfrm>
+            <a:prstGeom prst="rect">
+              <a:avLst/>
+            </a:prstGeom>
+            <a:noFill/>
+            <a:ln w="19050" cmpd="sng">
+              <a:solidFill>
+                <a:schemeClr val="accent6">
+                  <a:lumMod val="50000"/>
+                </a:schemeClr>
+              </a:solidFill>
+            </a:ln>
+            <a:effectLst/>
+          </p:spPr>
+          <p:style>
+            <a:lnRef idx="1">
+              <a:schemeClr val="accent1"/>
+            </a:lnRef>
+            <a:fillRef idx="3">
+              <a:schemeClr val="accent1"/>
+            </a:fillRef>
+            <a:effectRef idx="2">
+              <a:schemeClr val="accent1"/>
+            </a:effectRef>
+            <a:fontRef idx="minor">
+              <a:schemeClr val="lt1"/>
+            </a:fontRef>
+          </p:style>
+          <p:txBody>
+            <a:bodyPr rtlCol="0" anchor="ctr"/>
+            <a:lstStyle/>
+            <a:p>
+              <a:pPr algn="ctr"/>
+              <a:endParaRPr lang="de-DE"/>
+            </a:p>
+          </p:txBody>
+        </p:sp>
+        <p:sp>
+          <p:nvSpPr>
+            <p:cNvPr id="38" name="Rechteck 37"/>
+            <p:cNvSpPr/>
+            <p:nvPr/>
+          </p:nvSpPr>
+          <p:spPr>
+            <a:xfrm rot="5400000">
+              <a:off x="6288919" y="4691896"/>
+              <a:ext cx="386715" cy="1137523"/>
+            </a:xfrm>
+            <a:prstGeom prst="rect">
+              <a:avLst/>
+            </a:prstGeom>
+            <a:noFill/>
+            <a:ln w="19050" cmpd="sng">
+              <a:solidFill>
+                <a:schemeClr val="accent6">
+                  <a:lumMod val="50000"/>
+                </a:schemeClr>
+              </a:solidFill>
+            </a:ln>
+            <a:effectLst/>
+          </p:spPr>
+          <p:style>
+            <a:lnRef idx="1">
+              <a:schemeClr val="accent1"/>
+            </a:lnRef>
+            <a:fillRef idx="3">
+              <a:schemeClr val="accent1"/>
+            </a:fillRef>
+            <a:effectRef idx="2">
+              <a:schemeClr val="accent1"/>
+            </a:effectRef>
+            <a:fontRef idx="minor">
+              <a:schemeClr val="lt1"/>
+            </a:fontRef>
+          </p:style>
+          <p:txBody>
+            <a:bodyPr rtlCol="0" anchor="ctr"/>
+            <a:lstStyle/>
+            <a:p>
+              <a:pPr algn="ctr"/>
+              <a:endParaRPr lang="de-DE"/>
+            </a:p>
+          </p:txBody>
+        </p:sp>
+        <p:cxnSp>
+          <p:nvCxnSpPr>
+            <p:cNvPr id="39" name="Gerade Verbindung 38"/>
+            <p:cNvCxnSpPr/>
+            <p:nvPr/>
+          </p:nvCxnSpPr>
+          <p:spPr>
+            <a:xfrm rot="5400000">
+              <a:off x="6288721" y="4691698"/>
+              <a:ext cx="386715" cy="1137920"/>
+            </a:xfrm>
+            <a:prstGeom prst="line">
+              <a:avLst/>
+            </a:prstGeom>
+            <a:ln>
+              <a:solidFill>
+                <a:srgbClr val="984807"/>
+              </a:solidFill>
+            </a:ln>
+            <a:effectLst/>
+          </p:spPr>
+          <p:style>
+            <a:lnRef idx="2">
+              <a:schemeClr val="accent1"/>
+            </a:lnRef>
+            <a:fillRef idx="0">
+              <a:schemeClr val="accent1"/>
+            </a:fillRef>
+            <a:effectRef idx="1">
+              <a:schemeClr val="accent1"/>
+            </a:effectRef>
+            <a:fontRef idx="minor">
+              <a:schemeClr val="tx1"/>
+            </a:fontRef>
+          </p:style>
+        </p:cxnSp>
+        <p:cxnSp>
+          <p:nvCxnSpPr>
+            <p:cNvPr id="40" name="Gerade Verbindung 39"/>
+            <p:cNvCxnSpPr/>
+            <p:nvPr/>
+          </p:nvCxnSpPr>
+          <p:spPr>
+            <a:xfrm rot="5400000" flipH="1">
+              <a:off x="6288721" y="4691698"/>
+              <a:ext cx="386715" cy="1137920"/>
+            </a:xfrm>
+            <a:prstGeom prst="line">
+              <a:avLst/>
+            </a:prstGeom>
+            <a:ln>
+              <a:solidFill>
+                <a:srgbClr val="984807"/>
+              </a:solidFill>
+            </a:ln>
+            <a:effectLst/>
+          </p:spPr>
+          <p:style>
+            <a:lnRef idx="2">
+              <a:schemeClr val="accent1"/>
+            </a:lnRef>
+            <a:fillRef idx="0">
+              <a:schemeClr val="accent1"/>
+            </a:fillRef>
+            <a:effectRef idx="1">
+              <a:schemeClr val="accent1"/>
+            </a:effectRef>
+            <a:fontRef idx="minor">
+              <a:schemeClr val="tx1"/>
+            </a:fontRef>
+          </p:style>
+        </p:cxnSp>
+        <p:sp>
+          <p:nvSpPr>
+            <p:cNvPr id="41" name="Rechteck 40"/>
+            <p:cNvSpPr/>
+            <p:nvPr/>
+          </p:nvSpPr>
+          <p:spPr>
+            <a:xfrm rot="5400000">
+              <a:off x="4155513" y="4895289"/>
+              <a:ext cx="386715" cy="730738"/>
+            </a:xfrm>
+            <a:prstGeom prst="rect">
+              <a:avLst/>
+            </a:prstGeom>
+            <a:noFill/>
+            <a:ln w="19050" cmpd="sng">
+              <a:solidFill>
+                <a:schemeClr val="accent6">
+                  <a:lumMod val="50000"/>
+                </a:schemeClr>
+              </a:solidFill>
+            </a:ln>
+            <a:effectLst/>
+          </p:spPr>
+          <p:style>
+            <a:lnRef idx="1">
+              <a:schemeClr val="accent1"/>
+            </a:lnRef>
+            <a:fillRef idx="3">
+              <a:schemeClr val="accent1"/>
+            </a:fillRef>
+            <a:effectRef idx="2">
+              <a:schemeClr val="accent1"/>
+            </a:effectRef>
+            <a:fontRef idx="minor">
+              <a:schemeClr val="lt1"/>
+            </a:fontRef>
+          </p:style>
+          <p:txBody>
+            <a:bodyPr rtlCol="0" anchor="ctr"/>
+            <a:lstStyle/>
+            <a:p>
+              <a:pPr algn="ctr"/>
+              <a:endParaRPr lang="de-DE"/>
+            </a:p>
+          </p:txBody>
+        </p:sp>
+        <p:cxnSp>
+          <p:nvCxnSpPr>
+            <p:cNvPr id="42" name="Gerade Verbindung 41"/>
+            <p:cNvCxnSpPr/>
+            <p:nvPr/>
+          </p:nvCxnSpPr>
+          <p:spPr>
+            <a:xfrm rot="5400000">
+              <a:off x="4155386" y="4895162"/>
+              <a:ext cx="386715" cy="730993"/>
+            </a:xfrm>
+            <a:prstGeom prst="line">
+              <a:avLst/>
+            </a:prstGeom>
+            <a:ln>
+              <a:solidFill>
+                <a:srgbClr val="984807"/>
+              </a:solidFill>
+            </a:ln>
+            <a:effectLst/>
+          </p:spPr>
+          <p:style>
+            <a:lnRef idx="2">
+              <a:schemeClr val="accent1"/>
+            </a:lnRef>
+            <a:fillRef idx="0">
+              <a:schemeClr val="accent1"/>
+            </a:fillRef>
+            <a:effectRef idx="1">
+              <a:schemeClr val="accent1"/>
+            </a:effectRef>
+            <a:fontRef idx="minor">
+              <a:schemeClr val="tx1"/>
+            </a:fontRef>
+          </p:style>
+        </p:cxnSp>
+        <p:cxnSp>
+          <p:nvCxnSpPr>
+            <p:cNvPr id="43" name="Gerade Verbindung 42"/>
+            <p:cNvCxnSpPr/>
+            <p:nvPr/>
+          </p:nvCxnSpPr>
+          <p:spPr>
+            <a:xfrm rot="5400000" flipH="1">
+              <a:off x="4155386" y="4895162"/>
+              <a:ext cx="386715" cy="730993"/>
+            </a:xfrm>
+            <a:prstGeom prst="line">
+              <a:avLst/>
+            </a:prstGeom>
+            <a:ln>
+              <a:solidFill>
+                <a:srgbClr val="984807"/>
+              </a:solidFill>
+            </a:ln>
+            <a:effectLst/>
+          </p:spPr>
+          <p:style>
+            <a:lnRef idx="2">
+              <a:schemeClr val="accent1"/>
+            </a:lnRef>
+            <a:fillRef idx="0">
+              <a:schemeClr val="accent1"/>
+            </a:fillRef>
+            <a:effectRef idx="1">
+              <a:schemeClr val="accent1"/>
+            </a:effectRef>
+            <a:fontRef idx="minor">
+              <a:schemeClr val="tx1"/>
+            </a:fontRef>
+          </p:style>
+        </p:cxnSp>
+        <p:sp>
+          <p:nvSpPr>
+            <p:cNvPr id="44" name="Rechteck 43"/>
+            <p:cNvSpPr/>
+            <p:nvPr/>
+          </p:nvSpPr>
+          <p:spPr>
+            <a:xfrm rot="10800000">
+              <a:off x="4817970" y="1322543"/>
+              <a:ext cx="301173" cy="750098"/>
+            </a:xfrm>
+            <a:prstGeom prst="rect">
+              <a:avLst/>
+            </a:prstGeom>
+            <a:noFill/>
+            <a:ln w="19050" cmpd="sng">
+              <a:solidFill>
+                <a:schemeClr val="accent6">
+                  <a:lumMod val="50000"/>
+                </a:schemeClr>
+              </a:solidFill>
+            </a:ln>
+            <a:effectLst/>
+          </p:spPr>
+          <p:style>
+            <a:lnRef idx="1">
+              <a:schemeClr val="accent1"/>
+            </a:lnRef>
+            <a:fillRef idx="3">
+              <a:schemeClr val="accent1"/>
+            </a:fillRef>
+            <a:effectRef idx="2">
+              <a:schemeClr val="accent1"/>
+            </a:effectRef>
+            <a:fontRef idx="minor">
+              <a:schemeClr val="lt1"/>
+            </a:fontRef>
+          </p:style>
+          <p:txBody>
+            <a:bodyPr rtlCol="0" anchor="ctr"/>
+            <a:lstStyle/>
+            <a:p>
+              <a:pPr algn="ctr"/>
+              <a:endParaRPr lang="de-DE"/>
+            </a:p>
+          </p:txBody>
+        </p:sp>
+        <p:cxnSp>
+          <p:nvCxnSpPr>
+            <p:cNvPr id="45" name="Gerade Verbindung 44"/>
+            <p:cNvCxnSpPr/>
+            <p:nvPr/>
+          </p:nvCxnSpPr>
+          <p:spPr>
+            <a:xfrm rot="10800000">
+              <a:off x="4817970" y="1322281"/>
+              <a:ext cx="301173" cy="750360"/>
+            </a:xfrm>
+            <a:prstGeom prst="line">
+              <a:avLst/>
+            </a:prstGeom>
+            <a:ln>
+              <a:solidFill>
+                <a:srgbClr val="984807"/>
+              </a:solidFill>
+            </a:ln>
+            <a:effectLst/>
+          </p:spPr>
+          <p:style>
+            <a:lnRef idx="2">
+              <a:schemeClr val="accent1"/>
+            </a:lnRef>
+            <a:fillRef idx="0">
+              <a:schemeClr val="accent1"/>
+            </a:fillRef>
+            <a:effectRef idx="1">
+              <a:schemeClr val="accent1"/>
+            </a:effectRef>
+            <a:fontRef idx="minor">
+              <a:schemeClr val="tx1"/>
+            </a:fontRef>
+          </p:style>
+        </p:cxnSp>
+        <p:cxnSp>
+          <p:nvCxnSpPr>
+            <p:cNvPr id="46" name="Gerade Verbindung 45"/>
+            <p:cNvCxnSpPr/>
+            <p:nvPr/>
+          </p:nvCxnSpPr>
+          <p:spPr>
+            <a:xfrm rot="10800000" flipH="1">
+              <a:off x="4817970" y="1322281"/>
+              <a:ext cx="301173" cy="750360"/>
+            </a:xfrm>
+            <a:prstGeom prst="line">
+              <a:avLst/>
+            </a:prstGeom>
+            <a:ln>
+              <a:solidFill>
+                <a:srgbClr val="984807"/>
+              </a:solidFill>
+            </a:ln>
+            <a:effectLst/>
+          </p:spPr>
+          <p:style>
+            <a:lnRef idx="2">
+              <a:schemeClr val="accent1"/>
+            </a:lnRef>
+            <a:fillRef idx="0">
+              <a:schemeClr val="accent1"/>
+            </a:fillRef>
+            <a:effectRef idx="1">
+              <a:schemeClr val="accent1"/>
+            </a:effectRef>
+            <a:fontRef idx="minor">
+              <a:schemeClr val="tx1"/>
+            </a:fontRef>
+          </p:style>
+        </p:cxnSp>
+        <p:sp>
+          <p:nvSpPr>
+            <p:cNvPr id="47" name="Rechteck 46"/>
+            <p:cNvSpPr/>
+            <p:nvPr/>
+          </p:nvSpPr>
+          <p:spPr>
+            <a:xfrm rot="10800000">
+              <a:off x="4511039" y="1322543"/>
+              <a:ext cx="301173" cy="750098"/>
+            </a:xfrm>
+            <a:prstGeom prst="rect">
+              <a:avLst/>
+            </a:prstGeom>
+            <a:noFill/>
+            <a:ln w="19050" cmpd="sng">
+              <a:solidFill>
+                <a:schemeClr val="accent6">
+                  <a:lumMod val="50000"/>
+                </a:schemeClr>
+              </a:solidFill>
+            </a:ln>
+            <a:effectLst/>
+          </p:spPr>
+          <p:style>
+            <a:lnRef idx="1">
+              <a:schemeClr val="accent1"/>
+            </a:lnRef>
+            <a:fillRef idx="3">
+              <a:schemeClr val="accent1"/>
+            </a:fillRef>
+            <a:effectRef idx="2">
+              <a:schemeClr val="accent1"/>
+            </a:effectRef>
+            <a:fontRef idx="minor">
+              <a:schemeClr val="lt1"/>
+            </a:fontRef>
+          </p:style>
+          <p:txBody>
+            <a:bodyPr rtlCol="0" anchor="ctr"/>
+            <a:lstStyle/>
+            <a:p>
+              <a:pPr algn="ctr"/>
+              <a:endParaRPr lang="de-DE"/>
+            </a:p>
+          </p:txBody>
+        </p:sp>
+        <p:cxnSp>
+          <p:nvCxnSpPr>
+            <p:cNvPr id="48" name="Gerade Verbindung 47"/>
+            <p:cNvCxnSpPr/>
+            <p:nvPr/>
+          </p:nvCxnSpPr>
+          <p:spPr>
+            <a:xfrm rot="10800000">
+              <a:off x="4511039" y="1322281"/>
+              <a:ext cx="301173" cy="750360"/>
+            </a:xfrm>
+            <a:prstGeom prst="line">
+              <a:avLst/>
+            </a:prstGeom>
+            <a:ln>
+              <a:solidFill>
+                <a:srgbClr val="984807"/>
+              </a:solidFill>
+            </a:ln>
+            <a:effectLst/>
+          </p:spPr>
+          <p:style>
+            <a:lnRef idx="2">
+              <a:schemeClr val="accent1"/>
+            </a:lnRef>
+            <a:fillRef idx="0">
+              <a:schemeClr val="accent1"/>
+            </a:fillRef>
+            <a:effectRef idx="1">
+              <a:schemeClr val="accent1"/>
+            </a:effectRef>
+            <a:fontRef idx="minor">
+              <a:schemeClr val="tx1"/>
+            </a:fontRef>
+          </p:style>
+        </p:cxnSp>
+        <p:cxnSp>
+          <p:nvCxnSpPr>
+            <p:cNvPr id="49" name="Gerade Verbindung 48"/>
+            <p:cNvCxnSpPr/>
+            <p:nvPr/>
+          </p:nvCxnSpPr>
+          <p:spPr>
+            <a:xfrm rot="10800000" flipH="1">
+              <a:off x="4511039" y="1322281"/>
+              <a:ext cx="301173" cy="750360"/>
+            </a:xfrm>
+            <a:prstGeom prst="line">
+              <a:avLst/>
+            </a:prstGeom>
+            <a:ln>
+              <a:solidFill>
+                <a:srgbClr val="984807"/>
+              </a:solidFill>
+            </a:ln>
+            <a:effectLst/>
+          </p:spPr>
+          <p:style>
+            <a:lnRef idx="2">
+              <a:schemeClr val="accent1"/>
+            </a:lnRef>
+            <a:fillRef idx="0">
+              <a:schemeClr val="accent1"/>
+            </a:fillRef>
+            <a:effectRef idx="1">
+              <a:schemeClr val="accent1"/>
+            </a:effectRef>
+            <a:fontRef idx="minor">
+              <a:schemeClr val="tx1"/>
+            </a:fontRef>
+          </p:style>
+        </p:cxnSp>
+        <p:grpSp>
+          <p:nvGrpSpPr>
+            <p:cNvPr id="50" name="Gruppierung 49"/>
+            <p:cNvGrpSpPr/>
+            <p:nvPr/>
+          </p:nvGrpSpPr>
+          <p:grpSpPr>
+            <a:xfrm>
+              <a:off x="4820849" y="3264111"/>
+              <a:ext cx="301173" cy="759250"/>
+              <a:chOff x="4820849" y="3264111"/>
+              <a:chExt cx="301173" cy="759250"/>
+            </a:xfrm>
+          </p:grpSpPr>
+          <p:sp>
+            <p:nvSpPr>
+              <p:cNvPr id="165" name="Rechteck 164"/>
+              <p:cNvSpPr/>
+              <p:nvPr/>
+            </p:nvSpPr>
+            <p:spPr>
+              <a:xfrm rot="10800000">
+                <a:off x="4820849" y="3264376"/>
+                <a:ext cx="301173" cy="758985"/>
+              </a:xfrm>
+              <a:prstGeom prst="rect">
+                <a:avLst/>
+              </a:prstGeom>
+              <a:noFill/>
+              <a:ln w="19050" cmpd="sng">
+                <a:solidFill>
+                  <a:schemeClr val="accent6">
+                    <a:lumMod val="50000"/>
+                  </a:schemeClr>
+                </a:solidFill>
+              </a:ln>
+              <a:effectLst/>
+            </p:spPr>
+            <p:style>
+              <a:lnRef idx="1">
+                <a:schemeClr val="accent1"/>
+              </a:lnRef>
+              <a:fillRef idx="3">
+                <a:schemeClr val="accent1"/>
+              </a:fillRef>
+              <a:effectRef idx="2">
+                <a:schemeClr val="accent1"/>
+              </a:effectRef>
+              <a:fontRef idx="minor">
+                <a:schemeClr val="lt1"/>
+              </a:fontRef>
+            </p:style>
+            <p:txBody>
+              <a:bodyPr rtlCol="0" anchor="ctr"/>
+              <a:lstStyle/>
+              <a:p>
+                <a:pPr algn="ctr"/>
+                <a:endParaRPr lang="de-DE"/>
+              </a:p>
+            </p:txBody>
+          </p:sp>
+          <p:cxnSp>
+            <p:nvCxnSpPr>
+              <p:cNvPr id="166" name="Gerade Verbindung 165"/>
+              <p:cNvCxnSpPr/>
+              <p:nvPr/>
+            </p:nvCxnSpPr>
+            <p:spPr>
+              <a:xfrm rot="10800000">
+                <a:off x="4820849" y="3264111"/>
+                <a:ext cx="301173" cy="759250"/>
+              </a:xfrm>
+              <a:prstGeom prst="line">
+                <a:avLst/>
+              </a:prstGeom>
+              <a:ln>
+                <a:solidFill>
+                  <a:srgbClr val="984807"/>
+                </a:solidFill>
+              </a:ln>
+              <a:effectLst/>
+            </p:spPr>
+            <p:style>
+              <a:lnRef idx="2">
+                <a:schemeClr val="accent1"/>
+              </a:lnRef>
+              <a:fillRef idx="0">
+                <a:schemeClr val="accent1"/>
+              </a:fillRef>
+              <a:effectRef idx="1">
+                <a:schemeClr val="accent1"/>
+              </a:effectRef>
+              <a:fontRef idx="minor">
+                <a:schemeClr val="tx1"/>
+              </a:fontRef>
+            </p:style>
+          </p:cxnSp>
+          <p:cxnSp>
+            <p:nvCxnSpPr>
+              <p:cNvPr id="167" name="Gerade Verbindung 166"/>
+              <p:cNvCxnSpPr/>
+              <p:nvPr/>
+            </p:nvCxnSpPr>
+            <p:spPr>
+              <a:xfrm rot="10800000" flipH="1">
+                <a:off x="4820849" y="3264111"/>
+                <a:ext cx="301173" cy="759250"/>
+              </a:xfrm>
+              <a:prstGeom prst="line">
+                <a:avLst/>
+              </a:prstGeom>
+              <a:ln>
+                <a:solidFill>
+                  <a:srgbClr val="984807"/>
+                </a:solidFill>
+              </a:ln>
+              <a:effectLst/>
+            </p:spPr>
+            <p:style>
+              <a:lnRef idx="2">
+                <a:schemeClr val="accent1"/>
+              </a:lnRef>
+              <a:fillRef idx="0">
+                <a:schemeClr val="accent1"/>
+              </a:fillRef>
+              <a:effectRef idx="1">
+                <a:schemeClr val="accent1"/>
+              </a:effectRef>
+              <a:fontRef idx="minor">
+                <a:schemeClr val="tx1"/>
+              </a:fontRef>
+            </p:style>
+          </p:cxnSp>
+        </p:grpSp>
+        <p:sp>
+          <p:nvSpPr>
+            <p:cNvPr id="51" name="Rechteck 50"/>
+            <p:cNvSpPr/>
+            <p:nvPr/>
+          </p:nvSpPr>
+          <p:spPr>
+            <a:xfrm rot="10800000">
+              <a:off x="4513918" y="3264376"/>
+              <a:ext cx="301173" cy="758985"/>
+            </a:xfrm>
+            <a:prstGeom prst="rect">
+              <a:avLst/>
+            </a:prstGeom>
+            <a:noFill/>
+            <a:ln w="19050" cmpd="sng">
+              <a:solidFill>
+                <a:schemeClr val="accent6">
+                  <a:lumMod val="50000"/>
+                </a:schemeClr>
+              </a:solidFill>
+            </a:ln>
+            <a:effectLst/>
+          </p:spPr>
+          <p:style>
+            <a:lnRef idx="1">
+              <a:schemeClr val="accent1"/>
+            </a:lnRef>
+            <a:fillRef idx="3">
+              <a:schemeClr val="accent1"/>
+            </a:fillRef>
+            <a:effectRef idx="2">
+              <a:schemeClr val="accent1"/>
+            </a:effectRef>
+            <a:fontRef idx="minor">
+              <a:schemeClr val="lt1"/>
+            </a:fontRef>
+          </p:style>
+          <p:txBody>
+            <a:bodyPr rtlCol="0" anchor="ctr"/>
+            <a:lstStyle/>
+            <a:p>
+              <a:pPr algn="ctr"/>
+              <a:endParaRPr lang="de-DE"/>
+            </a:p>
+          </p:txBody>
+        </p:sp>
+        <p:cxnSp>
+          <p:nvCxnSpPr>
+            <p:cNvPr id="52" name="Gerade Verbindung 51"/>
+            <p:cNvCxnSpPr/>
+            <p:nvPr/>
+          </p:nvCxnSpPr>
+          <p:spPr>
+            <a:xfrm rot="10800000">
+              <a:off x="4513918" y="3264111"/>
+              <a:ext cx="301173" cy="759250"/>
+            </a:xfrm>
+            <a:prstGeom prst="line">
+              <a:avLst/>
+            </a:prstGeom>
+            <a:ln>
+              <a:solidFill>
+                <a:srgbClr val="984807"/>
+              </a:solidFill>
+            </a:ln>
+            <a:effectLst/>
+          </p:spPr>
+          <p:style>
+            <a:lnRef idx="2">
+              <a:schemeClr val="accent1"/>
+            </a:lnRef>
+            <a:fillRef idx="0">
+              <a:schemeClr val="accent1"/>
+            </a:fillRef>
+            <a:effectRef idx="1">
+              <a:schemeClr val="accent1"/>
+            </a:effectRef>
+            <a:fontRef idx="minor">
+              <a:schemeClr val="tx1"/>
+            </a:fontRef>
+          </p:style>
+        </p:cxnSp>
+        <p:cxnSp>
+          <p:nvCxnSpPr>
+            <p:cNvPr id="53" name="Gerade Verbindung 52"/>
+            <p:cNvCxnSpPr/>
+            <p:nvPr/>
+          </p:nvCxnSpPr>
+          <p:spPr>
+            <a:xfrm rot="10800000" flipH="1">
+              <a:off x="4513918" y="3264111"/>
+              <a:ext cx="301173" cy="759250"/>
+            </a:xfrm>
+            <a:prstGeom prst="line">
+              <a:avLst/>
+            </a:prstGeom>
+            <a:ln>
+              <a:solidFill>
+                <a:srgbClr val="984807"/>
+              </a:solidFill>
+            </a:ln>
+            <a:effectLst/>
+          </p:spPr>
+          <p:style>
+            <a:lnRef idx="2">
+              <a:schemeClr val="accent1"/>
+            </a:lnRef>
+            <a:fillRef idx="0">
+              <a:schemeClr val="accent1"/>
+            </a:fillRef>
+            <a:effectRef idx="1">
+              <a:schemeClr val="accent1"/>
+            </a:effectRef>
+            <a:fontRef idx="minor">
+              <a:schemeClr val="tx1"/>
+            </a:fontRef>
+          </p:style>
+        </p:cxnSp>
+        <p:sp>
+          <p:nvSpPr>
+            <p:cNvPr id="54" name="Abschrägung 53"/>
+            <p:cNvSpPr/>
+            <p:nvPr/>
+          </p:nvSpPr>
+          <p:spPr>
+            <a:xfrm>
+              <a:off x="3545839" y="2144075"/>
+              <a:ext cx="436880" cy="345230"/>
+            </a:xfrm>
+            <a:prstGeom prst="bevel">
+              <a:avLst/>
+            </a:prstGeom>
+            <a:solidFill>
+              <a:schemeClr val="bg1"/>
+            </a:solidFill>
+            <a:ln w="19050" cmpd="sng">
+              <a:solidFill>
+                <a:schemeClr val="accent2">
+                  <a:lumMod val="60000"/>
+                  <a:lumOff val="40000"/>
+                </a:schemeClr>
+              </a:solidFill>
+            </a:ln>
+            <a:effectLst/>
+          </p:spPr>
+          <p:style>
+            <a:lnRef idx="1">
+              <a:schemeClr val="accent1"/>
+            </a:lnRef>
+            <a:fillRef idx="3">
+              <a:schemeClr val="accent1"/>
+            </a:fillRef>
+            <a:effectRef idx="2">
+              <a:schemeClr val="accent1"/>
+            </a:effectRef>
+            <a:fontRef idx="minor">
+              <a:schemeClr val="lt1"/>
+            </a:fontRef>
+          </p:style>
+          <p:txBody>
+            <a:bodyPr rtlCol="0" anchor="ctr"/>
+            <a:lstStyle/>
+            <a:p>
+              <a:pPr lvl="0" algn="ctr"/>
+              <a:r>
+                <a:rPr lang="de-DE" sz="1000" b="1" dirty="0">
+                  <a:solidFill>
+                    <a:prstClr val="black"/>
+                  </a:solidFill>
+                  <a:latin typeface="Avenir Black"/>
+                  <a:cs typeface="Avenir Black"/>
+                </a:rPr>
+                <a:t>PC</a:t>
+              </a:r>
+            </a:p>
+          </p:txBody>
+        </p:sp>
+        <p:sp>
+          <p:nvSpPr>
+            <p:cNvPr id="55" name="Abschrägung 54"/>
+            <p:cNvSpPr/>
+            <p:nvPr/>
+          </p:nvSpPr>
+          <p:spPr>
+            <a:xfrm>
+              <a:off x="3546621" y="2844150"/>
+              <a:ext cx="436880" cy="345230"/>
+            </a:xfrm>
+            <a:prstGeom prst="bevel">
+              <a:avLst/>
+            </a:prstGeom>
+            <a:solidFill>
+              <a:schemeClr val="bg1"/>
+            </a:solidFill>
+            <a:ln w="19050" cmpd="sng">
+              <a:solidFill>
+                <a:schemeClr val="accent2">
+                  <a:lumMod val="60000"/>
+                  <a:lumOff val="40000"/>
+                </a:schemeClr>
+              </a:solidFill>
+            </a:ln>
+            <a:effectLst/>
+          </p:spPr>
+          <p:style>
+            <a:lnRef idx="1">
+              <a:schemeClr val="accent1"/>
+            </a:lnRef>
+            <a:fillRef idx="3">
+              <a:schemeClr val="accent1"/>
+            </a:fillRef>
+            <a:effectRef idx="2">
+              <a:schemeClr val="accent1"/>
+            </a:effectRef>
+            <a:fontRef idx="minor">
+              <a:schemeClr val="lt1"/>
+            </a:fontRef>
+          </p:style>
+          <p:txBody>
+            <a:bodyPr rtlCol="0" anchor="ctr"/>
+            <a:lstStyle/>
+            <a:p>
+              <a:pPr algn="ctr"/>
+              <a:r>
+                <a:rPr lang="de-DE" sz="1000" b="1" dirty="0">
+                  <a:solidFill>
+                    <a:prstClr val="black"/>
+                  </a:solidFill>
+                  <a:latin typeface="Avenir Black"/>
+                  <a:cs typeface="Avenir Black"/>
+                </a:rPr>
+                <a:t>PC</a:t>
+              </a:r>
+            </a:p>
+          </p:txBody>
+        </p:sp>
+        <p:sp>
+          <p:nvSpPr>
+            <p:cNvPr id="56" name="Abschrägung 55"/>
+            <p:cNvSpPr/>
+            <p:nvPr/>
+          </p:nvSpPr>
+          <p:spPr>
+            <a:xfrm>
+              <a:off x="3170701" y="4968555"/>
+              <a:ext cx="436880" cy="345230"/>
+            </a:xfrm>
+            <a:prstGeom prst="bevel">
+              <a:avLst/>
+            </a:prstGeom>
+            <a:solidFill>
+              <a:schemeClr val="bg1"/>
+            </a:solidFill>
+            <a:ln w="19050" cmpd="sng">
+              <a:solidFill>
+                <a:schemeClr val="accent2">
+                  <a:lumMod val="60000"/>
+                  <a:lumOff val="40000"/>
+                </a:schemeClr>
+              </a:solidFill>
+            </a:ln>
+            <a:effectLst/>
+          </p:spPr>
+          <p:style>
+            <a:lnRef idx="1">
+              <a:schemeClr val="accent1"/>
+            </a:lnRef>
+            <a:fillRef idx="3">
+              <a:schemeClr val="accent1"/>
+            </a:fillRef>
+            <a:effectRef idx="2">
+              <a:schemeClr val="accent1"/>
+            </a:effectRef>
+            <a:fontRef idx="minor">
+              <a:schemeClr val="lt1"/>
+            </a:fontRef>
+          </p:style>
+          <p:txBody>
+            <a:bodyPr rtlCol="0" anchor="ctr"/>
+            <a:lstStyle/>
+            <a:p>
+              <a:pPr algn="ctr"/>
+              <a:r>
+                <a:rPr lang="de-DE" sz="1000" b="1" dirty="0">
+                  <a:solidFill>
+                    <a:prstClr val="black"/>
+                  </a:solidFill>
+                  <a:latin typeface="Avenir Black"/>
+                  <a:cs typeface="Avenir Black"/>
+                </a:rPr>
+                <a:t>PC</a:t>
+              </a:r>
+            </a:p>
+          </p:txBody>
+        </p:sp>
+        <p:sp>
+          <p:nvSpPr>
+            <p:cNvPr id="57" name="Abschrägung 56"/>
+            <p:cNvSpPr/>
+            <p:nvPr/>
+          </p:nvSpPr>
+          <p:spPr>
+            <a:xfrm>
+              <a:off x="5467814" y="2144075"/>
+              <a:ext cx="436880" cy="345230"/>
+            </a:xfrm>
+            <a:prstGeom prst="bevel">
+              <a:avLst/>
+            </a:prstGeom>
+            <a:solidFill>
+              <a:schemeClr val="bg1"/>
+            </a:solidFill>
+            <a:ln w="19050" cmpd="sng">
+              <a:solidFill>
+                <a:schemeClr val="accent2">
+                  <a:lumMod val="60000"/>
+                  <a:lumOff val="40000"/>
+                </a:schemeClr>
+              </a:solidFill>
+            </a:ln>
+            <a:effectLst/>
+          </p:spPr>
+          <p:style>
+            <a:lnRef idx="1">
+              <a:schemeClr val="accent1"/>
+            </a:lnRef>
+            <a:fillRef idx="3">
+              <a:schemeClr val="accent1"/>
+            </a:fillRef>
+            <a:effectRef idx="2">
+              <a:schemeClr val="accent1"/>
+            </a:effectRef>
+            <a:fontRef idx="minor">
+              <a:schemeClr val="lt1"/>
+            </a:fontRef>
+          </p:style>
+          <p:txBody>
+            <a:bodyPr rtlCol="0" anchor="ctr"/>
+            <a:lstStyle/>
+            <a:p>
+              <a:pPr algn="ctr"/>
+              <a:r>
+                <a:rPr lang="de-DE" sz="1000" b="1" dirty="0">
+                  <a:solidFill>
+                    <a:prstClr val="black"/>
+                  </a:solidFill>
+                  <a:latin typeface="Avenir Black"/>
+                  <a:cs typeface="Avenir Black"/>
+                </a:rPr>
+                <a:t>PC</a:t>
+              </a:r>
+            </a:p>
+          </p:txBody>
+        </p:sp>
+        <p:sp>
+          <p:nvSpPr>
+            <p:cNvPr id="58" name="Abschrägung 57"/>
+            <p:cNvSpPr/>
+            <p:nvPr/>
+          </p:nvSpPr>
+          <p:spPr>
+            <a:xfrm>
+              <a:off x="5467814" y="2844150"/>
+              <a:ext cx="436880" cy="345230"/>
+            </a:xfrm>
+            <a:prstGeom prst="bevel">
+              <a:avLst/>
+            </a:prstGeom>
+            <a:solidFill>
+              <a:schemeClr val="bg1"/>
+            </a:solidFill>
+            <a:ln w="19050" cmpd="sng">
+              <a:solidFill>
+                <a:schemeClr val="accent2">
+                  <a:lumMod val="60000"/>
+                  <a:lumOff val="40000"/>
+                </a:schemeClr>
+              </a:solidFill>
+            </a:ln>
+            <a:effectLst/>
+          </p:spPr>
+          <p:style>
+            <a:lnRef idx="1">
+              <a:schemeClr val="accent1"/>
+            </a:lnRef>
+            <a:fillRef idx="3">
+              <a:schemeClr val="accent1"/>
+            </a:fillRef>
+            <a:effectRef idx="2">
+              <a:schemeClr val="accent1"/>
+            </a:effectRef>
+            <a:fontRef idx="minor">
+              <a:schemeClr val="lt1"/>
+            </a:fontRef>
+          </p:style>
+          <p:txBody>
+            <a:bodyPr rtlCol="0" anchor="ctr"/>
+            <a:lstStyle/>
+            <a:p>
+              <a:pPr algn="ctr"/>
+              <a:r>
+                <a:rPr lang="de-DE" sz="1000" b="1" dirty="0">
+                  <a:solidFill>
+                    <a:prstClr val="black"/>
+                  </a:solidFill>
+                  <a:latin typeface="Avenir Black"/>
+                  <a:cs typeface="Avenir Black"/>
+                </a:rPr>
+                <a:t>PC</a:t>
+              </a:r>
+            </a:p>
+          </p:txBody>
+        </p:sp>
+        <p:sp>
+          <p:nvSpPr>
+            <p:cNvPr id="59" name="Abschrägung 58"/>
+            <p:cNvSpPr/>
+            <p:nvPr/>
+          </p:nvSpPr>
+          <p:spPr>
+            <a:xfrm>
+              <a:off x="5098823" y="4968555"/>
+              <a:ext cx="436880" cy="345230"/>
+            </a:xfrm>
+            <a:prstGeom prst="bevel">
+              <a:avLst/>
+            </a:prstGeom>
+            <a:solidFill>
+              <a:schemeClr val="bg1"/>
+            </a:solidFill>
+            <a:ln w="19050" cmpd="sng">
+              <a:solidFill>
+                <a:schemeClr val="accent2">
+                  <a:lumMod val="60000"/>
+                  <a:lumOff val="40000"/>
+                </a:schemeClr>
+              </a:solidFill>
+            </a:ln>
+            <a:effectLst/>
+          </p:spPr>
+          <p:style>
+            <a:lnRef idx="1">
+              <a:schemeClr val="accent1"/>
+            </a:lnRef>
+            <a:fillRef idx="3">
+              <a:schemeClr val="accent1"/>
+            </a:fillRef>
+            <a:effectRef idx="2">
+              <a:schemeClr val="accent1"/>
+            </a:effectRef>
+            <a:fontRef idx="minor">
+              <a:schemeClr val="lt1"/>
+            </a:fontRef>
+          </p:style>
+          <p:txBody>
+            <a:bodyPr rtlCol="0" anchor="ctr"/>
+            <a:lstStyle/>
+            <a:p>
+              <a:pPr algn="ctr"/>
+              <a:r>
+                <a:rPr lang="de-DE" sz="1000" b="1" dirty="0">
+                  <a:solidFill>
+                    <a:prstClr val="black"/>
+                  </a:solidFill>
+                  <a:latin typeface="Avenir Black"/>
+                  <a:cs typeface="Avenir Black"/>
+                </a:rPr>
+                <a:t>PC</a:t>
+              </a:r>
+            </a:p>
+          </p:txBody>
+        </p:sp>
+        <p:cxnSp>
+          <p:nvCxnSpPr>
+            <p:cNvPr id="60" name="Gerade Verbindung 59"/>
+            <p:cNvCxnSpPr>
+              <a:cxnSpLocks noChangeAspect="1"/>
+            </p:cNvCxnSpPr>
+            <p:nvPr/>
+          </p:nvCxnSpPr>
+          <p:spPr>
+            <a:xfrm flipH="1">
+              <a:off x="921493" y="721390"/>
+              <a:ext cx="850592" cy="6047215"/>
+            </a:xfrm>
+            <a:prstGeom prst="line">
+              <a:avLst/>
+            </a:prstGeom>
+            <a:ln w="9525" cmpd="sng">
+              <a:solidFill>
+                <a:srgbClr val="000000"/>
+              </a:solidFill>
+              <a:prstDash val="dash"/>
+            </a:ln>
+            <a:effectLst/>
+          </p:spPr>
+          <p:style>
+            <a:lnRef idx="2">
+              <a:schemeClr val="accent1"/>
+            </a:lnRef>
+            <a:fillRef idx="0">
+              <a:schemeClr val="accent1"/>
+            </a:fillRef>
+            <a:effectRef idx="1">
+              <a:schemeClr val="accent1"/>
+            </a:effectRef>
+            <a:fontRef idx="minor">
+              <a:schemeClr val="tx1"/>
+            </a:fontRef>
+          </p:style>
+        </p:cxnSp>
+        <p:sp>
+          <p:nvSpPr>
+            <p:cNvPr id="61" name="Bogen 60"/>
+            <p:cNvSpPr/>
+            <p:nvPr/>
+          </p:nvSpPr>
+          <p:spPr>
+            <a:xfrm>
+              <a:off x="1513295" y="2072639"/>
+              <a:ext cx="720000" cy="322196"/>
+            </a:xfrm>
+            <a:prstGeom prst="arc">
+              <a:avLst>
+                <a:gd name="adj1" fmla="val 1851569"/>
+                <a:gd name="adj2" fmla="val 9996519"/>
+              </a:avLst>
+            </a:prstGeom>
+            <a:ln>
+              <a:solidFill>
+                <a:srgbClr val="000000"/>
+              </a:solidFill>
+            </a:ln>
+            <a:effectLst/>
+          </p:spPr>
+          <p:style>
+            <a:lnRef idx="2">
+              <a:schemeClr val="accent1"/>
+            </a:lnRef>
+            <a:fillRef idx="0">
+              <a:schemeClr val="accent1"/>
+            </a:fillRef>
+            <a:effectRef idx="1">
+              <a:schemeClr val="accent1"/>
+            </a:effectRef>
+            <a:fontRef idx="minor">
+              <a:schemeClr val="tx1"/>
+            </a:fontRef>
+          </p:style>
+          <p:txBody>
+            <a:bodyPr rtlCol="0" anchor="ctr"/>
+            <a:lstStyle/>
+            <a:p>
+              <a:pPr algn="ctr"/>
+              <a:endParaRPr lang="de-DE">
+                <a:ln>
+                  <a:solidFill>
+                    <a:srgbClr val="000000"/>
+                  </a:solidFill>
+                </a:ln>
+              </a:endParaRPr>
+            </a:p>
+          </p:txBody>
+        </p:sp>
+        <p:cxnSp>
+          <p:nvCxnSpPr>
+            <p:cNvPr id="62" name="Gerade Verbindung 61"/>
+            <p:cNvCxnSpPr>
+              <a:cxnSpLocks/>
+            </p:cNvCxnSpPr>
+            <p:nvPr/>
+          </p:nvCxnSpPr>
+          <p:spPr>
+            <a:xfrm>
+              <a:off x="2256155" y="850253"/>
+              <a:ext cx="6073775" cy="0"/>
+            </a:xfrm>
+            <a:prstGeom prst="line">
+              <a:avLst/>
+            </a:prstGeom>
+            <a:ln w="9525" cmpd="sng">
+              <a:solidFill>
+                <a:srgbClr val="000000"/>
+              </a:solidFill>
+              <a:prstDash val="dash"/>
+              <a:headEnd type="arrow"/>
+              <a:tailEnd type="arrow"/>
+            </a:ln>
+            <a:effectLst/>
+          </p:spPr>
+          <p:style>
+            <a:lnRef idx="2">
+              <a:schemeClr val="accent1"/>
+            </a:lnRef>
+            <a:fillRef idx="0">
+              <a:schemeClr val="accent1"/>
+            </a:fillRef>
+            <a:effectRef idx="1">
+              <a:schemeClr val="accent1"/>
+            </a:effectRef>
+            <a:fontRef idx="minor">
+              <a:schemeClr val="tx1"/>
+            </a:fontRef>
+          </p:style>
+        </p:cxnSp>
+        <p:cxnSp>
+          <p:nvCxnSpPr>
+            <p:cNvPr id="63" name="Gerade Verbindung 62"/>
+            <p:cNvCxnSpPr>
+              <a:cxnSpLocks/>
+            </p:cNvCxnSpPr>
+            <p:nvPr/>
+          </p:nvCxnSpPr>
+          <p:spPr>
+            <a:xfrm flipV="1">
+              <a:off x="8851718" y="1272836"/>
+              <a:ext cx="0" cy="4203404"/>
+            </a:xfrm>
+            <a:prstGeom prst="line">
+              <a:avLst/>
+            </a:prstGeom>
+            <a:ln w="9525" cmpd="sng">
+              <a:solidFill>
+                <a:srgbClr val="000000"/>
+              </a:solidFill>
+              <a:prstDash val="dash"/>
+              <a:headEnd type="arrow"/>
+              <a:tailEnd type="arrow"/>
+            </a:ln>
+            <a:effectLst/>
+          </p:spPr>
+          <p:style>
+            <a:lnRef idx="2">
+              <a:schemeClr val="accent1"/>
+            </a:lnRef>
+            <a:fillRef idx="0">
+              <a:schemeClr val="accent1"/>
+            </a:fillRef>
+            <a:effectRef idx="1">
+              <a:schemeClr val="accent1"/>
+            </a:effectRef>
+            <a:fontRef idx="minor">
+              <a:schemeClr val="tx1"/>
+            </a:fontRef>
+          </p:style>
+        </p:cxnSp>
+        <p:cxnSp>
+          <p:nvCxnSpPr>
+            <p:cNvPr id="64" name="Gerade Verbindung 63"/>
+            <p:cNvCxnSpPr>
+              <a:cxnSpLocks/>
+            </p:cNvCxnSpPr>
+            <p:nvPr/>
+          </p:nvCxnSpPr>
+          <p:spPr>
+            <a:xfrm flipV="1">
+              <a:off x="2258153" y="721390"/>
+              <a:ext cx="0" cy="611050"/>
+            </a:xfrm>
+            <a:prstGeom prst="line">
+              <a:avLst/>
+            </a:prstGeom>
+            <a:ln w="9525" cmpd="sng">
+              <a:solidFill>
+                <a:srgbClr val="000000"/>
+              </a:solidFill>
+              <a:prstDash val="dash"/>
+            </a:ln>
+            <a:effectLst/>
+          </p:spPr>
+          <p:style>
+            <a:lnRef idx="2">
+              <a:schemeClr val="accent1"/>
+            </a:lnRef>
+            <a:fillRef idx="0">
+              <a:schemeClr val="accent1"/>
+            </a:fillRef>
+            <a:effectRef idx="1">
+              <a:schemeClr val="accent1"/>
+            </a:effectRef>
+            <a:fontRef idx="minor">
+              <a:schemeClr val="tx1"/>
+            </a:fontRef>
+          </p:style>
+        </p:cxnSp>
+        <p:cxnSp>
+          <p:nvCxnSpPr>
+            <p:cNvPr id="65" name="Gerade Verbindung 64"/>
+            <p:cNvCxnSpPr>
+              <a:cxnSpLocks/>
+            </p:cNvCxnSpPr>
+            <p:nvPr/>
+          </p:nvCxnSpPr>
+          <p:spPr>
+            <a:xfrm flipV="1">
+              <a:off x="8329930" y="721390"/>
+              <a:ext cx="0" cy="611050"/>
+            </a:xfrm>
+            <a:prstGeom prst="line">
+              <a:avLst/>
+            </a:prstGeom>
+            <a:ln w="9525" cmpd="sng">
+              <a:solidFill>
+                <a:srgbClr val="000000"/>
+              </a:solidFill>
+              <a:prstDash val="dash"/>
+            </a:ln>
+            <a:effectLst/>
+          </p:spPr>
+          <p:style>
+            <a:lnRef idx="2">
+              <a:schemeClr val="accent1"/>
+            </a:lnRef>
+            <a:fillRef idx="0">
+              <a:schemeClr val="accent1"/>
+            </a:fillRef>
+            <a:effectRef idx="1">
+              <a:schemeClr val="accent1"/>
+            </a:effectRef>
+            <a:fontRef idx="minor">
+              <a:schemeClr val="tx1"/>
+            </a:fontRef>
+          </p:style>
+        </p:cxnSp>
+        <p:cxnSp>
+          <p:nvCxnSpPr>
+            <p:cNvPr id="66" name="Gerade Verbindung 65"/>
+            <p:cNvCxnSpPr>
+              <a:cxnSpLocks/>
+            </p:cNvCxnSpPr>
+            <p:nvPr/>
+          </p:nvCxnSpPr>
+          <p:spPr>
+            <a:xfrm flipV="1">
+              <a:off x="8308339" y="1280160"/>
+              <a:ext cx="737232" cy="2"/>
+            </a:xfrm>
+            <a:prstGeom prst="line">
+              <a:avLst/>
+            </a:prstGeom>
+            <a:ln w="9525" cmpd="sng">
+              <a:solidFill>
+                <a:srgbClr val="000000"/>
+              </a:solidFill>
+              <a:prstDash val="dash"/>
+            </a:ln>
+            <a:effectLst/>
+          </p:spPr>
+          <p:style>
+            <a:lnRef idx="2">
+              <a:schemeClr val="accent1"/>
+            </a:lnRef>
+            <a:fillRef idx="0">
+              <a:schemeClr val="accent1"/>
+            </a:fillRef>
+            <a:effectRef idx="1">
+              <a:schemeClr val="accent1"/>
+            </a:effectRef>
+            <a:fontRef idx="minor">
+              <a:schemeClr val="tx1"/>
+            </a:fontRef>
+          </p:style>
+        </p:cxnSp>
+        <p:cxnSp>
+          <p:nvCxnSpPr>
+            <p:cNvPr id="67" name="Gerade Verbindung 66"/>
+            <p:cNvCxnSpPr>
+              <a:cxnSpLocks/>
+            </p:cNvCxnSpPr>
+            <p:nvPr/>
+          </p:nvCxnSpPr>
+          <p:spPr>
+            <a:xfrm>
+              <a:off x="8329930" y="5476240"/>
+              <a:ext cx="706120" cy="0"/>
+            </a:xfrm>
+            <a:prstGeom prst="line">
+              <a:avLst/>
+            </a:prstGeom>
+            <a:ln w="9525" cmpd="sng">
+              <a:solidFill>
+                <a:srgbClr val="000000"/>
+              </a:solidFill>
+              <a:prstDash val="dash"/>
+            </a:ln>
+            <a:effectLst/>
+          </p:spPr>
+          <p:style>
+            <a:lnRef idx="2">
+              <a:schemeClr val="accent1"/>
+            </a:lnRef>
+            <a:fillRef idx="0">
+              <a:schemeClr val="accent1"/>
+            </a:fillRef>
+            <a:effectRef idx="1">
+              <a:schemeClr val="accent1"/>
+            </a:effectRef>
+            <a:fontRef idx="minor">
+              <a:schemeClr val="tx1"/>
+            </a:fontRef>
+          </p:style>
+        </p:cxnSp>
+        <p:sp>
+          <p:nvSpPr>
+            <p:cNvPr id="68" name="Textfeld 67"/>
+            <p:cNvSpPr txBox="1"/>
+            <p:nvPr/>
+          </p:nvSpPr>
+          <p:spPr>
+            <a:xfrm>
+              <a:off x="4950641" y="558800"/>
+              <a:ext cx="697627" cy="307777"/>
+            </a:xfrm>
+            <a:prstGeom prst="rect">
+              <a:avLst/>
+            </a:prstGeom>
+            <a:noFill/>
+          </p:spPr>
+          <p:txBody>
+            <a:bodyPr wrap="none" rtlCol="0">
+              <a:spAutoFit/>
+            </a:bodyPr>
+            <a:lstStyle/>
+            <a:p>
+              <a:r>
+                <a:rPr lang="de-DE" sz="1400" b="1" dirty="0" smtClean="0">
+                  <a:latin typeface="Avenir Book"/>
+                  <a:cs typeface="Avenir Book"/>
+                </a:rPr>
+                <a:t>Länge</a:t>
+              </a:r>
+              <a:endParaRPr lang="de-DE" sz="1400" b="1" dirty="0">
+                <a:latin typeface="Avenir Book"/>
+                <a:cs typeface="Avenir Book"/>
+              </a:endParaRPr>
+            </a:p>
+          </p:txBody>
+        </p:sp>
+        <p:sp>
+          <p:nvSpPr>
+            <p:cNvPr id="69" name="Textfeld 68"/>
+            <p:cNvSpPr txBox="1"/>
+            <p:nvPr/>
+          </p:nvSpPr>
+          <p:spPr>
+            <a:xfrm rot="16200000">
+              <a:off x="8405420" y="3220650"/>
+              <a:ext cx="671979" cy="307777"/>
+            </a:xfrm>
+            <a:prstGeom prst="rect">
+              <a:avLst/>
+            </a:prstGeom>
+            <a:noFill/>
+          </p:spPr>
+          <p:txBody>
+            <a:bodyPr wrap="none" rtlCol="0">
+              <a:spAutoFit/>
+            </a:bodyPr>
+            <a:lstStyle/>
+            <a:p>
+              <a:r>
+                <a:rPr lang="de-DE" sz="1400" b="1" dirty="0" smtClean="0">
+                  <a:latin typeface="Avenir Book"/>
+                  <a:cs typeface="Avenir Book"/>
+                </a:rPr>
+                <a:t>Breite</a:t>
+              </a:r>
+              <a:endParaRPr lang="de-DE" sz="1400" b="1" dirty="0">
+                <a:latin typeface="Avenir Book"/>
+                <a:cs typeface="Avenir Book"/>
+              </a:endParaRPr>
+            </a:p>
+          </p:txBody>
+        </p:sp>
+        <p:sp>
+          <p:nvSpPr>
+            <p:cNvPr id="70" name="Textfeld 69"/>
+            <p:cNvSpPr txBox="1"/>
+            <p:nvPr/>
+          </p:nvSpPr>
+          <p:spPr>
+            <a:xfrm rot="16200000">
+              <a:off x="968907" y="1343442"/>
+              <a:ext cx="1756665" cy="307777"/>
+            </a:xfrm>
+            <a:prstGeom prst="rect">
+              <a:avLst/>
+            </a:prstGeom>
+            <a:noFill/>
+          </p:spPr>
+          <p:txBody>
+            <a:bodyPr wrap="none" rtlCol="0">
+              <a:spAutoFit/>
+            </a:bodyPr>
+            <a:lstStyle/>
+            <a:p>
+              <a:r>
+                <a:rPr lang="de-DE" sz="1400" b="1" dirty="0" smtClean="0">
+                  <a:latin typeface="Avenir Book"/>
+                  <a:cs typeface="Avenir Book"/>
+                </a:rPr>
+                <a:t>Fensterorientierung</a:t>
+              </a:r>
+              <a:endParaRPr lang="de-DE" sz="1400" b="1" dirty="0">
+                <a:latin typeface="Avenir Book"/>
+                <a:cs typeface="Avenir Book"/>
+              </a:endParaRPr>
+            </a:p>
+          </p:txBody>
+        </p:sp>
+        <p:cxnSp>
+          <p:nvCxnSpPr>
+            <p:cNvPr id="71" name="Gerade Verbindung 70"/>
+            <p:cNvCxnSpPr/>
+            <p:nvPr/>
+          </p:nvCxnSpPr>
+          <p:spPr>
+            <a:xfrm>
+              <a:off x="2101210" y="1520880"/>
+              <a:ext cx="0" cy="4521200"/>
+            </a:xfrm>
+            <a:prstGeom prst="line">
+              <a:avLst/>
+            </a:prstGeom>
+            <a:ln>
+              <a:solidFill>
+                <a:schemeClr val="tx1"/>
+              </a:solidFill>
+            </a:ln>
+            <a:effectLst/>
+          </p:spPr>
+          <p:style>
+            <a:lnRef idx="2">
+              <a:schemeClr val="accent1"/>
+            </a:lnRef>
+            <a:fillRef idx="0">
+              <a:schemeClr val="accent1"/>
+            </a:fillRef>
+            <a:effectRef idx="1">
+              <a:schemeClr val="accent1"/>
+            </a:effectRef>
+            <a:fontRef idx="minor">
+              <a:schemeClr val="tx1"/>
+            </a:fontRef>
+          </p:style>
+        </p:cxnSp>
+        <p:cxnSp>
+          <p:nvCxnSpPr>
+            <p:cNvPr id="72" name="Gerade Verbindung 71"/>
+            <p:cNvCxnSpPr/>
+            <p:nvPr/>
+          </p:nvCxnSpPr>
+          <p:spPr>
+            <a:xfrm>
+              <a:off x="2671445" y="1074420"/>
+              <a:ext cx="6461760" cy="0"/>
+            </a:xfrm>
+            <a:prstGeom prst="line">
+              <a:avLst/>
+            </a:prstGeom>
+            <a:ln w="28575" cmpd="sng">
+              <a:solidFill>
+                <a:schemeClr val="tx1"/>
+              </a:solidFill>
+            </a:ln>
+            <a:effectLst/>
+          </p:spPr>
+          <p:style>
+            <a:lnRef idx="2">
+              <a:schemeClr val="accent1"/>
+            </a:lnRef>
+            <a:fillRef idx="0">
+              <a:schemeClr val="accent1"/>
+            </a:fillRef>
+            <a:effectRef idx="1">
+              <a:schemeClr val="accent1"/>
+            </a:effectRef>
+            <a:fontRef idx="minor">
+              <a:schemeClr val="tx1"/>
+            </a:fontRef>
+          </p:style>
+        </p:cxnSp>
+        <p:grpSp>
+          <p:nvGrpSpPr>
+            <p:cNvPr id="73" name="Gruppierung 72"/>
+            <p:cNvGrpSpPr/>
+            <p:nvPr/>
+          </p:nvGrpSpPr>
+          <p:grpSpPr>
+            <a:xfrm>
+              <a:off x="470071" y="3757079"/>
+              <a:ext cx="1559717" cy="1606096"/>
+              <a:chOff x="470071" y="3757079"/>
+              <a:chExt cx="1559717" cy="1606096"/>
+            </a:xfrm>
+          </p:grpSpPr>
+          <p:sp>
+            <p:nvSpPr>
+              <p:cNvPr id="103" name="Textfeld 102"/>
+              <p:cNvSpPr txBox="1"/>
+              <p:nvPr/>
+            </p:nvSpPr>
+            <p:spPr>
+              <a:xfrm rot="5880000">
+                <a:off x="1253742" y="3757081"/>
+                <a:ext cx="216000" cy="215996"/>
+              </a:xfrm>
+              <a:prstGeom prst="rect">
+                <a:avLst/>
+              </a:prstGeom>
+              <a:noFill/>
+            </p:spPr>
+            <p:txBody>
+              <a:bodyPr wrap="square" rtlCol="0">
+                <a:spAutoFit/>
+              </a:bodyPr>
+              <a:lstStyle/>
+              <a:p>
+                <a:pPr algn="ctr"/>
+                <a:r>
+                  <a:rPr lang="de-DE" sz="1200" b="1" dirty="0" smtClean="0">
+                    <a:latin typeface="Avenir Black"/>
+                    <a:cs typeface="Avenir Black"/>
+                  </a:rPr>
+                  <a:t>W </a:t>
+                </a:r>
+                <a:endParaRPr lang="de-DE" sz="1200" b="1" dirty="0">
+                  <a:latin typeface="Avenir Black"/>
+                  <a:cs typeface="Avenir Black"/>
+                </a:endParaRPr>
+              </a:p>
+            </p:txBody>
+          </p:sp>
+          <p:grpSp>
+            <p:nvGrpSpPr>
+              <p:cNvPr id="104" name="Gruppierung 103"/>
+              <p:cNvGrpSpPr/>
+              <p:nvPr/>
+            </p:nvGrpSpPr>
+            <p:grpSpPr>
+              <a:xfrm>
+                <a:off x="470071" y="4043944"/>
+                <a:ext cx="1559717" cy="1319231"/>
+                <a:chOff x="470071" y="4043944"/>
+                <a:chExt cx="1559717" cy="1319231"/>
+              </a:xfrm>
+            </p:grpSpPr>
+            <p:sp>
+              <p:nvSpPr>
+                <p:cNvPr id="105" name="Textfeld 104"/>
+                <p:cNvSpPr txBox="1"/>
+                <p:nvPr/>
+              </p:nvSpPr>
+              <p:spPr>
+                <a:xfrm rot="5880000">
+                  <a:off x="1744320" y="4534290"/>
+                  <a:ext cx="293938" cy="276999"/>
+                </a:xfrm>
+                <a:prstGeom prst="rect">
+                  <a:avLst/>
+                </a:prstGeom>
+                <a:noFill/>
+              </p:spPr>
+              <p:txBody>
+                <a:bodyPr wrap="square" rtlCol="0">
+                  <a:spAutoFit/>
+                </a:bodyPr>
+                <a:lstStyle>
+                  <a:defPPr>
+                    <a:defRPr lang="de-DE"/>
+                  </a:defPPr>
+                  <a:lvl1pPr algn="ctr">
+                    <a:defRPr sz="1200" b="1">
+                      <a:latin typeface="Avenir Black"/>
+                      <a:cs typeface="Avenir Black"/>
+                    </a:defRPr>
+                  </a:lvl1pPr>
+                </a:lstStyle>
+                <a:p>
+                  <a:r>
+                    <a:rPr lang="de-DE" dirty="0"/>
+                    <a:t>N</a:t>
+                  </a:r>
+                </a:p>
+              </p:txBody>
+            </p:sp>
+            <p:grpSp>
+              <p:nvGrpSpPr>
+                <p:cNvPr id="106" name="Gruppierung 105"/>
+                <p:cNvGrpSpPr/>
+                <p:nvPr/>
+              </p:nvGrpSpPr>
+              <p:grpSpPr>
+                <a:xfrm>
+                  <a:off x="470071" y="4043944"/>
+                  <a:ext cx="1299849" cy="1079551"/>
+                  <a:chOff x="470071" y="4043944"/>
+                  <a:chExt cx="1299849" cy="1079551"/>
+                </a:xfrm>
+              </p:grpSpPr>
+              <p:sp>
+                <p:nvSpPr>
+                  <p:cNvPr id="108" name="Rechtwinkliges Dreieck 107"/>
+                  <p:cNvSpPr/>
+                  <p:nvPr/>
+                </p:nvSpPr>
+                <p:spPr>
+                  <a:xfrm rot="8574485" flipH="1">
+                    <a:off x="1365765" y="4589126"/>
+                    <a:ext cx="66926" cy="332362"/>
+                  </a:xfrm>
+                  <a:prstGeom prst="rtTriangle">
+                    <a:avLst/>
+                  </a:prstGeom>
+                  <a:solidFill>
+                    <a:schemeClr val="tx1"/>
+                  </a:solidFill>
+                  <a:ln w="28575" cmpd="sng">
+                    <a:solidFill>
+                      <a:schemeClr val="tx1"/>
+                    </a:solidFill>
+                  </a:ln>
+                </p:spPr>
+                <p:style>
+                  <a:lnRef idx="1">
+                    <a:schemeClr val="accent1"/>
+                  </a:lnRef>
+                  <a:fillRef idx="3">
+                    <a:schemeClr val="accent1"/>
+                  </a:fillRef>
+                  <a:effectRef idx="2">
+                    <a:schemeClr val="accent1"/>
+                  </a:effectRef>
+                  <a:fontRef idx="minor">
+                    <a:schemeClr val="lt1"/>
+                  </a:fontRef>
+                </p:style>
+                <p:txBody>
+                  <a:bodyPr rtlCol="0" anchor="ctr"/>
+                  <a:lstStyle/>
+                  <a:p>
+                    <a:pPr algn="ctr"/>
+                    <a:endParaRPr lang="de-DE" sz="2400"/>
+                  </a:p>
+                </p:txBody>
+              </p:sp>
+              <p:sp>
+                <p:nvSpPr>
+                  <p:cNvPr id="109" name="Rechtwinkliges Dreieck 108"/>
+                  <p:cNvSpPr/>
+                  <p:nvPr/>
+                </p:nvSpPr>
+                <p:spPr>
+                  <a:xfrm rot="19374485">
+                    <a:off x="1245497" y="4563002"/>
+                    <a:ext cx="66926" cy="66472"/>
+                  </a:xfrm>
+                  <a:prstGeom prst="rtTriangle">
+                    <a:avLst/>
+                  </a:prstGeom>
+                  <a:solidFill>
+                    <a:schemeClr val="tx1"/>
+                  </a:solidFill>
+                  <a:ln w="28575" cmpd="sng">
+                    <a:solidFill>
+                      <a:schemeClr val="tx1"/>
+                    </a:solidFill>
+                  </a:ln>
+                </p:spPr>
+                <p:style>
+                  <a:lnRef idx="1">
+                    <a:schemeClr val="accent1"/>
+                  </a:lnRef>
+                  <a:fillRef idx="3">
+                    <a:schemeClr val="accent1"/>
+                  </a:fillRef>
+                  <a:effectRef idx="2">
+                    <a:schemeClr val="accent1"/>
+                  </a:effectRef>
+                  <a:fontRef idx="minor">
+                    <a:schemeClr val="lt1"/>
+                  </a:fontRef>
+                </p:style>
+                <p:txBody>
+                  <a:bodyPr rtlCol="0" anchor="ctr"/>
+                  <a:lstStyle/>
+                  <a:p>
+                    <a:pPr algn="ctr"/>
+                    <a:endParaRPr lang="de-DE" sz="2400"/>
+                  </a:p>
+                </p:txBody>
+              </p:sp>
+              <p:sp>
+                <p:nvSpPr>
+                  <p:cNvPr id="110" name="Rechtwinkliges Dreieck 109"/>
+                  <p:cNvSpPr/>
+                  <p:nvPr/>
+                </p:nvSpPr>
+                <p:spPr>
+                  <a:xfrm rot="8574485">
+                    <a:off x="1312380" y="4629488"/>
+                    <a:ext cx="66926" cy="332362"/>
+                  </a:xfrm>
+                  <a:prstGeom prst="rtTriangle">
+                    <a:avLst/>
+                  </a:prstGeom>
+                  <a:solidFill>
+                    <a:schemeClr val="bg1"/>
+                  </a:solidFill>
+                  <a:ln w="28575" cmpd="sng">
+                    <a:solidFill>
+                      <a:schemeClr val="tx1"/>
+                    </a:solidFill>
+                  </a:ln>
+                </p:spPr>
+                <p:style>
+                  <a:lnRef idx="1">
+                    <a:schemeClr val="accent1"/>
+                  </a:lnRef>
+                  <a:fillRef idx="3">
+                    <a:schemeClr val="accent1"/>
+                  </a:fillRef>
+                  <a:effectRef idx="2">
+                    <a:schemeClr val="accent1"/>
+                  </a:effectRef>
+                  <a:fontRef idx="minor">
+                    <a:schemeClr val="lt1"/>
+                  </a:fontRef>
+                </p:style>
+                <p:txBody>
+                  <a:bodyPr rtlCol="0" anchor="ctr"/>
+                  <a:lstStyle/>
+                  <a:p>
+                    <a:pPr algn="ctr"/>
+                    <a:endParaRPr lang="de-DE" sz="2400">
+                      <a:ln w="38100" cmpd="sng">
+                        <a:solidFill>
+                          <a:schemeClr val="tx1"/>
+                        </a:solidFill>
+                      </a:ln>
+                    </a:endParaRPr>
+                  </a:p>
+                </p:txBody>
+              </p:sp>
+              <p:sp>
+                <p:nvSpPr>
+                  <p:cNvPr id="111" name="Rechtwinkliges Dreieck 110"/>
+                  <p:cNvSpPr/>
+                  <p:nvPr/>
+                </p:nvSpPr>
+                <p:spPr>
+                  <a:xfrm rot="19374485" flipH="1">
+                    <a:off x="1192875" y="4605638"/>
+                    <a:ext cx="66926" cy="63943"/>
+                  </a:xfrm>
+                  <a:prstGeom prst="rtTriangle">
+                    <a:avLst/>
+                  </a:prstGeom>
+                  <a:solidFill>
+                    <a:schemeClr val="bg1"/>
+                  </a:solidFill>
+                  <a:ln w="28575" cmpd="sng">
+                    <a:solidFill>
+                      <a:schemeClr val="tx1"/>
+                    </a:solidFill>
+                  </a:ln>
+                </p:spPr>
+                <p:style>
+                  <a:lnRef idx="1">
+                    <a:schemeClr val="accent1"/>
+                  </a:lnRef>
+                  <a:fillRef idx="3">
+                    <a:schemeClr val="accent1"/>
+                  </a:fillRef>
+                  <a:effectRef idx="2">
+                    <a:schemeClr val="accent1"/>
+                  </a:effectRef>
+                  <a:fontRef idx="minor">
+                    <a:schemeClr val="lt1"/>
+                  </a:fontRef>
+                </p:style>
+                <p:txBody>
+                  <a:bodyPr rtlCol="0" anchor="ctr"/>
+                  <a:lstStyle/>
+                  <a:p>
+                    <a:pPr algn="ctr"/>
+                    <a:endParaRPr lang="de-DE" sz="2400">
+                      <a:ln w="6350" cmpd="sng">
+                        <a:solidFill>
+                          <a:schemeClr val="tx1"/>
+                        </a:solidFill>
+                      </a:ln>
+                    </a:endParaRPr>
+                  </a:p>
+                </p:txBody>
+              </p:sp>
+              <p:sp>
+                <p:nvSpPr>
+                  <p:cNvPr id="112" name="Rechtwinkliges Dreieck 111"/>
+                  <p:cNvSpPr/>
+                  <p:nvPr/>
+                </p:nvSpPr>
+                <p:spPr>
+                  <a:xfrm rot="19374485" flipH="1" flipV="1">
+                    <a:off x="1312380" y="4629488"/>
+                    <a:ext cx="66926" cy="332362"/>
+                  </a:xfrm>
+                  <a:prstGeom prst="rtTriangle">
+                    <a:avLst/>
+                  </a:prstGeom>
+                  <a:solidFill>
+                    <a:schemeClr val="bg1"/>
+                  </a:solidFill>
+                  <a:ln w="38100" cmpd="sng">
+                    <a:noFill/>
+                  </a:ln>
+                  <a:effectLst/>
+                </p:spPr>
+                <p:style>
+                  <a:lnRef idx="1">
+                    <a:schemeClr val="accent1"/>
+                  </a:lnRef>
+                  <a:fillRef idx="3">
+                    <a:schemeClr val="accent1"/>
+                  </a:fillRef>
+                  <a:effectRef idx="2">
+                    <a:schemeClr val="accent1"/>
+                  </a:effectRef>
+                  <a:fontRef idx="minor">
+                    <a:schemeClr val="lt1"/>
+                  </a:fontRef>
+                </p:style>
+                <p:txBody>
+                  <a:bodyPr rtlCol="0" anchor="ctr"/>
+                  <a:lstStyle/>
+                  <a:p>
+                    <a:pPr algn="ctr"/>
+                    <a:endParaRPr lang="de-DE" sz="2400"/>
+                  </a:p>
+                </p:txBody>
+              </p:sp>
+              <p:sp>
+                <p:nvSpPr>
+                  <p:cNvPr id="113" name="Rechtwinkliges Dreieck 112"/>
+                  <p:cNvSpPr/>
+                  <p:nvPr/>
+                </p:nvSpPr>
+                <p:spPr>
+                  <a:xfrm rot="19374485" flipH="1">
+                    <a:off x="1192875" y="4605638"/>
+                    <a:ext cx="66926" cy="63943"/>
+                  </a:xfrm>
+                  <a:prstGeom prst="rtTriangle">
+                    <a:avLst/>
+                  </a:prstGeom>
+                  <a:solidFill>
+                    <a:schemeClr val="bg1"/>
+                  </a:solidFill>
+                  <a:ln w="28575" cmpd="sng">
+                    <a:noFill/>
+                  </a:ln>
+                </p:spPr>
+                <p:style>
+                  <a:lnRef idx="1">
+                    <a:schemeClr val="accent1"/>
+                  </a:lnRef>
+                  <a:fillRef idx="3">
+                    <a:schemeClr val="accent1"/>
+                  </a:fillRef>
+                  <a:effectRef idx="2">
+                    <a:schemeClr val="accent1"/>
+                  </a:effectRef>
+                  <a:fontRef idx="minor">
+                    <a:schemeClr val="lt1"/>
+                  </a:fontRef>
+                </p:style>
+                <p:txBody>
+                  <a:bodyPr rtlCol="0" anchor="ctr"/>
+                  <a:lstStyle/>
+                  <a:p>
+                    <a:pPr algn="ctr"/>
+                    <a:endParaRPr lang="de-DE" sz="2400">
+                      <a:ln w="6350" cmpd="sng">
+                        <a:solidFill>
+                          <a:schemeClr val="tx1"/>
+                        </a:solidFill>
+                      </a:ln>
+                    </a:endParaRPr>
+                  </a:p>
+                </p:txBody>
+              </p:sp>
+              <p:cxnSp>
+                <p:nvCxnSpPr>
+                  <p:cNvPr id="114" name="Gerade Verbindung 113"/>
+                  <p:cNvCxnSpPr/>
+                  <p:nvPr/>
+                </p:nvCxnSpPr>
+                <p:spPr>
+                  <a:xfrm rot="8574485">
+                    <a:off x="1212889" y="4663064"/>
+                    <a:ext cx="65587" cy="0"/>
+                  </a:xfrm>
+                  <a:prstGeom prst="line">
+                    <a:avLst/>
+                  </a:prstGeom>
+                  <a:ln w="9525" cmpd="sng">
+                    <a:solidFill>
+                      <a:srgbClr val="FFFFFF"/>
+                    </a:solidFill>
+                  </a:ln>
+                  <a:effectLst/>
+                </p:spPr>
+                <p:style>
+                  <a:lnRef idx="2">
+                    <a:schemeClr val="accent1"/>
+                  </a:lnRef>
+                  <a:fillRef idx="0">
+                    <a:schemeClr val="accent1"/>
+                  </a:fillRef>
+                  <a:effectRef idx="1">
+                    <a:schemeClr val="accent1"/>
+                  </a:effectRef>
+                  <a:fontRef idx="minor">
+                    <a:schemeClr val="tx1"/>
+                  </a:fontRef>
+                </p:style>
+              </p:cxnSp>
+              <p:sp>
+                <p:nvSpPr>
+                  <p:cNvPr id="115" name="Rechtwinkliges Dreieck 114"/>
+                  <p:cNvSpPr/>
+                  <p:nvPr/>
+                </p:nvSpPr>
+                <p:spPr>
+                  <a:xfrm rot="13974485" flipH="1">
+                    <a:off x="1033473" y="4587521"/>
+                    <a:ext cx="66473" cy="334628"/>
+                  </a:xfrm>
+                  <a:prstGeom prst="rtTriangle">
+                    <a:avLst/>
+                  </a:prstGeom>
+                  <a:solidFill>
+                    <a:schemeClr val="tx1"/>
+                  </a:solidFill>
+                  <a:ln w="28575" cmpd="sng">
+                    <a:solidFill>
+                      <a:schemeClr val="tx1"/>
+                    </a:solidFill>
+                  </a:ln>
+                </p:spPr>
+                <p:style>
+                  <a:lnRef idx="1">
+                    <a:schemeClr val="accent1"/>
+                  </a:lnRef>
+                  <a:fillRef idx="3">
+                    <a:schemeClr val="accent1"/>
+                  </a:fillRef>
+                  <a:effectRef idx="2">
+                    <a:schemeClr val="accent1"/>
+                  </a:effectRef>
+                  <a:fontRef idx="minor">
+                    <a:schemeClr val="lt1"/>
+                  </a:fontRef>
+                </p:style>
+                <p:txBody>
+                  <a:bodyPr rtlCol="0" anchor="ctr"/>
+                  <a:lstStyle/>
+                  <a:p>
+                    <a:pPr algn="ctr"/>
+                    <a:endParaRPr lang="de-DE" sz="2400"/>
+                  </a:p>
+                </p:txBody>
+              </p:sp>
+              <p:sp>
+                <p:nvSpPr>
+                  <p:cNvPr id="116" name="Rechtwinkliges Dreieck 115"/>
+                  <p:cNvSpPr/>
+                  <p:nvPr/>
+                </p:nvSpPr>
+                <p:spPr>
+                  <a:xfrm rot="3174485">
+                    <a:off x="1193626" y="4600285"/>
+                    <a:ext cx="66473" cy="66926"/>
+                  </a:xfrm>
+                  <a:prstGeom prst="rtTriangle">
+                    <a:avLst/>
+                  </a:prstGeom>
+                  <a:solidFill>
+                    <a:schemeClr val="tx1"/>
+                  </a:solidFill>
+                  <a:ln w="28575" cmpd="sng">
+                    <a:solidFill>
+                      <a:schemeClr val="tx1"/>
+                    </a:solidFill>
+                  </a:ln>
+                </p:spPr>
+                <p:style>
+                  <a:lnRef idx="1">
+                    <a:schemeClr val="accent1"/>
+                  </a:lnRef>
+                  <a:fillRef idx="3">
+                    <a:schemeClr val="accent1"/>
+                  </a:fillRef>
+                  <a:effectRef idx="2">
+                    <a:schemeClr val="accent1"/>
+                  </a:effectRef>
+                  <a:fontRef idx="minor">
+                    <a:schemeClr val="lt1"/>
+                  </a:fontRef>
+                </p:style>
+                <p:txBody>
+                  <a:bodyPr rtlCol="0" anchor="ctr"/>
+                  <a:lstStyle/>
+                  <a:p>
+                    <a:pPr algn="ctr"/>
+                    <a:endParaRPr lang="de-DE" sz="2400"/>
+                  </a:p>
+                </p:txBody>
+              </p:sp>
+              <p:sp>
+                <p:nvSpPr>
+                  <p:cNvPr id="117" name="Rechtwinkliges Dreieck 116"/>
+                  <p:cNvSpPr/>
+                  <p:nvPr/>
+                </p:nvSpPr>
+                <p:spPr>
+                  <a:xfrm rot="13974485">
+                    <a:off x="993383" y="4534498"/>
+                    <a:ext cx="66473" cy="334627"/>
+                  </a:xfrm>
+                  <a:prstGeom prst="rtTriangle">
+                    <a:avLst/>
+                  </a:prstGeom>
+                  <a:solidFill>
+                    <a:schemeClr val="bg1"/>
+                  </a:solidFill>
+                  <a:ln w="28575" cmpd="sng">
+                    <a:solidFill>
+                      <a:schemeClr val="tx1"/>
+                    </a:solidFill>
+                  </a:ln>
+                </p:spPr>
+                <p:style>
+                  <a:lnRef idx="1">
+                    <a:schemeClr val="accent1"/>
+                  </a:lnRef>
+                  <a:fillRef idx="3">
+                    <a:schemeClr val="accent1"/>
+                  </a:fillRef>
+                  <a:effectRef idx="2">
+                    <a:schemeClr val="accent1"/>
+                  </a:effectRef>
+                  <a:fontRef idx="minor">
+                    <a:schemeClr val="lt1"/>
+                  </a:fontRef>
+                </p:style>
+                <p:txBody>
+                  <a:bodyPr rtlCol="0" anchor="ctr"/>
+                  <a:lstStyle/>
+                  <a:p>
+                    <a:pPr algn="ctr"/>
+                    <a:endParaRPr lang="de-DE" sz="2400">
+                      <a:ln w="38100" cmpd="sng">
+                        <a:solidFill>
+                          <a:schemeClr val="tx1"/>
+                        </a:solidFill>
+                      </a:ln>
+                    </a:endParaRPr>
+                  </a:p>
+                </p:txBody>
+              </p:sp>
+              <p:sp>
+                <p:nvSpPr>
+                  <p:cNvPr id="118" name="Rechtwinkliges Dreieck 117"/>
+                  <p:cNvSpPr/>
+                  <p:nvPr/>
+                </p:nvSpPr>
+                <p:spPr>
+                  <a:xfrm rot="3174485" flipH="1">
+                    <a:off x="1152521" y="4549303"/>
+                    <a:ext cx="66473" cy="64379"/>
+                  </a:xfrm>
+                  <a:prstGeom prst="rtTriangle">
+                    <a:avLst/>
+                  </a:prstGeom>
+                  <a:solidFill>
+                    <a:schemeClr val="bg1"/>
+                  </a:solidFill>
+                  <a:ln w="28575" cmpd="sng">
+                    <a:solidFill>
+                      <a:schemeClr val="tx1"/>
+                    </a:solidFill>
+                  </a:ln>
+                </p:spPr>
+                <p:style>
+                  <a:lnRef idx="1">
+                    <a:schemeClr val="accent1"/>
+                  </a:lnRef>
+                  <a:fillRef idx="3">
+                    <a:schemeClr val="accent1"/>
+                  </a:fillRef>
+                  <a:effectRef idx="2">
+                    <a:schemeClr val="accent1"/>
+                  </a:effectRef>
+                  <a:fontRef idx="minor">
+                    <a:schemeClr val="lt1"/>
+                  </a:fontRef>
+                </p:style>
+                <p:txBody>
+                  <a:bodyPr rtlCol="0" anchor="ctr"/>
+                  <a:lstStyle/>
+                  <a:p>
+                    <a:pPr algn="ctr"/>
+                    <a:endParaRPr lang="de-DE" sz="2400">
+                      <a:ln w="6350" cmpd="sng">
+                        <a:solidFill>
+                          <a:schemeClr val="tx1"/>
+                        </a:solidFill>
+                      </a:ln>
+                    </a:endParaRPr>
+                  </a:p>
+                </p:txBody>
+              </p:sp>
+              <p:sp>
+                <p:nvSpPr>
+                  <p:cNvPr id="119" name="Rechtwinkliges Dreieck 118"/>
+                  <p:cNvSpPr/>
+                  <p:nvPr/>
+                </p:nvSpPr>
+                <p:spPr>
+                  <a:xfrm rot="3174485" flipH="1" flipV="1">
+                    <a:off x="993384" y="4534498"/>
+                    <a:ext cx="66473" cy="334627"/>
+                  </a:xfrm>
+                  <a:prstGeom prst="rtTriangle">
+                    <a:avLst/>
+                  </a:prstGeom>
+                  <a:solidFill>
+                    <a:schemeClr val="bg1"/>
+                  </a:solidFill>
+                  <a:ln w="38100" cmpd="sng">
+                    <a:noFill/>
+                  </a:ln>
+                  <a:effectLst/>
+                </p:spPr>
+                <p:style>
+                  <a:lnRef idx="1">
+                    <a:schemeClr val="accent1"/>
+                  </a:lnRef>
+                  <a:fillRef idx="3">
+                    <a:schemeClr val="accent1"/>
+                  </a:fillRef>
+                  <a:effectRef idx="2">
+                    <a:schemeClr val="accent1"/>
+                  </a:effectRef>
+                  <a:fontRef idx="minor">
+                    <a:schemeClr val="lt1"/>
+                  </a:fontRef>
+                </p:style>
+                <p:txBody>
+                  <a:bodyPr rtlCol="0" anchor="ctr"/>
+                  <a:lstStyle/>
+                  <a:p>
+                    <a:pPr algn="ctr"/>
+                    <a:endParaRPr lang="de-DE" sz="2400"/>
+                  </a:p>
+                </p:txBody>
+              </p:sp>
+              <p:sp>
+                <p:nvSpPr>
+                  <p:cNvPr id="120" name="Rechtwinkliges Dreieck 119"/>
+                  <p:cNvSpPr/>
+                  <p:nvPr/>
+                </p:nvSpPr>
+                <p:spPr>
+                  <a:xfrm rot="3174485" flipH="1">
+                    <a:off x="1152521" y="4549303"/>
+                    <a:ext cx="66473" cy="64379"/>
+                  </a:xfrm>
+                  <a:prstGeom prst="rtTriangle">
+                    <a:avLst/>
+                  </a:prstGeom>
+                  <a:solidFill>
+                    <a:schemeClr val="bg1"/>
+                  </a:solidFill>
+                  <a:ln w="28575" cmpd="sng">
+                    <a:noFill/>
+                  </a:ln>
+                </p:spPr>
+                <p:style>
+                  <a:lnRef idx="1">
+                    <a:schemeClr val="accent1"/>
+                  </a:lnRef>
+                  <a:fillRef idx="3">
+                    <a:schemeClr val="accent1"/>
+                  </a:fillRef>
+                  <a:effectRef idx="2">
+                    <a:schemeClr val="accent1"/>
+                  </a:effectRef>
+                  <a:fontRef idx="minor">
+                    <a:schemeClr val="lt1"/>
+                  </a:fontRef>
+                </p:style>
+                <p:txBody>
+                  <a:bodyPr rtlCol="0" anchor="ctr"/>
+                  <a:lstStyle/>
+                  <a:p>
+                    <a:pPr algn="ctr"/>
+                    <a:endParaRPr lang="de-DE" sz="2400">
+                      <a:ln w="6350" cmpd="sng">
+                        <a:solidFill>
+                          <a:schemeClr val="tx1"/>
+                        </a:solidFill>
+                      </a:ln>
+                    </a:endParaRPr>
+                  </a:p>
+                </p:txBody>
+              </p:sp>
+              <p:cxnSp>
+                <p:nvCxnSpPr>
+                  <p:cNvPr id="121" name="Gerade Verbindung 120"/>
+                  <p:cNvCxnSpPr/>
+                  <p:nvPr/>
+                </p:nvCxnSpPr>
+                <p:spPr>
+                  <a:xfrm rot="13974485">
+                    <a:off x="1127556" y="4600968"/>
+                    <a:ext cx="65144" cy="0"/>
+                  </a:xfrm>
+                  <a:prstGeom prst="line">
+                    <a:avLst/>
+                  </a:prstGeom>
+                  <a:ln w="9525" cmpd="sng">
+                    <a:solidFill>
+                      <a:srgbClr val="FFFFFF"/>
+                    </a:solidFill>
+                  </a:ln>
+                  <a:effectLst/>
+                </p:spPr>
+                <p:style>
+                  <a:lnRef idx="2">
+                    <a:schemeClr val="accent1"/>
+                  </a:lnRef>
+                  <a:fillRef idx="0">
+                    <a:schemeClr val="accent1"/>
+                  </a:fillRef>
+                  <a:effectRef idx="1">
+                    <a:schemeClr val="accent1"/>
+                  </a:effectRef>
+                  <a:fontRef idx="minor">
+                    <a:schemeClr val="tx1"/>
+                  </a:fontRef>
+                </p:style>
+              </p:cxnSp>
+              <p:sp>
+                <p:nvSpPr>
+                  <p:cNvPr id="122" name="Rechtwinkliges Dreieck 121"/>
+                  <p:cNvSpPr/>
+                  <p:nvPr/>
+                </p:nvSpPr>
+                <p:spPr>
+                  <a:xfrm rot="19374485" flipH="1">
+                    <a:off x="1035327" y="4255363"/>
+                    <a:ext cx="66926" cy="332362"/>
+                  </a:xfrm>
+                  <a:prstGeom prst="rtTriangle">
+                    <a:avLst/>
+                  </a:prstGeom>
+                  <a:solidFill>
+                    <a:schemeClr val="tx1"/>
+                  </a:solidFill>
+                  <a:ln w="28575" cmpd="sng">
+                    <a:solidFill>
+                      <a:schemeClr val="tx1"/>
+                    </a:solidFill>
+                  </a:ln>
+                </p:spPr>
+                <p:style>
+                  <a:lnRef idx="1">
+                    <a:schemeClr val="accent1"/>
+                  </a:lnRef>
+                  <a:fillRef idx="3">
+                    <a:schemeClr val="accent1"/>
+                  </a:fillRef>
+                  <a:effectRef idx="2">
+                    <a:schemeClr val="accent1"/>
+                  </a:effectRef>
+                  <a:fontRef idx="minor">
+                    <a:schemeClr val="lt1"/>
+                  </a:fontRef>
+                </p:style>
+                <p:txBody>
+                  <a:bodyPr rtlCol="0" anchor="ctr"/>
+                  <a:lstStyle/>
+                  <a:p>
+                    <a:pPr algn="ctr"/>
+                    <a:endParaRPr lang="de-DE" sz="2400"/>
+                  </a:p>
+                </p:txBody>
+              </p:sp>
+              <p:sp>
+                <p:nvSpPr>
+                  <p:cNvPr id="123" name="Rechtwinkliges Dreieck 122"/>
+                  <p:cNvSpPr/>
+                  <p:nvPr/>
+                </p:nvSpPr>
+                <p:spPr>
+                  <a:xfrm rot="8574485">
+                    <a:off x="1155595" y="4547376"/>
+                    <a:ext cx="66926" cy="66472"/>
+                  </a:xfrm>
+                  <a:prstGeom prst="rtTriangle">
+                    <a:avLst/>
+                  </a:prstGeom>
+                  <a:solidFill>
+                    <a:schemeClr val="tx1"/>
+                  </a:solidFill>
+                  <a:ln w="28575" cmpd="sng">
+                    <a:solidFill>
+                      <a:schemeClr val="tx1"/>
+                    </a:solidFill>
+                  </a:ln>
+                </p:spPr>
+                <p:style>
+                  <a:lnRef idx="1">
+                    <a:schemeClr val="accent1"/>
+                  </a:lnRef>
+                  <a:fillRef idx="3">
+                    <a:schemeClr val="accent1"/>
+                  </a:fillRef>
+                  <a:effectRef idx="2">
+                    <a:schemeClr val="accent1"/>
+                  </a:effectRef>
+                  <a:fontRef idx="minor">
+                    <a:schemeClr val="lt1"/>
+                  </a:fontRef>
+                </p:style>
+                <p:txBody>
+                  <a:bodyPr rtlCol="0" anchor="ctr"/>
+                  <a:lstStyle/>
+                  <a:p>
+                    <a:pPr algn="ctr"/>
+                    <a:endParaRPr lang="de-DE" sz="2400"/>
+                  </a:p>
+                </p:txBody>
+              </p:sp>
+              <p:sp>
+                <p:nvSpPr>
+                  <p:cNvPr id="124" name="Rechtwinkliges Dreieck 123"/>
+                  <p:cNvSpPr/>
+                  <p:nvPr/>
+                </p:nvSpPr>
+                <p:spPr>
+                  <a:xfrm rot="19374485">
+                    <a:off x="1088711" y="4215001"/>
+                    <a:ext cx="66926" cy="332362"/>
+                  </a:xfrm>
+                  <a:prstGeom prst="rtTriangle">
+                    <a:avLst/>
+                  </a:prstGeom>
+                  <a:solidFill>
+                    <a:schemeClr val="bg1"/>
+                  </a:solidFill>
+                  <a:ln w="28575" cmpd="sng">
+                    <a:solidFill>
+                      <a:schemeClr val="tx1"/>
+                    </a:solidFill>
+                  </a:ln>
+                </p:spPr>
+                <p:style>
+                  <a:lnRef idx="1">
+                    <a:schemeClr val="accent1"/>
+                  </a:lnRef>
+                  <a:fillRef idx="3">
+                    <a:schemeClr val="accent1"/>
+                  </a:fillRef>
+                  <a:effectRef idx="2">
+                    <a:schemeClr val="accent1"/>
+                  </a:effectRef>
+                  <a:fontRef idx="minor">
+                    <a:schemeClr val="lt1"/>
+                  </a:fontRef>
+                </p:style>
+                <p:txBody>
+                  <a:bodyPr rtlCol="0" anchor="ctr"/>
+                  <a:lstStyle/>
+                  <a:p>
+                    <a:pPr algn="ctr"/>
+                    <a:endParaRPr lang="de-DE" sz="2400">
+                      <a:ln w="38100" cmpd="sng">
+                        <a:solidFill>
+                          <a:schemeClr val="tx1"/>
+                        </a:solidFill>
+                      </a:ln>
+                    </a:endParaRPr>
+                  </a:p>
+                </p:txBody>
+              </p:sp>
+              <p:sp>
+                <p:nvSpPr>
+                  <p:cNvPr id="125" name="Rechtwinkliges Dreieck 124"/>
+                  <p:cNvSpPr/>
+                  <p:nvPr/>
+                </p:nvSpPr>
+                <p:spPr>
+                  <a:xfrm rot="8574485" flipH="1">
+                    <a:off x="1208216" y="4507270"/>
+                    <a:ext cx="66926" cy="63943"/>
+                  </a:xfrm>
+                  <a:prstGeom prst="rtTriangle">
+                    <a:avLst/>
+                  </a:prstGeom>
+                  <a:solidFill>
+                    <a:schemeClr val="bg1"/>
+                  </a:solidFill>
+                  <a:ln w="28575" cmpd="sng">
+                    <a:solidFill>
+                      <a:schemeClr val="tx1"/>
+                    </a:solidFill>
+                  </a:ln>
+                </p:spPr>
+                <p:style>
+                  <a:lnRef idx="1">
+                    <a:schemeClr val="accent1"/>
+                  </a:lnRef>
+                  <a:fillRef idx="3">
+                    <a:schemeClr val="accent1"/>
+                  </a:fillRef>
+                  <a:effectRef idx="2">
+                    <a:schemeClr val="accent1"/>
+                  </a:effectRef>
+                  <a:fontRef idx="minor">
+                    <a:schemeClr val="lt1"/>
+                  </a:fontRef>
+                </p:style>
+                <p:txBody>
+                  <a:bodyPr rtlCol="0" anchor="ctr"/>
+                  <a:lstStyle/>
+                  <a:p>
+                    <a:pPr algn="ctr"/>
+                    <a:endParaRPr lang="de-DE" sz="2400">
+                      <a:ln w="6350" cmpd="sng">
+                        <a:solidFill>
+                          <a:schemeClr val="tx1"/>
+                        </a:solidFill>
+                      </a:ln>
+                    </a:endParaRPr>
+                  </a:p>
+                </p:txBody>
+              </p:sp>
+              <p:sp>
+                <p:nvSpPr>
+                  <p:cNvPr id="126" name="Rechtwinkliges Dreieck 125"/>
+                  <p:cNvSpPr/>
+                  <p:nvPr/>
+                </p:nvSpPr>
+                <p:spPr>
+                  <a:xfrm rot="8574485" flipH="1" flipV="1">
+                    <a:off x="1088711" y="4215001"/>
+                    <a:ext cx="66926" cy="332362"/>
+                  </a:xfrm>
+                  <a:prstGeom prst="rtTriangle">
+                    <a:avLst/>
+                  </a:prstGeom>
+                  <a:solidFill>
+                    <a:schemeClr val="bg1"/>
+                  </a:solidFill>
+                  <a:ln w="38100" cmpd="sng">
+                    <a:noFill/>
+                  </a:ln>
+                  <a:effectLst/>
+                </p:spPr>
+                <p:style>
+                  <a:lnRef idx="1">
+                    <a:schemeClr val="accent1"/>
+                  </a:lnRef>
+                  <a:fillRef idx="3">
+                    <a:schemeClr val="accent1"/>
+                  </a:fillRef>
+                  <a:effectRef idx="2">
+                    <a:schemeClr val="accent1"/>
+                  </a:effectRef>
+                  <a:fontRef idx="minor">
+                    <a:schemeClr val="lt1"/>
+                  </a:fontRef>
+                </p:style>
+                <p:txBody>
+                  <a:bodyPr rtlCol="0" anchor="ctr"/>
+                  <a:lstStyle/>
+                  <a:p>
+                    <a:pPr algn="ctr"/>
+                    <a:endParaRPr lang="de-DE" sz="2400"/>
+                  </a:p>
+                </p:txBody>
+              </p:sp>
+              <p:sp>
+                <p:nvSpPr>
+                  <p:cNvPr id="127" name="Rechtwinkliges Dreieck 126"/>
+                  <p:cNvSpPr/>
+                  <p:nvPr/>
+                </p:nvSpPr>
+                <p:spPr>
+                  <a:xfrm rot="8574485" flipH="1">
+                    <a:off x="1208216" y="4507271"/>
+                    <a:ext cx="66926" cy="63943"/>
+                  </a:xfrm>
+                  <a:prstGeom prst="rtTriangle">
+                    <a:avLst/>
+                  </a:prstGeom>
+                  <a:solidFill>
+                    <a:schemeClr val="bg1"/>
+                  </a:solidFill>
+                  <a:ln w="28575" cmpd="sng">
+                    <a:noFill/>
+                  </a:ln>
+                </p:spPr>
+                <p:style>
+                  <a:lnRef idx="1">
+                    <a:schemeClr val="accent1"/>
+                  </a:lnRef>
+                  <a:fillRef idx="3">
+                    <a:schemeClr val="accent1"/>
+                  </a:fillRef>
+                  <a:effectRef idx="2">
+                    <a:schemeClr val="accent1"/>
+                  </a:effectRef>
+                  <a:fontRef idx="minor">
+                    <a:schemeClr val="lt1"/>
+                  </a:fontRef>
+                </p:style>
+                <p:txBody>
+                  <a:bodyPr rtlCol="0" anchor="ctr"/>
+                  <a:lstStyle/>
+                  <a:p>
+                    <a:pPr algn="ctr"/>
+                    <a:endParaRPr lang="de-DE" sz="2400">
+                      <a:ln w="6350" cmpd="sng">
+                        <a:solidFill>
+                          <a:schemeClr val="tx1"/>
+                        </a:solidFill>
+                      </a:ln>
+                    </a:endParaRPr>
+                  </a:p>
+                </p:txBody>
+              </p:sp>
+              <p:cxnSp>
+                <p:nvCxnSpPr>
+                  <p:cNvPr id="128" name="Gerade Verbindung 127"/>
+                  <p:cNvCxnSpPr/>
+                  <p:nvPr/>
+                </p:nvCxnSpPr>
+                <p:spPr>
+                  <a:xfrm rot="19374485">
+                    <a:off x="1189540" y="4513787"/>
+                    <a:ext cx="65587" cy="0"/>
+                  </a:xfrm>
+                  <a:prstGeom prst="line">
+                    <a:avLst/>
+                  </a:prstGeom>
+                  <a:ln w="9525" cmpd="sng">
+                    <a:solidFill>
+                      <a:srgbClr val="FFFFFF"/>
+                    </a:solidFill>
+                  </a:ln>
+                  <a:effectLst/>
+                </p:spPr>
+                <p:style>
+                  <a:lnRef idx="2">
+                    <a:schemeClr val="accent1"/>
+                  </a:lnRef>
+                  <a:fillRef idx="0">
+                    <a:schemeClr val="accent1"/>
+                  </a:fillRef>
+                  <a:effectRef idx="1">
+                    <a:schemeClr val="accent1"/>
+                  </a:effectRef>
+                  <a:fontRef idx="minor">
+                    <a:schemeClr val="tx1"/>
+                  </a:fontRef>
+                </p:style>
+              </p:cxnSp>
+              <p:sp>
+                <p:nvSpPr>
+                  <p:cNvPr id="129" name="Rechtwinkliges Dreieck 128"/>
+                  <p:cNvSpPr/>
+                  <p:nvPr/>
+                </p:nvSpPr>
+                <p:spPr>
+                  <a:xfrm rot="3174485" flipH="1">
+                    <a:off x="1370478" y="4254438"/>
+                    <a:ext cx="66473" cy="334628"/>
+                  </a:xfrm>
+                  <a:prstGeom prst="rtTriangle">
+                    <a:avLst/>
+                  </a:prstGeom>
+                  <a:solidFill>
+                    <a:schemeClr val="tx1"/>
+                  </a:solidFill>
+                  <a:ln w="28575" cmpd="sng">
+                    <a:solidFill>
+                      <a:schemeClr val="tx1"/>
+                    </a:solidFill>
+                  </a:ln>
+                </p:spPr>
+                <p:style>
+                  <a:lnRef idx="1">
+                    <a:schemeClr val="accent1"/>
+                  </a:lnRef>
+                  <a:fillRef idx="3">
+                    <a:schemeClr val="accent1"/>
+                  </a:fillRef>
+                  <a:effectRef idx="2">
+                    <a:schemeClr val="accent1"/>
+                  </a:effectRef>
+                  <a:fontRef idx="minor">
+                    <a:schemeClr val="lt1"/>
+                  </a:fontRef>
+                </p:style>
+                <p:txBody>
+                  <a:bodyPr rtlCol="0" anchor="ctr"/>
+                  <a:lstStyle/>
+                  <a:p>
+                    <a:pPr algn="ctr"/>
+                    <a:endParaRPr lang="de-DE" sz="2400"/>
+                  </a:p>
+                </p:txBody>
+              </p:sp>
+              <p:sp>
+                <p:nvSpPr>
+                  <p:cNvPr id="130" name="Rechtwinkliges Dreieck 129"/>
+                  <p:cNvSpPr/>
+                  <p:nvPr/>
+                </p:nvSpPr>
+                <p:spPr>
+                  <a:xfrm rot="13974485">
+                    <a:off x="1210325" y="4509376"/>
+                    <a:ext cx="66473" cy="66926"/>
+                  </a:xfrm>
+                  <a:prstGeom prst="rtTriangle">
+                    <a:avLst/>
+                  </a:prstGeom>
+                  <a:solidFill>
+                    <a:schemeClr val="tx1"/>
+                  </a:solidFill>
+                  <a:ln w="28575" cmpd="sng">
+                    <a:solidFill>
+                      <a:schemeClr val="tx1"/>
+                    </a:solidFill>
+                  </a:ln>
+                </p:spPr>
+                <p:style>
+                  <a:lnRef idx="1">
+                    <a:schemeClr val="accent1"/>
+                  </a:lnRef>
+                  <a:fillRef idx="3">
+                    <a:schemeClr val="accent1"/>
+                  </a:fillRef>
+                  <a:effectRef idx="2">
+                    <a:schemeClr val="accent1"/>
+                  </a:effectRef>
+                  <a:fontRef idx="minor">
+                    <a:schemeClr val="lt1"/>
+                  </a:fontRef>
+                </p:style>
+                <p:txBody>
+                  <a:bodyPr rtlCol="0" anchor="ctr"/>
+                  <a:lstStyle/>
+                  <a:p>
+                    <a:pPr algn="ctr"/>
+                    <a:endParaRPr lang="de-DE" sz="2400"/>
+                  </a:p>
+                </p:txBody>
+              </p:sp>
+              <p:sp>
+                <p:nvSpPr>
+                  <p:cNvPr id="131" name="Rechtwinkliges Dreieck 130"/>
+                  <p:cNvSpPr/>
+                  <p:nvPr/>
+                </p:nvSpPr>
+                <p:spPr>
+                  <a:xfrm rot="3174485">
+                    <a:off x="1410568" y="4307461"/>
+                    <a:ext cx="66473" cy="334627"/>
+                  </a:xfrm>
+                  <a:prstGeom prst="rtTriangle">
+                    <a:avLst/>
+                  </a:prstGeom>
+                  <a:solidFill>
+                    <a:schemeClr val="bg1"/>
+                  </a:solidFill>
+                  <a:ln w="28575" cmpd="sng">
+                    <a:solidFill>
+                      <a:schemeClr val="tx1"/>
+                    </a:solidFill>
+                  </a:ln>
+                </p:spPr>
+                <p:style>
+                  <a:lnRef idx="1">
+                    <a:schemeClr val="accent1"/>
+                  </a:lnRef>
+                  <a:fillRef idx="3">
+                    <a:schemeClr val="accent1"/>
+                  </a:fillRef>
+                  <a:effectRef idx="2">
+                    <a:schemeClr val="accent1"/>
+                  </a:effectRef>
+                  <a:fontRef idx="minor">
+                    <a:schemeClr val="lt1"/>
+                  </a:fontRef>
+                </p:style>
+                <p:txBody>
+                  <a:bodyPr rtlCol="0" anchor="ctr"/>
+                  <a:lstStyle/>
+                  <a:p>
+                    <a:pPr algn="ctr"/>
+                    <a:endParaRPr lang="de-DE" sz="2400">
+                      <a:ln w="38100" cmpd="sng">
+                        <a:solidFill>
+                          <a:schemeClr val="tx1"/>
+                        </a:solidFill>
+                      </a:ln>
+                    </a:endParaRPr>
+                  </a:p>
+                </p:txBody>
+              </p:sp>
+              <p:sp>
+                <p:nvSpPr>
+                  <p:cNvPr id="132" name="Rechtwinkliges Dreieck 131"/>
+                  <p:cNvSpPr/>
+                  <p:nvPr/>
+                </p:nvSpPr>
+                <p:spPr>
+                  <a:xfrm rot="13974485" flipH="1">
+                    <a:off x="1251430" y="4562905"/>
+                    <a:ext cx="66473" cy="64379"/>
+                  </a:xfrm>
+                  <a:prstGeom prst="rtTriangle">
+                    <a:avLst/>
+                  </a:prstGeom>
+                  <a:solidFill>
+                    <a:schemeClr val="bg1"/>
+                  </a:solidFill>
+                  <a:ln w="28575" cmpd="sng">
+                    <a:solidFill>
+                      <a:schemeClr val="tx1"/>
+                    </a:solidFill>
+                  </a:ln>
+                </p:spPr>
+                <p:style>
+                  <a:lnRef idx="1">
+                    <a:schemeClr val="accent1"/>
+                  </a:lnRef>
+                  <a:fillRef idx="3">
+                    <a:schemeClr val="accent1"/>
+                  </a:fillRef>
+                  <a:effectRef idx="2">
+                    <a:schemeClr val="accent1"/>
+                  </a:effectRef>
+                  <a:fontRef idx="minor">
+                    <a:schemeClr val="lt1"/>
+                  </a:fontRef>
+                </p:style>
+                <p:txBody>
+                  <a:bodyPr rtlCol="0" anchor="ctr"/>
+                  <a:lstStyle/>
+                  <a:p>
+                    <a:pPr algn="ctr"/>
+                    <a:endParaRPr lang="de-DE" sz="2400">
+                      <a:ln w="6350" cmpd="sng">
+                        <a:solidFill>
+                          <a:schemeClr val="tx1"/>
+                        </a:solidFill>
+                      </a:ln>
+                    </a:endParaRPr>
+                  </a:p>
+                </p:txBody>
+              </p:sp>
+              <p:sp>
+                <p:nvSpPr>
+                  <p:cNvPr id="133" name="Rechtwinkliges Dreieck 132"/>
+                  <p:cNvSpPr/>
+                  <p:nvPr/>
+                </p:nvSpPr>
+                <p:spPr>
+                  <a:xfrm rot="13974485" flipH="1" flipV="1">
+                    <a:off x="1410567" y="4307461"/>
+                    <a:ext cx="66473" cy="334627"/>
+                  </a:xfrm>
+                  <a:prstGeom prst="rtTriangle">
+                    <a:avLst/>
+                  </a:prstGeom>
+                  <a:solidFill>
+                    <a:schemeClr val="bg1"/>
+                  </a:solidFill>
+                  <a:ln w="38100" cmpd="sng">
+                    <a:noFill/>
+                  </a:ln>
+                  <a:effectLst/>
+                </p:spPr>
+                <p:style>
+                  <a:lnRef idx="1">
+                    <a:schemeClr val="accent1"/>
+                  </a:lnRef>
+                  <a:fillRef idx="3">
+                    <a:schemeClr val="accent1"/>
+                  </a:fillRef>
+                  <a:effectRef idx="2">
+                    <a:schemeClr val="accent1"/>
+                  </a:effectRef>
+                  <a:fontRef idx="minor">
+                    <a:schemeClr val="lt1"/>
+                  </a:fontRef>
+                </p:style>
+                <p:txBody>
+                  <a:bodyPr rtlCol="0" anchor="ctr"/>
+                  <a:lstStyle/>
+                  <a:p>
+                    <a:pPr algn="ctr"/>
+                    <a:endParaRPr lang="de-DE" sz="2400"/>
+                  </a:p>
+                </p:txBody>
+              </p:sp>
+              <p:sp>
+                <p:nvSpPr>
+                  <p:cNvPr id="134" name="Rechtwinkliges Dreieck 133"/>
+                  <p:cNvSpPr/>
+                  <p:nvPr/>
+                </p:nvSpPr>
+                <p:spPr>
+                  <a:xfrm rot="13974485" flipH="1">
+                    <a:off x="1251430" y="4562905"/>
+                    <a:ext cx="66473" cy="64379"/>
+                  </a:xfrm>
+                  <a:prstGeom prst="rtTriangle">
+                    <a:avLst/>
+                  </a:prstGeom>
+                  <a:solidFill>
+                    <a:schemeClr val="bg1"/>
+                  </a:solidFill>
+                  <a:ln w="28575" cmpd="sng">
+                    <a:noFill/>
+                  </a:ln>
+                </p:spPr>
+                <p:style>
+                  <a:lnRef idx="1">
+                    <a:schemeClr val="accent1"/>
+                  </a:lnRef>
+                  <a:fillRef idx="3">
+                    <a:schemeClr val="accent1"/>
+                  </a:fillRef>
+                  <a:effectRef idx="2">
+                    <a:schemeClr val="accent1"/>
+                  </a:effectRef>
+                  <a:fontRef idx="minor">
+                    <a:schemeClr val="lt1"/>
+                  </a:fontRef>
+                </p:style>
+                <p:txBody>
+                  <a:bodyPr rtlCol="0" anchor="ctr"/>
+                  <a:lstStyle/>
+                  <a:p>
+                    <a:pPr algn="ctr"/>
+                    <a:endParaRPr lang="de-DE" sz="2400">
+                      <a:ln w="6350" cmpd="sng">
+                        <a:solidFill>
+                          <a:schemeClr val="tx1"/>
+                        </a:solidFill>
+                      </a:ln>
+                    </a:endParaRPr>
+                  </a:p>
+                </p:txBody>
+              </p:sp>
+              <p:cxnSp>
+                <p:nvCxnSpPr>
+                  <p:cNvPr id="135" name="Gerade Verbindung 134"/>
+                  <p:cNvCxnSpPr/>
+                  <p:nvPr/>
+                </p:nvCxnSpPr>
+                <p:spPr>
+                  <a:xfrm rot="3174485">
+                    <a:off x="1277724" y="4575618"/>
+                    <a:ext cx="65144" cy="0"/>
+                  </a:xfrm>
+                  <a:prstGeom prst="line">
+                    <a:avLst/>
+                  </a:prstGeom>
+                  <a:ln w="9525" cmpd="sng">
+                    <a:solidFill>
+                      <a:srgbClr val="FFFFFF"/>
+                    </a:solidFill>
+                  </a:ln>
+                  <a:effectLst/>
+                </p:spPr>
+                <p:style>
+                  <a:lnRef idx="2">
+                    <a:schemeClr val="accent1"/>
+                  </a:lnRef>
+                  <a:fillRef idx="0">
+                    <a:schemeClr val="accent1"/>
+                  </a:fillRef>
+                  <a:effectRef idx="1">
+                    <a:schemeClr val="accent1"/>
+                  </a:effectRef>
+                  <a:fontRef idx="minor">
+                    <a:schemeClr val="tx1"/>
+                  </a:fontRef>
+                </p:style>
+              </p:cxnSp>
+              <p:sp>
+                <p:nvSpPr>
+                  <p:cNvPr id="136" name="Rechtwinkliges Dreieck 135"/>
+                  <p:cNvSpPr/>
+                  <p:nvPr/>
+                </p:nvSpPr>
+                <p:spPr>
+                  <a:xfrm rot="5880000" flipH="1">
+                    <a:off x="1503602" y="4365364"/>
+                    <a:ext cx="89370" cy="443266"/>
+                  </a:xfrm>
+                  <a:prstGeom prst="rtTriangle">
+                    <a:avLst/>
+                  </a:prstGeom>
+                  <a:solidFill>
+                    <a:schemeClr val="tx1"/>
+                  </a:solidFill>
+                  <a:ln w="28575" cmpd="sng">
+                    <a:solidFill>
+                      <a:schemeClr val="tx1"/>
+                    </a:solidFill>
+                  </a:ln>
+                  <a:effectLst/>
+                </p:spPr>
+                <p:style>
+                  <a:lnRef idx="1">
+                    <a:schemeClr val="accent1"/>
+                  </a:lnRef>
+                  <a:fillRef idx="3">
+                    <a:schemeClr val="accent1"/>
+                  </a:fillRef>
+                  <a:effectRef idx="2">
+                    <a:schemeClr val="accent1"/>
+                  </a:effectRef>
+                  <a:fontRef idx="minor">
+                    <a:schemeClr val="lt1"/>
+                  </a:fontRef>
+                </p:style>
+                <p:txBody>
+                  <a:bodyPr rtlCol="0" anchor="ctr"/>
+                  <a:lstStyle/>
+                  <a:p>
+                    <a:pPr algn="ctr"/>
+                    <a:endParaRPr lang="de-DE" sz="2400"/>
+                  </a:p>
+                </p:txBody>
+              </p:sp>
+              <p:sp>
+                <p:nvSpPr>
+                  <p:cNvPr id="137" name="Rechtwinkliges Dreieck 136"/>
+                  <p:cNvSpPr/>
+                  <p:nvPr/>
+                </p:nvSpPr>
+                <p:spPr>
+                  <a:xfrm rot="16680000">
+                    <a:off x="1240231" y="4505656"/>
+                    <a:ext cx="89370" cy="88653"/>
+                  </a:xfrm>
+                  <a:prstGeom prst="rtTriangle">
+                    <a:avLst/>
+                  </a:prstGeom>
+                  <a:solidFill>
+                    <a:schemeClr val="tx1"/>
+                  </a:solidFill>
+                  <a:ln w="28575" cmpd="sng">
+                    <a:solidFill>
+                      <a:schemeClr val="tx1"/>
+                    </a:solidFill>
+                  </a:ln>
+                  <a:effectLst/>
+                </p:spPr>
+                <p:style>
+                  <a:lnRef idx="1">
+                    <a:schemeClr val="accent1"/>
+                  </a:lnRef>
+                  <a:fillRef idx="3">
+                    <a:schemeClr val="accent1"/>
+                  </a:fillRef>
+                  <a:effectRef idx="2">
+                    <a:schemeClr val="accent1"/>
+                  </a:effectRef>
+                  <a:fontRef idx="minor">
+                    <a:schemeClr val="lt1"/>
+                  </a:fontRef>
+                </p:style>
+                <p:txBody>
+                  <a:bodyPr rtlCol="0" anchor="ctr"/>
+                  <a:lstStyle/>
+                  <a:p>
+                    <a:pPr algn="ctr"/>
+                    <a:endParaRPr lang="de-DE" sz="2400"/>
+                  </a:p>
+                </p:txBody>
+              </p:sp>
+              <p:sp>
+                <p:nvSpPr>
+                  <p:cNvPr id="138" name="Rechtwinkliges Dreieck 137"/>
+                  <p:cNvSpPr/>
+                  <p:nvPr/>
+                </p:nvSpPr>
+                <p:spPr>
+                  <a:xfrm rot="5880000">
+                    <a:off x="1491164" y="4453863"/>
+                    <a:ext cx="89370" cy="443266"/>
+                  </a:xfrm>
+                  <a:prstGeom prst="rtTriangle">
+                    <a:avLst/>
+                  </a:prstGeom>
+                  <a:solidFill>
+                    <a:schemeClr val="bg1"/>
+                  </a:solidFill>
+                  <a:ln w="28575" cmpd="sng">
+                    <a:solidFill>
+                      <a:schemeClr val="tx1"/>
+                    </a:solidFill>
+                  </a:ln>
+                  <a:effectLst/>
+                </p:spPr>
+                <p:style>
+                  <a:lnRef idx="1">
+                    <a:schemeClr val="accent1"/>
+                  </a:lnRef>
+                  <a:fillRef idx="3">
+                    <a:schemeClr val="accent1"/>
+                  </a:fillRef>
+                  <a:effectRef idx="2">
+                    <a:schemeClr val="accent1"/>
+                  </a:effectRef>
+                  <a:fontRef idx="minor">
+                    <a:schemeClr val="lt1"/>
+                  </a:fontRef>
+                </p:style>
+                <p:txBody>
+                  <a:bodyPr rtlCol="0" anchor="ctr"/>
+                  <a:lstStyle/>
+                  <a:p>
+                    <a:pPr algn="ctr"/>
+                    <a:endParaRPr lang="de-DE" sz="2400">
+                      <a:ln w="38100" cmpd="sng">
+                        <a:solidFill>
+                          <a:schemeClr val="tx1"/>
+                        </a:solidFill>
+                      </a:ln>
+                    </a:endParaRPr>
+                  </a:p>
+                </p:txBody>
+              </p:sp>
+              <p:sp>
+                <p:nvSpPr>
+                  <p:cNvPr id="139" name="Rechtwinkliges Dreieck 138"/>
+                  <p:cNvSpPr/>
+                  <p:nvPr/>
+                </p:nvSpPr>
+                <p:spPr>
+                  <a:xfrm rot="16680000" flipH="1">
+                    <a:off x="1229463" y="4596077"/>
+                    <a:ext cx="89370" cy="85280"/>
+                  </a:xfrm>
+                  <a:prstGeom prst="rtTriangle">
+                    <a:avLst/>
+                  </a:prstGeom>
+                  <a:solidFill>
+                    <a:schemeClr val="bg1"/>
+                  </a:solidFill>
+                  <a:ln w="28575" cmpd="sng">
+                    <a:solidFill>
+                      <a:schemeClr val="tx1"/>
+                    </a:solidFill>
+                  </a:ln>
+                  <a:effectLst/>
+                </p:spPr>
+                <p:style>
+                  <a:lnRef idx="1">
+                    <a:schemeClr val="accent1"/>
+                  </a:lnRef>
+                  <a:fillRef idx="3">
+                    <a:schemeClr val="accent1"/>
+                  </a:fillRef>
+                  <a:effectRef idx="2">
+                    <a:schemeClr val="accent1"/>
+                  </a:effectRef>
+                  <a:fontRef idx="minor">
+                    <a:schemeClr val="lt1"/>
+                  </a:fontRef>
+                </p:style>
+                <p:txBody>
+                  <a:bodyPr rtlCol="0" anchor="ctr"/>
+                  <a:lstStyle/>
+                  <a:p>
+                    <a:pPr algn="ctr"/>
+                    <a:endParaRPr lang="de-DE" sz="2400">
+                      <a:ln w="6350" cmpd="sng">
+                        <a:solidFill>
+                          <a:schemeClr val="tx1"/>
+                        </a:solidFill>
+                      </a:ln>
+                    </a:endParaRPr>
+                  </a:p>
+                </p:txBody>
+              </p:sp>
+              <p:sp>
+                <p:nvSpPr>
+                  <p:cNvPr id="140" name="Rechtwinkliges Dreieck 139"/>
+                  <p:cNvSpPr/>
+                  <p:nvPr/>
+                </p:nvSpPr>
+                <p:spPr>
+                  <a:xfrm rot="16680000" flipH="1" flipV="1">
+                    <a:off x="1491164" y="4453863"/>
+                    <a:ext cx="89370" cy="443266"/>
+                  </a:xfrm>
+                  <a:prstGeom prst="rtTriangle">
+                    <a:avLst/>
+                  </a:prstGeom>
+                  <a:solidFill>
+                    <a:schemeClr val="bg1"/>
+                  </a:solidFill>
+                  <a:ln w="38100" cmpd="sng">
+                    <a:noFill/>
+                  </a:ln>
+                  <a:effectLst/>
+                </p:spPr>
+                <p:style>
+                  <a:lnRef idx="1">
+                    <a:schemeClr val="accent1"/>
+                  </a:lnRef>
+                  <a:fillRef idx="3">
+                    <a:schemeClr val="accent1"/>
+                  </a:fillRef>
+                  <a:effectRef idx="2">
+                    <a:schemeClr val="accent1"/>
+                  </a:effectRef>
+                  <a:fontRef idx="minor">
+                    <a:schemeClr val="lt1"/>
+                  </a:fontRef>
+                </p:style>
+                <p:txBody>
+                  <a:bodyPr rtlCol="0" anchor="ctr"/>
+                  <a:lstStyle/>
+                  <a:p>
+                    <a:pPr algn="ctr"/>
+                    <a:endParaRPr lang="de-DE" sz="2400"/>
+                  </a:p>
+                </p:txBody>
+              </p:sp>
+              <p:sp>
+                <p:nvSpPr>
+                  <p:cNvPr id="141" name="Rechtwinkliges Dreieck 140"/>
+                  <p:cNvSpPr/>
+                  <p:nvPr/>
+                </p:nvSpPr>
+                <p:spPr>
+                  <a:xfrm rot="16680000" flipH="1">
+                    <a:off x="1229463" y="4596077"/>
+                    <a:ext cx="89370" cy="85280"/>
+                  </a:xfrm>
+                  <a:prstGeom prst="rtTriangle">
+                    <a:avLst/>
+                  </a:prstGeom>
+                  <a:solidFill>
+                    <a:schemeClr val="bg1"/>
+                  </a:solidFill>
+                  <a:ln w="28575" cmpd="sng">
+                    <a:noFill/>
+                  </a:ln>
+                  <a:effectLst/>
+                </p:spPr>
+                <p:style>
+                  <a:lnRef idx="1">
+                    <a:schemeClr val="accent1"/>
+                  </a:lnRef>
+                  <a:fillRef idx="3">
+                    <a:schemeClr val="accent1"/>
+                  </a:fillRef>
+                  <a:effectRef idx="2">
+                    <a:schemeClr val="accent1"/>
+                  </a:effectRef>
+                  <a:fontRef idx="minor">
+                    <a:schemeClr val="lt1"/>
+                  </a:fontRef>
+                </p:style>
+                <p:txBody>
+                  <a:bodyPr rtlCol="0" anchor="ctr"/>
+                  <a:lstStyle/>
+                  <a:p>
+                    <a:pPr algn="ctr"/>
+                    <a:endParaRPr lang="de-DE" sz="2400">
+                      <a:ln w="6350" cmpd="sng">
+                        <a:solidFill>
+                          <a:schemeClr val="tx1"/>
+                        </a:solidFill>
+                      </a:ln>
+                    </a:endParaRPr>
+                  </a:p>
+                </p:txBody>
+              </p:sp>
+              <p:cxnSp>
+                <p:nvCxnSpPr>
+                  <p:cNvPr id="142" name="Gerade Verbindung 141"/>
+                  <p:cNvCxnSpPr/>
+                  <p:nvPr/>
+                </p:nvCxnSpPr>
+                <p:spPr>
+                  <a:xfrm rot="5880000">
+                    <a:off x="1272596" y="4644547"/>
+                    <a:ext cx="87583" cy="0"/>
+                  </a:xfrm>
+                  <a:prstGeom prst="line">
+                    <a:avLst/>
+                  </a:prstGeom>
+                  <a:ln w="9525" cmpd="sng">
+                    <a:solidFill>
+                      <a:srgbClr val="FFFFFF"/>
+                    </a:solidFill>
+                  </a:ln>
+                  <a:effectLst/>
+                </p:spPr>
+                <p:style>
+                  <a:lnRef idx="2">
+                    <a:schemeClr val="accent1"/>
+                  </a:lnRef>
+                  <a:fillRef idx="0">
+                    <a:schemeClr val="accent1"/>
+                  </a:fillRef>
+                  <a:effectRef idx="1">
+                    <a:schemeClr val="accent1"/>
+                  </a:effectRef>
+                  <a:fontRef idx="minor">
+                    <a:schemeClr val="tx1"/>
+                  </a:fontRef>
+                </p:style>
+              </p:cxnSp>
+              <p:sp>
+                <p:nvSpPr>
+                  <p:cNvPr id="143" name="Rechtwinkliges Dreieck 142"/>
+                  <p:cNvSpPr/>
+                  <p:nvPr/>
+                </p:nvSpPr>
+                <p:spPr>
+                  <a:xfrm rot="11280000" flipH="1">
+                    <a:off x="1189367" y="4676647"/>
+                    <a:ext cx="88653" cy="446848"/>
+                  </a:xfrm>
+                  <a:prstGeom prst="rtTriangle">
+                    <a:avLst/>
+                  </a:prstGeom>
+                  <a:solidFill>
+                    <a:schemeClr val="tx1"/>
+                  </a:solidFill>
+                  <a:ln w="28575" cmpd="sng">
+                    <a:solidFill>
+                      <a:schemeClr val="tx1"/>
+                    </a:solidFill>
+                  </a:ln>
+                  <a:effectLst/>
+                </p:spPr>
+                <p:style>
+                  <a:lnRef idx="1">
+                    <a:schemeClr val="accent1"/>
+                  </a:lnRef>
+                  <a:fillRef idx="3">
+                    <a:schemeClr val="accent1"/>
+                  </a:fillRef>
+                  <a:effectRef idx="2">
+                    <a:schemeClr val="accent1"/>
+                  </a:effectRef>
+                  <a:fontRef idx="minor">
+                    <a:schemeClr val="lt1"/>
+                  </a:fontRef>
+                </p:style>
+                <p:txBody>
+                  <a:bodyPr rtlCol="0" anchor="ctr"/>
+                  <a:lstStyle/>
+                  <a:p>
+                    <a:pPr algn="ctr"/>
+                    <a:endParaRPr lang="de-DE" sz="2400"/>
+                  </a:p>
+                </p:txBody>
+              </p:sp>
+              <p:sp>
+                <p:nvSpPr>
+                  <p:cNvPr id="144" name="Rechtwinkliges Dreieck 143"/>
+                  <p:cNvSpPr/>
+                  <p:nvPr/>
+                </p:nvSpPr>
+                <p:spPr>
+                  <a:xfrm rot="480000">
+                    <a:off x="1226681" y="4589886"/>
+                    <a:ext cx="88653" cy="89370"/>
+                  </a:xfrm>
+                  <a:prstGeom prst="rtTriangle">
+                    <a:avLst/>
+                  </a:prstGeom>
+                  <a:solidFill>
+                    <a:schemeClr val="tx1"/>
+                  </a:solidFill>
+                  <a:ln w="28575" cmpd="sng">
+                    <a:solidFill>
+                      <a:schemeClr val="tx1"/>
+                    </a:solidFill>
+                  </a:ln>
+                  <a:effectLst/>
+                </p:spPr>
+                <p:style>
+                  <a:lnRef idx="1">
+                    <a:schemeClr val="accent1"/>
+                  </a:lnRef>
+                  <a:fillRef idx="3">
+                    <a:schemeClr val="accent1"/>
+                  </a:fillRef>
+                  <a:effectRef idx="2">
+                    <a:schemeClr val="accent1"/>
+                  </a:effectRef>
+                  <a:fontRef idx="minor">
+                    <a:schemeClr val="lt1"/>
+                  </a:fontRef>
+                </p:style>
+                <p:txBody>
+                  <a:bodyPr rtlCol="0" anchor="ctr"/>
+                  <a:lstStyle/>
+                  <a:p>
+                    <a:pPr algn="ctr"/>
+                    <a:endParaRPr lang="de-DE" sz="2400"/>
+                  </a:p>
+                </p:txBody>
+              </p:sp>
+              <p:sp>
+                <p:nvSpPr>
+                  <p:cNvPr id="145" name="Rechtwinkliges Dreieck 144"/>
+                  <p:cNvSpPr/>
+                  <p:nvPr/>
+                </p:nvSpPr>
+                <p:spPr>
+                  <a:xfrm rot="11280000">
+                    <a:off x="1101577" y="4664309"/>
+                    <a:ext cx="88653" cy="446848"/>
+                  </a:xfrm>
+                  <a:prstGeom prst="rtTriangle">
+                    <a:avLst/>
+                  </a:prstGeom>
+                  <a:solidFill>
+                    <a:schemeClr val="bg1"/>
+                  </a:solidFill>
+                  <a:ln w="28575" cmpd="sng">
+                    <a:solidFill>
+                      <a:schemeClr val="tx1"/>
+                    </a:solidFill>
+                  </a:ln>
+                  <a:effectLst/>
+                </p:spPr>
+                <p:style>
+                  <a:lnRef idx="1">
+                    <a:schemeClr val="accent1"/>
+                  </a:lnRef>
+                  <a:fillRef idx="3">
+                    <a:schemeClr val="accent1"/>
+                  </a:fillRef>
+                  <a:effectRef idx="2">
+                    <a:schemeClr val="accent1"/>
+                  </a:effectRef>
+                  <a:fontRef idx="minor">
+                    <a:schemeClr val="lt1"/>
+                  </a:fontRef>
+                </p:style>
+                <p:txBody>
+                  <a:bodyPr rtlCol="0" anchor="ctr"/>
+                  <a:lstStyle/>
+                  <a:p>
+                    <a:pPr algn="ctr"/>
+                    <a:endParaRPr lang="de-DE" sz="2400">
+                      <a:ln w="38100" cmpd="sng">
+                        <a:solidFill>
+                          <a:schemeClr val="tx1"/>
+                        </a:solidFill>
+                      </a:ln>
+                    </a:endParaRPr>
+                  </a:p>
+                </p:txBody>
+              </p:sp>
+              <p:sp>
+                <p:nvSpPr>
+                  <p:cNvPr id="146" name="Rechtwinkliges Dreieck 145"/>
+                  <p:cNvSpPr/>
+                  <p:nvPr/>
+                </p:nvSpPr>
+                <p:spPr>
+                  <a:xfrm rot="480000" flipH="1">
+                    <a:off x="1138654" y="4580933"/>
+                    <a:ext cx="88653" cy="85969"/>
+                  </a:xfrm>
+                  <a:prstGeom prst="rtTriangle">
+                    <a:avLst/>
+                  </a:prstGeom>
+                  <a:solidFill>
+                    <a:schemeClr val="bg1"/>
+                  </a:solidFill>
+                  <a:ln w="28575" cmpd="sng">
+                    <a:solidFill>
+                      <a:schemeClr val="tx1"/>
+                    </a:solidFill>
+                  </a:ln>
+                  <a:effectLst/>
+                </p:spPr>
+                <p:style>
+                  <a:lnRef idx="1">
+                    <a:schemeClr val="accent1"/>
+                  </a:lnRef>
+                  <a:fillRef idx="3">
+                    <a:schemeClr val="accent1"/>
+                  </a:fillRef>
+                  <a:effectRef idx="2">
+                    <a:schemeClr val="accent1"/>
+                  </a:effectRef>
+                  <a:fontRef idx="minor">
+                    <a:schemeClr val="lt1"/>
+                  </a:fontRef>
+                </p:style>
+                <p:txBody>
+                  <a:bodyPr rtlCol="0" anchor="ctr"/>
+                  <a:lstStyle/>
+                  <a:p>
+                    <a:pPr algn="ctr"/>
+                    <a:endParaRPr lang="de-DE" sz="2400">
+                      <a:ln w="6350" cmpd="sng">
+                        <a:solidFill>
+                          <a:schemeClr val="tx1"/>
+                        </a:solidFill>
+                      </a:ln>
+                    </a:endParaRPr>
+                  </a:p>
+                </p:txBody>
+              </p:sp>
+              <p:sp>
+                <p:nvSpPr>
+                  <p:cNvPr id="147" name="Rechtwinkliges Dreieck 146"/>
+                  <p:cNvSpPr/>
+                  <p:nvPr/>
+                </p:nvSpPr>
+                <p:spPr>
+                  <a:xfrm rot="480000" flipH="1" flipV="1">
+                    <a:off x="1101577" y="4664309"/>
+                    <a:ext cx="88653" cy="446848"/>
+                  </a:xfrm>
+                  <a:prstGeom prst="rtTriangle">
+                    <a:avLst/>
+                  </a:prstGeom>
+                  <a:solidFill>
+                    <a:schemeClr val="bg1"/>
+                  </a:solidFill>
+                  <a:ln w="38100" cmpd="sng">
+                    <a:noFill/>
+                  </a:ln>
+                  <a:effectLst/>
+                </p:spPr>
+                <p:style>
+                  <a:lnRef idx="1">
+                    <a:schemeClr val="accent1"/>
+                  </a:lnRef>
+                  <a:fillRef idx="3">
+                    <a:schemeClr val="accent1"/>
+                  </a:fillRef>
+                  <a:effectRef idx="2">
+                    <a:schemeClr val="accent1"/>
+                  </a:effectRef>
+                  <a:fontRef idx="minor">
+                    <a:schemeClr val="lt1"/>
+                  </a:fontRef>
+                </p:style>
+                <p:txBody>
+                  <a:bodyPr rtlCol="0" anchor="ctr"/>
+                  <a:lstStyle/>
+                  <a:p>
+                    <a:pPr algn="ctr"/>
+                    <a:endParaRPr lang="de-DE" sz="2400"/>
+                  </a:p>
+                </p:txBody>
+              </p:sp>
+              <p:sp>
+                <p:nvSpPr>
+                  <p:cNvPr id="148" name="Rechtwinkliges Dreieck 147"/>
+                  <p:cNvSpPr/>
+                  <p:nvPr/>
+                </p:nvSpPr>
+                <p:spPr>
+                  <a:xfrm rot="480000" flipH="1">
+                    <a:off x="1138654" y="4580932"/>
+                    <a:ext cx="88653" cy="85969"/>
+                  </a:xfrm>
+                  <a:prstGeom prst="rtTriangle">
+                    <a:avLst/>
+                  </a:prstGeom>
+                  <a:solidFill>
+                    <a:schemeClr val="bg1"/>
+                  </a:solidFill>
+                  <a:ln w="28575" cmpd="sng">
+                    <a:noFill/>
+                  </a:ln>
+                  <a:effectLst/>
+                </p:spPr>
+                <p:style>
+                  <a:lnRef idx="1">
+                    <a:schemeClr val="accent1"/>
+                  </a:lnRef>
+                  <a:fillRef idx="3">
+                    <a:schemeClr val="accent1"/>
+                  </a:fillRef>
+                  <a:effectRef idx="2">
+                    <a:schemeClr val="accent1"/>
+                  </a:effectRef>
+                  <a:fontRef idx="minor">
+                    <a:schemeClr val="lt1"/>
+                  </a:fontRef>
+                </p:style>
+                <p:txBody>
+                  <a:bodyPr rtlCol="0" anchor="ctr"/>
+                  <a:lstStyle/>
+                  <a:p>
+                    <a:pPr algn="ctr"/>
+                    <a:endParaRPr lang="de-DE" sz="2400">
+                      <a:ln w="6350" cmpd="sng">
+                        <a:solidFill>
+                          <a:schemeClr val="tx1"/>
+                        </a:solidFill>
+                      </a:ln>
+                    </a:endParaRPr>
+                  </a:p>
+                </p:txBody>
+              </p:sp>
+              <p:cxnSp>
+                <p:nvCxnSpPr>
+                  <p:cNvPr id="149" name="Gerade Verbindung 148"/>
+                  <p:cNvCxnSpPr/>
+                  <p:nvPr/>
+                </p:nvCxnSpPr>
+                <p:spPr>
+                  <a:xfrm rot="11280000">
+                    <a:off x="1133661" y="4666498"/>
+                    <a:ext cx="86880" cy="0"/>
+                  </a:xfrm>
+                  <a:prstGeom prst="line">
+                    <a:avLst/>
+                  </a:prstGeom>
+                  <a:ln w="9525" cmpd="sng">
+                    <a:solidFill>
+                      <a:srgbClr val="FFFFFF"/>
+                    </a:solidFill>
+                  </a:ln>
+                  <a:effectLst/>
+                </p:spPr>
+                <p:style>
+                  <a:lnRef idx="2">
+                    <a:schemeClr val="accent1"/>
+                  </a:lnRef>
+                  <a:fillRef idx="0">
+                    <a:schemeClr val="accent1"/>
+                  </a:fillRef>
+                  <a:effectRef idx="1">
+                    <a:schemeClr val="accent1"/>
+                  </a:effectRef>
+                  <a:fontRef idx="minor">
+                    <a:schemeClr val="tx1"/>
+                  </a:fontRef>
+                </p:style>
+              </p:cxnSp>
+              <p:sp>
+                <p:nvSpPr>
+                  <p:cNvPr id="150" name="Rechtwinkliges Dreieck 149"/>
+                  <p:cNvSpPr/>
+                  <p:nvPr/>
+                </p:nvSpPr>
+                <p:spPr>
+                  <a:xfrm rot="16680000" flipH="1">
+                    <a:off x="877215" y="4361328"/>
+                    <a:ext cx="89370" cy="443266"/>
+                  </a:xfrm>
+                  <a:prstGeom prst="rtTriangle">
+                    <a:avLst/>
+                  </a:prstGeom>
+                  <a:solidFill>
+                    <a:schemeClr val="tx1"/>
+                  </a:solidFill>
+                  <a:ln w="28575" cmpd="sng">
+                    <a:solidFill>
+                      <a:schemeClr val="tx1"/>
+                    </a:solidFill>
+                  </a:ln>
+                  <a:effectLst/>
+                </p:spPr>
+                <p:style>
+                  <a:lnRef idx="1">
+                    <a:schemeClr val="accent1"/>
+                  </a:lnRef>
+                  <a:fillRef idx="3">
+                    <a:schemeClr val="accent1"/>
+                  </a:fillRef>
+                  <a:effectRef idx="2">
+                    <a:schemeClr val="accent1"/>
+                  </a:effectRef>
+                  <a:fontRef idx="minor">
+                    <a:schemeClr val="lt1"/>
+                  </a:fontRef>
+                </p:style>
+                <p:txBody>
+                  <a:bodyPr rtlCol="0" anchor="ctr"/>
+                  <a:lstStyle/>
+                  <a:p>
+                    <a:pPr algn="ctr"/>
+                    <a:endParaRPr lang="de-DE" sz="2400"/>
+                  </a:p>
+                </p:txBody>
+              </p:sp>
+              <p:sp>
+                <p:nvSpPr>
+                  <p:cNvPr id="151" name="Rechtwinkliges Dreieck 150"/>
+                  <p:cNvSpPr/>
+                  <p:nvPr/>
+                </p:nvSpPr>
+                <p:spPr>
+                  <a:xfrm rot="5880000">
+                    <a:off x="1140586" y="4575648"/>
+                    <a:ext cx="89370" cy="88653"/>
+                  </a:xfrm>
+                  <a:prstGeom prst="rtTriangle">
+                    <a:avLst/>
+                  </a:prstGeom>
+                  <a:solidFill>
+                    <a:schemeClr val="tx1"/>
+                  </a:solidFill>
+                  <a:ln w="28575" cmpd="sng">
+                    <a:solidFill>
+                      <a:schemeClr val="tx1"/>
+                    </a:solidFill>
+                  </a:ln>
+                  <a:effectLst/>
+                </p:spPr>
+                <p:style>
+                  <a:lnRef idx="1">
+                    <a:schemeClr val="accent1"/>
+                  </a:lnRef>
+                  <a:fillRef idx="3">
+                    <a:schemeClr val="accent1"/>
+                  </a:fillRef>
+                  <a:effectRef idx="2">
+                    <a:schemeClr val="accent1"/>
+                  </a:effectRef>
+                  <a:fontRef idx="minor">
+                    <a:schemeClr val="lt1"/>
+                  </a:fontRef>
+                </p:style>
+                <p:txBody>
+                  <a:bodyPr rtlCol="0" anchor="ctr"/>
+                  <a:lstStyle/>
+                  <a:p>
+                    <a:pPr algn="ctr"/>
+                    <a:endParaRPr lang="de-DE" sz="2400"/>
+                  </a:p>
+                </p:txBody>
+              </p:sp>
+              <p:sp>
+                <p:nvSpPr>
+                  <p:cNvPr id="152" name="Rechtwinkliges Dreieck 151"/>
+                  <p:cNvSpPr/>
+                  <p:nvPr/>
+                </p:nvSpPr>
+                <p:spPr>
+                  <a:xfrm rot="16680000">
+                    <a:off x="889652" y="4272828"/>
+                    <a:ext cx="89370" cy="443266"/>
+                  </a:xfrm>
+                  <a:prstGeom prst="rtTriangle">
+                    <a:avLst/>
+                  </a:prstGeom>
+                  <a:solidFill>
+                    <a:schemeClr val="bg1"/>
+                  </a:solidFill>
+                  <a:ln w="28575" cmpd="sng">
+                    <a:solidFill>
+                      <a:schemeClr val="tx1"/>
+                    </a:solidFill>
+                  </a:ln>
+                  <a:effectLst/>
+                </p:spPr>
+                <p:style>
+                  <a:lnRef idx="1">
+                    <a:schemeClr val="accent1"/>
+                  </a:lnRef>
+                  <a:fillRef idx="3">
+                    <a:schemeClr val="accent1"/>
+                  </a:fillRef>
+                  <a:effectRef idx="2">
+                    <a:schemeClr val="accent1"/>
+                  </a:effectRef>
+                  <a:fontRef idx="minor">
+                    <a:schemeClr val="lt1"/>
+                  </a:fontRef>
+                </p:style>
+                <p:txBody>
+                  <a:bodyPr rtlCol="0" anchor="ctr"/>
+                  <a:lstStyle/>
+                  <a:p>
+                    <a:pPr algn="ctr"/>
+                    <a:endParaRPr lang="de-DE" sz="2400">
+                      <a:ln w="38100" cmpd="sng">
+                        <a:solidFill>
+                          <a:schemeClr val="tx1"/>
+                        </a:solidFill>
+                      </a:ln>
+                    </a:endParaRPr>
+                  </a:p>
+                </p:txBody>
+              </p:sp>
+              <p:sp>
+                <p:nvSpPr>
+                  <p:cNvPr id="153" name="Rechtwinkliges Dreieck 152"/>
+                  <p:cNvSpPr/>
+                  <p:nvPr/>
+                </p:nvSpPr>
+                <p:spPr>
+                  <a:xfrm rot="5880000" flipH="1">
+                    <a:off x="1151353" y="4488600"/>
+                    <a:ext cx="89370" cy="85280"/>
+                  </a:xfrm>
+                  <a:prstGeom prst="rtTriangle">
+                    <a:avLst/>
+                  </a:prstGeom>
+                  <a:solidFill>
+                    <a:schemeClr val="bg1"/>
+                  </a:solidFill>
+                  <a:ln w="28575" cmpd="sng">
+                    <a:solidFill>
+                      <a:schemeClr val="tx1"/>
+                    </a:solidFill>
+                  </a:ln>
+                  <a:effectLst/>
+                </p:spPr>
+                <p:style>
+                  <a:lnRef idx="1">
+                    <a:schemeClr val="accent1"/>
+                  </a:lnRef>
+                  <a:fillRef idx="3">
+                    <a:schemeClr val="accent1"/>
+                  </a:fillRef>
+                  <a:effectRef idx="2">
+                    <a:schemeClr val="accent1"/>
+                  </a:effectRef>
+                  <a:fontRef idx="minor">
+                    <a:schemeClr val="lt1"/>
+                  </a:fontRef>
+                </p:style>
+                <p:txBody>
+                  <a:bodyPr rtlCol="0" anchor="ctr"/>
+                  <a:lstStyle/>
+                  <a:p>
+                    <a:pPr algn="ctr"/>
+                    <a:endParaRPr lang="de-DE" sz="2400">
+                      <a:ln w="6350" cmpd="sng">
+                        <a:solidFill>
+                          <a:schemeClr val="tx1"/>
+                        </a:solidFill>
+                      </a:ln>
+                    </a:endParaRPr>
+                  </a:p>
+                </p:txBody>
+              </p:sp>
+              <p:sp>
+                <p:nvSpPr>
+                  <p:cNvPr id="154" name="Rechtwinkliges Dreieck 153"/>
+                  <p:cNvSpPr/>
+                  <p:nvPr/>
+                </p:nvSpPr>
+                <p:spPr>
+                  <a:xfrm rot="5880000" flipH="1" flipV="1">
+                    <a:off x="889652" y="4272828"/>
+                    <a:ext cx="89370" cy="443266"/>
+                  </a:xfrm>
+                  <a:prstGeom prst="rtTriangle">
+                    <a:avLst/>
+                  </a:prstGeom>
+                  <a:solidFill>
+                    <a:schemeClr val="bg1"/>
+                  </a:solidFill>
+                  <a:ln w="38100" cmpd="sng">
+                    <a:noFill/>
+                  </a:ln>
+                  <a:effectLst/>
+                </p:spPr>
+                <p:style>
+                  <a:lnRef idx="1">
+                    <a:schemeClr val="accent1"/>
+                  </a:lnRef>
+                  <a:fillRef idx="3">
+                    <a:schemeClr val="accent1"/>
+                  </a:fillRef>
+                  <a:effectRef idx="2">
+                    <a:schemeClr val="accent1"/>
+                  </a:effectRef>
+                  <a:fontRef idx="minor">
+                    <a:schemeClr val="lt1"/>
+                  </a:fontRef>
+                </p:style>
+                <p:txBody>
+                  <a:bodyPr rtlCol="0" anchor="ctr"/>
+                  <a:lstStyle/>
+                  <a:p>
+                    <a:pPr algn="ctr"/>
+                    <a:endParaRPr lang="de-DE" sz="2400"/>
+                  </a:p>
+                </p:txBody>
+              </p:sp>
+              <p:sp>
+                <p:nvSpPr>
+                  <p:cNvPr id="155" name="Rechtwinkliges Dreieck 154"/>
+                  <p:cNvSpPr/>
+                  <p:nvPr/>
+                </p:nvSpPr>
+                <p:spPr>
+                  <a:xfrm rot="5880000" flipH="1">
+                    <a:off x="1151353" y="4488601"/>
+                    <a:ext cx="89370" cy="85280"/>
+                  </a:xfrm>
+                  <a:prstGeom prst="rtTriangle">
+                    <a:avLst/>
+                  </a:prstGeom>
+                  <a:solidFill>
+                    <a:schemeClr val="bg1"/>
+                  </a:solidFill>
+                  <a:ln w="28575" cmpd="sng">
+                    <a:noFill/>
+                  </a:ln>
+                  <a:effectLst/>
+                </p:spPr>
+                <p:style>
+                  <a:lnRef idx="1">
+                    <a:schemeClr val="accent1"/>
+                  </a:lnRef>
+                  <a:fillRef idx="3">
+                    <a:schemeClr val="accent1"/>
+                  </a:fillRef>
+                  <a:effectRef idx="2">
+                    <a:schemeClr val="accent1"/>
+                  </a:effectRef>
+                  <a:fontRef idx="minor">
+                    <a:schemeClr val="lt1"/>
+                  </a:fontRef>
+                </p:style>
+                <p:txBody>
+                  <a:bodyPr rtlCol="0" anchor="ctr"/>
+                  <a:lstStyle/>
+                  <a:p>
+                    <a:pPr algn="ctr"/>
+                    <a:endParaRPr lang="de-DE" sz="2400">
+                      <a:ln w="6350" cmpd="sng">
+                        <a:solidFill>
+                          <a:schemeClr val="tx1"/>
+                        </a:solidFill>
+                      </a:ln>
+                    </a:endParaRPr>
+                  </a:p>
+                </p:txBody>
+              </p:sp>
+              <p:cxnSp>
+                <p:nvCxnSpPr>
+                  <p:cNvPr id="156" name="Gerade Verbindung 155"/>
+                  <p:cNvCxnSpPr/>
+                  <p:nvPr/>
+                </p:nvCxnSpPr>
+                <p:spPr>
+                  <a:xfrm rot="16680000">
+                    <a:off x="1110007" y="4525410"/>
+                    <a:ext cx="87583" cy="0"/>
+                  </a:xfrm>
+                  <a:prstGeom prst="line">
+                    <a:avLst/>
+                  </a:prstGeom>
+                  <a:ln w="9525" cmpd="sng">
+                    <a:solidFill>
+                      <a:srgbClr val="FFFFFF"/>
+                    </a:solidFill>
+                  </a:ln>
+                  <a:effectLst/>
+                </p:spPr>
+                <p:style>
+                  <a:lnRef idx="2">
+                    <a:schemeClr val="accent1"/>
+                  </a:lnRef>
+                  <a:fillRef idx="0">
+                    <a:schemeClr val="accent1"/>
+                  </a:fillRef>
+                  <a:effectRef idx="1">
+                    <a:schemeClr val="accent1"/>
+                  </a:effectRef>
+                  <a:fontRef idx="minor">
+                    <a:schemeClr val="tx1"/>
+                  </a:fontRef>
+                </p:style>
+              </p:cxnSp>
+              <p:sp>
+                <p:nvSpPr>
+                  <p:cNvPr id="157" name="Rechtwinkliges Dreieck 156"/>
+                  <p:cNvSpPr/>
+                  <p:nvPr/>
+                </p:nvSpPr>
+                <p:spPr>
+                  <a:xfrm rot="480000" flipH="1">
+                    <a:off x="1194189" y="4043944"/>
+                    <a:ext cx="88653" cy="446848"/>
+                  </a:xfrm>
+                  <a:prstGeom prst="rtTriangle">
+                    <a:avLst/>
+                  </a:prstGeom>
+                  <a:solidFill>
+                    <a:schemeClr val="tx1"/>
+                  </a:solidFill>
+                  <a:ln w="28575" cmpd="sng">
+                    <a:solidFill>
+                      <a:schemeClr val="tx1"/>
+                    </a:solidFill>
+                  </a:ln>
+                  <a:effectLst/>
+                </p:spPr>
+                <p:style>
+                  <a:lnRef idx="1">
+                    <a:schemeClr val="accent1"/>
+                  </a:lnRef>
+                  <a:fillRef idx="3">
+                    <a:schemeClr val="accent1"/>
+                  </a:fillRef>
+                  <a:effectRef idx="2">
+                    <a:schemeClr val="accent1"/>
+                  </a:effectRef>
+                  <a:fontRef idx="minor">
+                    <a:schemeClr val="lt1"/>
+                  </a:fontRef>
+                </p:style>
+                <p:txBody>
+                  <a:bodyPr rtlCol="0" anchor="ctr"/>
+                  <a:lstStyle/>
+                  <a:p>
+                    <a:pPr algn="ctr"/>
+                    <a:endParaRPr lang="de-DE" sz="2400"/>
+                  </a:p>
+                </p:txBody>
+              </p:sp>
+              <p:sp>
+                <p:nvSpPr>
+                  <p:cNvPr id="158" name="Rechtwinkliges Dreieck 157"/>
+                  <p:cNvSpPr/>
+                  <p:nvPr/>
+                </p:nvSpPr>
+                <p:spPr>
+                  <a:xfrm rot="11280000">
+                    <a:off x="1156875" y="4488183"/>
+                    <a:ext cx="88653" cy="89370"/>
+                  </a:xfrm>
+                  <a:prstGeom prst="rtTriangle">
+                    <a:avLst/>
+                  </a:prstGeom>
+                  <a:solidFill>
+                    <a:schemeClr val="tx1"/>
+                  </a:solidFill>
+                  <a:ln w="28575" cmpd="sng">
+                    <a:solidFill>
+                      <a:schemeClr val="tx1"/>
+                    </a:solidFill>
+                  </a:ln>
+                  <a:effectLst/>
+                </p:spPr>
+                <p:style>
+                  <a:lnRef idx="1">
+                    <a:schemeClr val="accent1"/>
+                  </a:lnRef>
+                  <a:fillRef idx="3">
+                    <a:schemeClr val="accent1"/>
+                  </a:fillRef>
+                  <a:effectRef idx="2">
+                    <a:schemeClr val="accent1"/>
+                  </a:effectRef>
+                  <a:fontRef idx="minor">
+                    <a:schemeClr val="lt1"/>
+                  </a:fontRef>
+                </p:style>
+                <p:txBody>
+                  <a:bodyPr rtlCol="0" anchor="ctr"/>
+                  <a:lstStyle/>
+                  <a:p>
+                    <a:pPr algn="ctr"/>
+                    <a:endParaRPr lang="de-DE" sz="2400"/>
+                  </a:p>
+                </p:txBody>
+              </p:sp>
+              <p:sp>
+                <p:nvSpPr>
+                  <p:cNvPr id="159" name="Rechtwinkliges Dreieck 158"/>
+                  <p:cNvSpPr/>
+                  <p:nvPr/>
+                </p:nvSpPr>
+                <p:spPr>
+                  <a:xfrm rot="480000">
+                    <a:off x="1281979" y="4056282"/>
+                    <a:ext cx="88653" cy="446848"/>
+                  </a:xfrm>
+                  <a:prstGeom prst="rtTriangle">
+                    <a:avLst/>
+                  </a:prstGeom>
+                  <a:solidFill>
+                    <a:schemeClr val="bg1"/>
+                  </a:solidFill>
+                  <a:ln w="28575" cmpd="sng">
+                    <a:solidFill>
+                      <a:schemeClr val="tx1"/>
+                    </a:solidFill>
+                  </a:ln>
+                  <a:effectLst/>
+                </p:spPr>
+                <p:style>
+                  <a:lnRef idx="1">
+                    <a:schemeClr val="accent1"/>
+                  </a:lnRef>
+                  <a:fillRef idx="3">
+                    <a:schemeClr val="accent1"/>
+                  </a:fillRef>
+                  <a:effectRef idx="2">
+                    <a:schemeClr val="accent1"/>
+                  </a:effectRef>
+                  <a:fontRef idx="minor">
+                    <a:schemeClr val="lt1"/>
+                  </a:fontRef>
+                </p:style>
+                <p:txBody>
+                  <a:bodyPr rtlCol="0" anchor="ctr"/>
+                  <a:lstStyle/>
+                  <a:p>
+                    <a:pPr algn="ctr"/>
+                    <a:endParaRPr lang="de-DE" sz="2400">
+                      <a:ln w="38100" cmpd="sng">
+                        <a:solidFill>
+                          <a:schemeClr val="tx1"/>
+                        </a:solidFill>
+                      </a:ln>
+                    </a:endParaRPr>
+                  </a:p>
+                </p:txBody>
+              </p:sp>
+              <p:sp>
+                <p:nvSpPr>
+                  <p:cNvPr id="160" name="Rechtwinkliges Dreieck 159"/>
+                  <p:cNvSpPr/>
+                  <p:nvPr/>
+                </p:nvSpPr>
+                <p:spPr>
+                  <a:xfrm rot="11280000" flipH="1">
+                    <a:off x="1244902" y="4500538"/>
+                    <a:ext cx="88653" cy="85969"/>
+                  </a:xfrm>
+                  <a:prstGeom prst="rtTriangle">
+                    <a:avLst/>
+                  </a:prstGeom>
+                  <a:solidFill>
+                    <a:schemeClr val="bg1"/>
+                  </a:solidFill>
+                  <a:ln w="28575" cmpd="sng">
+                    <a:solidFill>
+                      <a:schemeClr val="tx1"/>
+                    </a:solidFill>
+                  </a:ln>
+                  <a:effectLst/>
+                </p:spPr>
+                <p:style>
+                  <a:lnRef idx="1">
+                    <a:schemeClr val="accent1"/>
+                  </a:lnRef>
+                  <a:fillRef idx="3">
+                    <a:schemeClr val="accent1"/>
+                  </a:fillRef>
+                  <a:effectRef idx="2">
+                    <a:schemeClr val="accent1"/>
+                  </a:effectRef>
+                  <a:fontRef idx="minor">
+                    <a:schemeClr val="lt1"/>
+                  </a:fontRef>
+                </p:style>
+                <p:txBody>
+                  <a:bodyPr rtlCol="0" anchor="ctr"/>
+                  <a:lstStyle/>
+                  <a:p>
+                    <a:pPr algn="ctr"/>
+                    <a:endParaRPr lang="de-DE" sz="2400">
+                      <a:ln w="6350" cmpd="sng">
+                        <a:solidFill>
+                          <a:schemeClr val="tx1"/>
+                        </a:solidFill>
+                      </a:ln>
+                    </a:endParaRPr>
+                  </a:p>
+                </p:txBody>
+              </p:sp>
+              <p:sp>
+                <p:nvSpPr>
+                  <p:cNvPr id="161" name="Rechtwinkliges Dreieck 160"/>
+                  <p:cNvSpPr/>
+                  <p:nvPr/>
+                </p:nvSpPr>
+                <p:spPr>
+                  <a:xfrm rot="11280000" flipH="1" flipV="1">
+                    <a:off x="1281979" y="4056283"/>
+                    <a:ext cx="88653" cy="446848"/>
+                  </a:xfrm>
+                  <a:prstGeom prst="rtTriangle">
+                    <a:avLst/>
+                  </a:prstGeom>
+                  <a:solidFill>
+                    <a:schemeClr val="bg1"/>
+                  </a:solidFill>
+                  <a:ln w="38100" cmpd="sng">
+                    <a:noFill/>
+                  </a:ln>
+                  <a:effectLst/>
+                </p:spPr>
+                <p:style>
+                  <a:lnRef idx="1">
+                    <a:schemeClr val="accent1"/>
+                  </a:lnRef>
+                  <a:fillRef idx="3">
+                    <a:schemeClr val="accent1"/>
+                  </a:fillRef>
+                  <a:effectRef idx="2">
+                    <a:schemeClr val="accent1"/>
+                  </a:effectRef>
+                  <a:fontRef idx="minor">
+                    <a:schemeClr val="lt1"/>
+                  </a:fontRef>
+                </p:style>
+                <p:txBody>
+                  <a:bodyPr rtlCol="0" anchor="ctr"/>
+                  <a:lstStyle/>
+                  <a:p>
+                    <a:pPr algn="ctr"/>
+                    <a:endParaRPr lang="de-DE" sz="2400"/>
+                  </a:p>
+                </p:txBody>
+              </p:sp>
+              <p:sp>
+                <p:nvSpPr>
+                  <p:cNvPr id="162" name="Rechtwinkliges Dreieck 161"/>
+                  <p:cNvSpPr/>
+                  <p:nvPr/>
+                </p:nvSpPr>
+                <p:spPr>
+                  <a:xfrm rot="11280000" flipH="1">
+                    <a:off x="1244902" y="4500538"/>
+                    <a:ext cx="88653" cy="85969"/>
+                  </a:xfrm>
+                  <a:prstGeom prst="rtTriangle">
+                    <a:avLst/>
+                  </a:prstGeom>
+                  <a:solidFill>
+                    <a:schemeClr val="bg1"/>
+                  </a:solidFill>
+                  <a:ln w="28575" cmpd="sng">
+                    <a:noFill/>
+                  </a:ln>
+                  <a:effectLst/>
+                </p:spPr>
+                <p:style>
+                  <a:lnRef idx="1">
+                    <a:schemeClr val="accent1"/>
+                  </a:lnRef>
+                  <a:fillRef idx="3">
+                    <a:schemeClr val="accent1"/>
+                  </a:fillRef>
+                  <a:effectRef idx="2">
+                    <a:schemeClr val="accent1"/>
+                  </a:effectRef>
+                  <a:fontRef idx="minor">
+                    <a:schemeClr val="lt1"/>
+                  </a:fontRef>
+                </p:style>
+                <p:txBody>
+                  <a:bodyPr rtlCol="0" anchor="ctr"/>
+                  <a:lstStyle/>
+                  <a:p>
+                    <a:pPr algn="ctr"/>
+                    <a:endParaRPr lang="de-DE" sz="2400">
+                      <a:ln w="6350" cmpd="sng">
+                        <a:solidFill>
+                          <a:schemeClr val="tx1"/>
+                        </a:solidFill>
+                      </a:ln>
+                    </a:endParaRPr>
+                  </a:p>
+                </p:txBody>
+              </p:sp>
+              <p:cxnSp>
+                <p:nvCxnSpPr>
+                  <p:cNvPr id="163" name="Gerade Verbindung 162"/>
+                  <p:cNvCxnSpPr/>
+                  <p:nvPr/>
+                </p:nvCxnSpPr>
+                <p:spPr>
+                  <a:xfrm rot="480000">
+                    <a:off x="1251668" y="4500941"/>
+                    <a:ext cx="86880" cy="0"/>
+                  </a:xfrm>
+                  <a:prstGeom prst="line">
+                    <a:avLst/>
+                  </a:prstGeom>
+                  <a:ln w="9525" cmpd="sng">
+                    <a:solidFill>
+                      <a:srgbClr val="FFFFFF"/>
+                    </a:solidFill>
+                  </a:ln>
+                  <a:effectLst/>
+                </p:spPr>
+                <p:style>
+                  <a:lnRef idx="2">
+                    <a:schemeClr val="accent1"/>
+                  </a:lnRef>
+                  <a:fillRef idx="0">
+                    <a:schemeClr val="accent1"/>
+                  </a:fillRef>
+                  <a:effectRef idx="1">
+                    <a:schemeClr val="accent1"/>
+                  </a:effectRef>
+                  <a:fontRef idx="minor">
+                    <a:schemeClr val="tx1"/>
+                  </a:fontRef>
+                </p:style>
+              </p:cxnSp>
+              <p:sp>
+                <p:nvSpPr>
+                  <p:cNvPr id="164" name="Textfeld 163"/>
+                  <p:cNvSpPr txBox="1"/>
+                  <p:nvPr/>
+                </p:nvSpPr>
+                <p:spPr>
+                  <a:xfrm rot="5880000">
+                    <a:off x="446377" y="4352967"/>
+                    <a:ext cx="324388" cy="276999"/>
+                  </a:xfrm>
+                  <a:prstGeom prst="rect">
+                    <a:avLst/>
+                  </a:prstGeom>
+                  <a:noFill/>
+                </p:spPr>
+                <p:txBody>
+                  <a:bodyPr wrap="square" rtlCol="0">
+                    <a:spAutoFit/>
+                  </a:bodyPr>
+                  <a:lstStyle>
+                    <a:defPPr>
+                      <a:defRPr lang="de-DE"/>
+                    </a:defPPr>
+                    <a:lvl1pPr algn="ctr">
+                      <a:defRPr sz="1200" b="1">
+                        <a:latin typeface="Avenir Black"/>
+                        <a:cs typeface="Avenir Black"/>
+                      </a:defRPr>
+                    </a:lvl1pPr>
+                  </a:lstStyle>
+                  <a:p>
+                    <a:r>
+                      <a:rPr lang="de-DE" dirty="0"/>
+                      <a:t>S</a:t>
+                    </a:r>
+                  </a:p>
+                </p:txBody>
+              </p:sp>
+            </p:grpSp>
+            <p:sp>
+              <p:nvSpPr>
+                <p:cNvPr id="107" name="Textfeld 106"/>
+                <p:cNvSpPr txBox="1"/>
+                <p:nvPr/>
+              </p:nvSpPr>
+              <p:spPr>
+                <a:xfrm rot="5880000">
+                  <a:off x="997930" y="5079835"/>
+                  <a:ext cx="289681" cy="276999"/>
+                </a:xfrm>
+                <a:prstGeom prst="rect">
+                  <a:avLst/>
+                </a:prstGeom>
+                <a:noFill/>
+              </p:spPr>
+              <p:txBody>
+                <a:bodyPr wrap="square" rtlCol="0">
+                  <a:spAutoFit/>
+                </a:bodyPr>
+                <a:lstStyle>
+                  <a:defPPr>
+                    <a:defRPr lang="de-DE"/>
+                  </a:defPPr>
+                  <a:lvl1pPr algn="ctr">
+                    <a:defRPr sz="1200" b="1">
+                      <a:latin typeface="Avenir Black"/>
+                      <a:cs typeface="Avenir Black"/>
+                    </a:defRPr>
+                  </a:lvl1pPr>
+                </a:lstStyle>
+                <a:p>
+                  <a:r>
+                    <a:rPr lang="de-DE" dirty="0"/>
+                    <a:t>O</a:t>
+                  </a:r>
+                </a:p>
+              </p:txBody>
+            </p:sp>
+          </p:grpSp>
+        </p:grpSp>
+        <p:sp>
+          <p:nvSpPr>
+            <p:cNvPr id="74" name="Rechteck 73"/>
+            <p:cNvSpPr/>
+            <p:nvPr/>
+          </p:nvSpPr>
+          <p:spPr>
+            <a:xfrm>
+              <a:off x="448846" y="6076377"/>
+              <a:ext cx="8636722" cy="637193"/>
+            </a:xfrm>
+            <a:prstGeom prst="rect">
+              <a:avLst/>
+            </a:prstGeom>
+            <a:solidFill>
+              <a:schemeClr val="bg1">
+                <a:lumMod val="95000"/>
+              </a:schemeClr>
+            </a:solidFill>
+            <a:ln>
+              <a:solidFill>
+                <a:schemeClr val="tx1">
+                  <a:lumMod val="75000"/>
+                  <a:lumOff val="25000"/>
+                </a:schemeClr>
+              </a:solidFill>
+            </a:ln>
+          </p:spPr>
+          <p:style>
+            <a:lnRef idx="1">
+              <a:schemeClr val="accent1"/>
+            </a:lnRef>
+            <a:fillRef idx="3">
+              <a:schemeClr val="accent1"/>
+            </a:fillRef>
+            <a:effectRef idx="2">
+              <a:schemeClr val="accent1"/>
+            </a:effectRef>
+            <a:fontRef idx="minor">
+              <a:schemeClr val="lt1"/>
+            </a:fontRef>
+          </p:style>
+          <p:txBody>
+            <a:bodyPr rtlCol="0" anchor="ctr"/>
+            <a:lstStyle/>
+            <a:p>
+              <a:pPr algn="ctr"/>
+              <a:endParaRPr lang="de-DE"/>
+            </a:p>
+          </p:txBody>
+        </p:sp>
+        <p:grpSp>
+          <p:nvGrpSpPr>
+            <p:cNvPr id="75" name="Gruppierung 74"/>
+            <p:cNvGrpSpPr/>
+            <p:nvPr/>
+          </p:nvGrpSpPr>
+          <p:grpSpPr>
+            <a:xfrm>
+              <a:off x="633860" y="6369754"/>
+              <a:ext cx="1498509" cy="276999"/>
+              <a:chOff x="549190" y="6369754"/>
+              <a:chExt cx="1498509" cy="276999"/>
+            </a:xfrm>
+          </p:grpSpPr>
+          <p:sp>
+            <p:nvSpPr>
+              <p:cNvPr id="101" name="Rechteck 100"/>
+              <p:cNvSpPr/>
+              <p:nvPr/>
+            </p:nvSpPr>
+            <p:spPr>
+              <a:xfrm rot="10800000">
+                <a:off x="549190" y="6415952"/>
+                <a:ext cx="180000" cy="179937"/>
+              </a:xfrm>
+              <a:prstGeom prst="rect">
+                <a:avLst/>
+              </a:prstGeom>
+              <a:pattFill prst="wdUpDiag">
+                <a:fgClr>
+                  <a:schemeClr val="tx1">
+                    <a:lumMod val="50000"/>
+                    <a:lumOff val="50000"/>
+                  </a:schemeClr>
+                </a:fgClr>
+                <a:bgClr>
+                  <a:prstClr val="white"/>
+                </a:bgClr>
+              </a:pattFill>
+              <a:ln>
+                <a:noFill/>
+              </a:ln>
+              <a:effectLst/>
+            </p:spPr>
+            <p:style>
+              <a:lnRef idx="1">
+                <a:schemeClr val="accent1"/>
+              </a:lnRef>
+              <a:fillRef idx="3">
+                <a:schemeClr val="accent1"/>
+              </a:fillRef>
+              <a:effectRef idx="2">
+                <a:schemeClr val="accent1"/>
+              </a:effectRef>
+              <a:fontRef idx="minor">
+                <a:schemeClr val="lt1"/>
+              </a:fontRef>
+            </p:style>
+            <p:txBody>
+              <a:bodyPr rtlCol="0" anchor="ctr"/>
+              <a:lstStyle/>
+              <a:p>
+                <a:pPr algn="ctr"/>
+                <a:endParaRPr lang="de-DE"/>
+              </a:p>
+            </p:txBody>
+          </p:sp>
+          <p:sp>
+            <p:nvSpPr>
+              <p:cNvPr id="102" name="Textfeld 101"/>
+              <p:cNvSpPr txBox="1"/>
+              <p:nvPr/>
+            </p:nvSpPr>
+            <p:spPr>
+              <a:xfrm>
+                <a:off x="733648" y="6369754"/>
+                <a:ext cx="1314051" cy="276999"/>
+              </a:xfrm>
+              <a:prstGeom prst="rect">
+                <a:avLst/>
+              </a:prstGeom>
+              <a:noFill/>
+            </p:spPr>
+            <p:txBody>
+              <a:bodyPr wrap="none" rtlCol="0">
+                <a:spAutoFit/>
+              </a:bodyPr>
+              <a:lstStyle/>
+              <a:p>
+                <a:r>
+                  <a:rPr lang="de-DE" sz="1200" b="1" dirty="0" smtClean="0">
+                    <a:solidFill>
+                      <a:srgbClr val="595959"/>
+                    </a:solidFill>
+                    <a:latin typeface="Avenir Book"/>
+                    <a:cs typeface="Avenir Book"/>
+                  </a:rPr>
+                  <a:t>Betonwand</a:t>
+                </a:r>
+                <a:endParaRPr lang="de-DE" sz="1200" b="1" dirty="0">
+                  <a:solidFill>
+                    <a:srgbClr val="595959"/>
+                  </a:solidFill>
+                  <a:latin typeface="Avenir Book"/>
+                  <a:cs typeface="Avenir Book"/>
+                </a:endParaRPr>
+              </a:p>
+            </p:txBody>
+          </p:sp>
+        </p:grpSp>
+        <p:grpSp>
+          <p:nvGrpSpPr>
+            <p:cNvPr id="76" name="Gruppierung 75"/>
+            <p:cNvGrpSpPr/>
+            <p:nvPr/>
+          </p:nvGrpSpPr>
+          <p:grpSpPr>
+            <a:xfrm>
+              <a:off x="7423769" y="6369754"/>
+              <a:ext cx="1588583" cy="276999"/>
+              <a:chOff x="7523249" y="6369754"/>
+              <a:chExt cx="1588583" cy="276999"/>
+            </a:xfrm>
+          </p:grpSpPr>
+          <p:sp>
+            <p:nvSpPr>
+              <p:cNvPr id="99" name="Textfeld 98"/>
+              <p:cNvSpPr txBox="1"/>
+              <p:nvPr/>
+            </p:nvSpPr>
+            <p:spPr>
+              <a:xfrm>
+                <a:off x="7708884" y="6369754"/>
+                <a:ext cx="1402948" cy="276999"/>
+              </a:xfrm>
+              <a:prstGeom prst="rect">
+                <a:avLst/>
+              </a:prstGeom>
+              <a:noFill/>
+            </p:spPr>
+            <p:txBody>
+              <a:bodyPr wrap="none" rtlCol="0">
+                <a:spAutoFit/>
+              </a:bodyPr>
+              <a:lstStyle/>
+              <a:p>
+                <a:r>
+                  <a:rPr lang="de-DE" sz="1200" b="1" dirty="0" smtClean="0">
+                    <a:solidFill>
+                      <a:schemeClr val="tx2">
+                        <a:lumMod val="60000"/>
+                        <a:lumOff val="40000"/>
+                      </a:schemeClr>
+                    </a:solidFill>
+                    <a:latin typeface="Avenir Book"/>
+                    <a:cs typeface="Avenir Book"/>
+                  </a:rPr>
+                  <a:t>Außenumgebung</a:t>
+                </a:r>
+                <a:endParaRPr lang="de-DE" sz="1200" b="1" dirty="0">
+                  <a:solidFill>
+                    <a:schemeClr val="tx2">
+                      <a:lumMod val="60000"/>
+                      <a:lumOff val="40000"/>
+                    </a:schemeClr>
+                  </a:solidFill>
+                  <a:latin typeface="Avenir Book"/>
+                  <a:cs typeface="Avenir Book"/>
+                </a:endParaRPr>
+              </a:p>
+            </p:txBody>
+          </p:sp>
+          <p:sp>
+            <p:nvSpPr>
+              <p:cNvPr id="100" name="Rechteck 99"/>
+              <p:cNvSpPr/>
+              <p:nvPr/>
+            </p:nvSpPr>
+            <p:spPr>
+              <a:xfrm rot="5400000">
+                <a:off x="7523249" y="6415953"/>
+                <a:ext cx="180000" cy="179999"/>
+              </a:xfrm>
+              <a:prstGeom prst="rect">
+                <a:avLst/>
+              </a:prstGeom>
+              <a:solidFill>
+                <a:schemeClr val="accent1">
+                  <a:lumMod val="40000"/>
+                  <a:lumOff val="60000"/>
+                </a:schemeClr>
+              </a:solidFill>
+              <a:ln>
+                <a:noFill/>
+              </a:ln>
+              <a:effectLst/>
+            </p:spPr>
+            <p:style>
+              <a:lnRef idx="1">
+                <a:schemeClr val="accent1"/>
+              </a:lnRef>
+              <a:fillRef idx="3">
+                <a:schemeClr val="accent1"/>
+              </a:fillRef>
+              <a:effectRef idx="2">
+                <a:schemeClr val="accent1"/>
+              </a:effectRef>
+              <a:fontRef idx="minor">
+                <a:schemeClr val="lt1"/>
+              </a:fontRef>
+            </p:style>
+            <p:txBody>
+              <a:bodyPr rot="0" spcFirstLastPara="0" vertOverflow="overflow" horzOverflow="overflow" vert="horz" wrap="square" lIns="91440" tIns="45720" rIns="91440" bIns="45720" numCol="1" spcCol="0" rtlCol="0" fromWordArt="0" anchor="ctr" anchorCtr="0" forceAA="0" compatLnSpc="1">
+                <a:prstTxWarp prst="textNoShape">
+                  <a:avLst/>
+                </a:prstTxWarp>
+                <a:noAutofit/>
+              </a:bodyPr>
+              <a:lstStyle/>
+              <a:p>
+                <a:pPr algn="ctr"/>
+                <a:endParaRPr lang="de-DE"/>
+              </a:p>
+            </p:txBody>
+          </p:sp>
+        </p:grpSp>
+        <p:grpSp>
+          <p:nvGrpSpPr>
+            <p:cNvPr id="77" name="Gruppierung 76"/>
+            <p:cNvGrpSpPr/>
+            <p:nvPr/>
+          </p:nvGrpSpPr>
+          <p:grpSpPr>
+            <a:xfrm>
+              <a:off x="6288279" y="6369754"/>
+              <a:ext cx="1024820" cy="276999"/>
+              <a:chOff x="6419509" y="6369754"/>
+              <a:chExt cx="1024820" cy="276999"/>
+            </a:xfrm>
+          </p:grpSpPr>
+          <p:sp>
+            <p:nvSpPr>
+              <p:cNvPr id="94" name="Textfeld 93"/>
+              <p:cNvSpPr txBox="1"/>
+              <p:nvPr/>
+            </p:nvSpPr>
+            <p:spPr>
+              <a:xfrm>
+                <a:off x="6609114" y="6369754"/>
+                <a:ext cx="835215" cy="276999"/>
+              </a:xfrm>
+              <a:prstGeom prst="rect">
+                <a:avLst/>
+              </a:prstGeom>
+              <a:noFill/>
+            </p:spPr>
+            <p:txBody>
+              <a:bodyPr wrap="square" rtlCol="0">
+                <a:spAutoFit/>
+              </a:bodyPr>
+              <a:lstStyle/>
+              <a:p>
+                <a:r>
+                  <a:rPr lang="de-DE" sz="1200" b="1" dirty="0" smtClean="0">
+                    <a:solidFill>
+                      <a:schemeClr val="tx1">
+                        <a:lumMod val="75000"/>
+                        <a:lumOff val="25000"/>
+                      </a:schemeClr>
+                    </a:solidFill>
+                    <a:latin typeface="Avenir Book"/>
+                    <a:cs typeface="Avenir Book"/>
+                  </a:rPr>
+                  <a:t>Gebäude</a:t>
+                </a:r>
+                <a:endParaRPr lang="de-DE" sz="1200" b="1" dirty="0">
+                  <a:solidFill>
+                    <a:schemeClr val="tx1">
+                      <a:lumMod val="75000"/>
+                      <a:lumOff val="25000"/>
+                    </a:schemeClr>
+                  </a:solidFill>
+                  <a:latin typeface="Avenir Book"/>
+                  <a:cs typeface="Avenir Book"/>
+                </a:endParaRPr>
+              </a:p>
+            </p:txBody>
+          </p:sp>
+          <p:grpSp>
+            <p:nvGrpSpPr>
+              <p:cNvPr id="95" name="Gruppierung 94"/>
+              <p:cNvGrpSpPr/>
+              <p:nvPr/>
+            </p:nvGrpSpPr>
+            <p:grpSpPr>
+              <a:xfrm>
+                <a:off x="6419509" y="6415952"/>
+                <a:ext cx="179999" cy="180000"/>
+                <a:chOff x="4897469" y="3264111"/>
+                <a:chExt cx="224553" cy="759250"/>
+              </a:xfrm>
+            </p:grpSpPr>
+            <p:sp>
+              <p:nvSpPr>
+                <p:cNvPr id="96" name="Rechteck 95"/>
+                <p:cNvSpPr/>
+                <p:nvPr/>
+              </p:nvSpPr>
+              <p:spPr>
+                <a:xfrm rot="10800000">
+                  <a:off x="4897469" y="3264377"/>
+                  <a:ext cx="224553" cy="758984"/>
+                </a:xfrm>
+                <a:prstGeom prst="rect">
+                  <a:avLst/>
+                </a:prstGeom>
+                <a:solidFill>
+                  <a:schemeClr val="tx1">
+                    <a:lumMod val="50000"/>
+                    <a:lumOff val="50000"/>
+                  </a:schemeClr>
+                </a:solidFill>
+                <a:ln>
+                  <a:noFill/>
+                </a:ln>
+                <a:effectLst/>
+              </p:spPr>
+              <p:style>
+                <a:lnRef idx="1">
+                  <a:schemeClr val="accent1"/>
+                </a:lnRef>
+                <a:fillRef idx="3">
+                  <a:schemeClr val="accent1"/>
+                </a:fillRef>
+                <a:effectRef idx="2">
+                  <a:schemeClr val="accent1"/>
+                </a:effectRef>
+                <a:fontRef idx="minor">
+                  <a:schemeClr val="lt1"/>
+                </a:fontRef>
+              </p:style>
+              <p:txBody>
+                <a:bodyPr rot="0" spcFirstLastPara="0" vertOverflow="overflow" horzOverflow="overflow" vert="horz" wrap="square" lIns="91440" tIns="45720" rIns="91440" bIns="45720" numCol="1" spcCol="0" rtlCol="0" fromWordArt="0" anchor="ctr" anchorCtr="0" forceAA="0" compatLnSpc="1">
+                  <a:prstTxWarp prst="textNoShape">
+                    <a:avLst/>
+                  </a:prstTxWarp>
+                  <a:noAutofit/>
+                </a:bodyPr>
+                <a:lstStyle/>
+                <a:p>
+                  <a:pPr algn="ctr"/>
+                  <a:endParaRPr lang="de-DE"/>
+                </a:p>
+              </p:txBody>
+            </p:sp>
+            <p:cxnSp>
+              <p:nvCxnSpPr>
+                <p:cNvPr id="97" name="Gerade Verbindung 96"/>
+                <p:cNvCxnSpPr/>
+                <p:nvPr/>
+              </p:nvCxnSpPr>
+              <p:spPr>
+                <a:xfrm rot="10800000">
+                  <a:off x="4897469" y="3264111"/>
+                  <a:ext cx="224553" cy="759250"/>
+                </a:xfrm>
+                <a:prstGeom prst="line">
+                  <a:avLst/>
+                </a:prstGeom>
+                <a:solidFill>
+                  <a:schemeClr val="tx1">
+                    <a:lumMod val="50000"/>
+                    <a:lumOff val="50000"/>
+                  </a:schemeClr>
+                </a:solidFill>
+                <a:ln>
+                  <a:noFill/>
+                </a:ln>
+                <a:effectLst/>
+              </p:spPr>
+              <p:style>
+                <a:lnRef idx="1">
+                  <a:schemeClr val="accent1"/>
+                </a:lnRef>
+                <a:fillRef idx="3">
+                  <a:schemeClr val="accent1"/>
+                </a:fillRef>
+                <a:effectRef idx="2">
+                  <a:schemeClr val="accent1"/>
+                </a:effectRef>
+                <a:fontRef idx="minor">
+                  <a:schemeClr val="lt1"/>
+                </a:fontRef>
+              </p:style>
+            </p:cxnSp>
+            <p:cxnSp>
+              <p:nvCxnSpPr>
+                <p:cNvPr id="98" name="Gerade Verbindung 97"/>
+                <p:cNvCxnSpPr/>
+                <p:nvPr/>
+              </p:nvCxnSpPr>
+              <p:spPr>
+                <a:xfrm rot="10800000" flipH="1">
+                  <a:off x="4897469" y="3264111"/>
+                  <a:ext cx="224553" cy="759250"/>
+                </a:xfrm>
+                <a:prstGeom prst="line">
+                  <a:avLst/>
+                </a:prstGeom>
+                <a:solidFill>
+                  <a:schemeClr val="tx1">
+                    <a:lumMod val="50000"/>
+                    <a:lumOff val="50000"/>
+                  </a:schemeClr>
+                </a:solidFill>
+                <a:ln>
+                  <a:noFill/>
+                </a:ln>
+                <a:effectLst/>
+              </p:spPr>
+              <p:style>
+                <a:lnRef idx="1">
+                  <a:schemeClr val="accent1"/>
+                </a:lnRef>
+                <a:fillRef idx="3">
+                  <a:schemeClr val="accent1"/>
+                </a:fillRef>
+                <a:effectRef idx="2">
+                  <a:schemeClr val="accent1"/>
+                </a:effectRef>
+                <a:fontRef idx="minor">
+                  <a:schemeClr val="lt1"/>
+                </a:fontRef>
+              </p:style>
+            </p:cxnSp>
+          </p:grpSp>
+        </p:grpSp>
+        <p:sp>
+          <p:nvSpPr>
+            <p:cNvPr id="78" name="Textfeld 77"/>
+            <p:cNvSpPr txBox="1"/>
+            <p:nvPr/>
+          </p:nvSpPr>
+          <p:spPr>
+            <a:xfrm>
+              <a:off x="448846" y="6082335"/>
+              <a:ext cx="1210854" cy="307777"/>
+            </a:xfrm>
+            <a:prstGeom prst="rect">
+              <a:avLst/>
+            </a:prstGeom>
+            <a:noFill/>
+          </p:spPr>
+          <p:txBody>
+            <a:bodyPr wrap="none" rtlCol="0">
+              <a:spAutoFit/>
+            </a:bodyPr>
+            <a:lstStyle/>
+            <a:p>
+              <a:r>
+                <a:rPr lang="de-DE" sz="1400" b="1" dirty="0" smtClean="0">
+                  <a:latin typeface="Avenir Book"/>
+                  <a:cs typeface="Avenir Book"/>
+                </a:rPr>
+                <a:t>Legende</a:t>
+              </a:r>
+              <a:endParaRPr lang="de-DE" sz="1400" b="1" dirty="0">
+                <a:latin typeface="Avenir Book"/>
+                <a:cs typeface="Avenir Book"/>
+              </a:endParaRPr>
+            </a:p>
+          </p:txBody>
+        </p:sp>
+        <p:grpSp>
+          <p:nvGrpSpPr>
+            <p:cNvPr id="79" name="Gruppierung 78"/>
+            <p:cNvGrpSpPr/>
+            <p:nvPr/>
+          </p:nvGrpSpPr>
+          <p:grpSpPr>
+            <a:xfrm>
+              <a:off x="1892365" y="6369754"/>
+              <a:ext cx="1146259" cy="276999"/>
+              <a:chOff x="1788645" y="6369754"/>
+              <a:chExt cx="1146259" cy="276999"/>
+            </a:xfrm>
+          </p:grpSpPr>
+          <p:sp>
+            <p:nvSpPr>
+              <p:cNvPr id="92" name="Textfeld 91"/>
+              <p:cNvSpPr txBox="1"/>
+              <p:nvPr/>
+            </p:nvSpPr>
+            <p:spPr>
+              <a:xfrm>
+                <a:off x="1982044" y="6369754"/>
+                <a:ext cx="952860" cy="276999"/>
+              </a:xfrm>
+              <a:prstGeom prst="rect">
+                <a:avLst/>
+              </a:prstGeom>
+              <a:noFill/>
+            </p:spPr>
+            <p:txBody>
+              <a:bodyPr wrap="none" rtlCol="0">
+                <a:spAutoFit/>
+              </a:bodyPr>
+              <a:lstStyle/>
+              <a:p>
+                <a:r>
+                  <a:rPr lang="de-DE" sz="1200" b="1" dirty="0" smtClean="0">
+                    <a:solidFill>
+                      <a:srgbClr val="0000FF"/>
+                    </a:solidFill>
+                    <a:latin typeface="Avenir Book"/>
+                    <a:cs typeface="Avenir Book"/>
+                  </a:rPr>
+                  <a:t>Fenster</a:t>
+                </a:r>
+                <a:endParaRPr lang="de-DE" sz="1200" b="1" dirty="0">
+                  <a:solidFill>
+                    <a:srgbClr val="0000FF"/>
+                  </a:solidFill>
+                  <a:latin typeface="Avenir Book"/>
+                  <a:cs typeface="Avenir Book"/>
+                </a:endParaRPr>
+              </a:p>
+            </p:txBody>
+          </p:sp>
+          <p:sp>
+            <p:nvSpPr>
+              <p:cNvPr id="93" name="Rechteck 92"/>
+              <p:cNvSpPr/>
+              <p:nvPr/>
+            </p:nvSpPr>
+            <p:spPr>
+              <a:xfrm>
+                <a:off x="1788645" y="6415952"/>
+                <a:ext cx="180000" cy="180000"/>
+              </a:xfrm>
+              <a:prstGeom prst="rect">
+                <a:avLst/>
+              </a:prstGeom>
+              <a:pattFill prst="ltHorz">
+                <a:fgClr>
+                  <a:srgbClr val="0000FF"/>
+                </a:fgClr>
+                <a:bgClr>
+                  <a:prstClr val="white"/>
+                </a:bgClr>
+              </a:pattFill>
+              <a:ln>
+                <a:solidFill>
+                  <a:srgbClr val="3366FF"/>
+                </a:solidFill>
+              </a:ln>
+              <a:effectLst/>
+            </p:spPr>
+            <p:style>
+              <a:lnRef idx="1">
+                <a:schemeClr val="accent1"/>
+              </a:lnRef>
+              <a:fillRef idx="3">
+                <a:schemeClr val="accent1"/>
+              </a:fillRef>
+              <a:effectRef idx="2">
+                <a:schemeClr val="accent1"/>
+              </a:effectRef>
+              <a:fontRef idx="minor">
+                <a:schemeClr val="lt1"/>
+              </a:fontRef>
+            </p:style>
+            <p:txBody>
+              <a:bodyPr rtlCol="0" anchor="ctr"/>
+              <a:lstStyle/>
+              <a:p>
+                <a:pPr algn="ctr"/>
+                <a:endParaRPr lang="de-DE"/>
+              </a:p>
+            </p:txBody>
+          </p:sp>
+        </p:grpSp>
+        <p:grpSp>
+          <p:nvGrpSpPr>
+            <p:cNvPr id="80" name="Gruppierung 79"/>
+            <p:cNvGrpSpPr/>
+            <p:nvPr/>
+          </p:nvGrpSpPr>
+          <p:grpSpPr>
+            <a:xfrm>
+              <a:off x="3954499" y="6369754"/>
+              <a:ext cx="1299808" cy="276999"/>
+              <a:chOff x="4104779" y="6369754"/>
+              <a:chExt cx="1299808" cy="276999"/>
+            </a:xfrm>
+          </p:grpSpPr>
+          <p:sp>
+            <p:nvSpPr>
+              <p:cNvPr id="87" name="Textfeld 86"/>
+              <p:cNvSpPr txBox="1"/>
+              <p:nvPr/>
+            </p:nvSpPr>
+            <p:spPr>
+              <a:xfrm>
+                <a:off x="4293503" y="6369754"/>
+                <a:ext cx="1111084" cy="276999"/>
+              </a:xfrm>
+              <a:prstGeom prst="rect">
+                <a:avLst/>
+              </a:prstGeom>
+              <a:noFill/>
+            </p:spPr>
+            <p:txBody>
+              <a:bodyPr wrap="square" rtlCol="0">
+                <a:spAutoFit/>
+              </a:bodyPr>
+              <a:lstStyle/>
+              <a:p>
+                <a:r>
+                  <a:rPr lang="de-DE" sz="1200" b="1" dirty="0">
+                    <a:solidFill>
+                      <a:schemeClr val="accent6">
+                        <a:lumMod val="50000"/>
+                      </a:schemeClr>
+                    </a:solidFill>
+                    <a:latin typeface="Avenir Book"/>
+                    <a:cs typeface="Avenir Book"/>
+                  </a:rPr>
+                  <a:t>Schreibtisch</a:t>
+                </a:r>
+              </a:p>
+            </p:txBody>
+          </p:sp>
+          <p:grpSp>
+            <p:nvGrpSpPr>
+              <p:cNvPr id="88" name="Gruppierung 87"/>
+              <p:cNvGrpSpPr/>
+              <p:nvPr/>
+            </p:nvGrpSpPr>
+            <p:grpSpPr>
+              <a:xfrm>
+                <a:off x="4104779" y="6415952"/>
+                <a:ext cx="179999" cy="180000"/>
+                <a:chOff x="4897469" y="3264111"/>
+                <a:chExt cx="224553" cy="759250"/>
+              </a:xfrm>
+            </p:grpSpPr>
+            <p:sp>
+              <p:nvSpPr>
+                <p:cNvPr id="89" name="Rechteck 88"/>
+                <p:cNvSpPr/>
+                <p:nvPr/>
+              </p:nvSpPr>
+              <p:spPr>
+                <a:xfrm rot="10800000">
+                  <a:off x="4897469" y="3264377"/>
+                  <a:ext cx="224553" cy="758984"/>
+                </a:xfrm>
+                <a:prstGeom prst="rect">
+                  <a:avLst/>
+                </a:prstGeom>
+                <a:noFill/>
+                <a:ln w="19050" cmpd="sng">
+                  <a:solidFill>
+                    <a:schemeClr val="accent6">
+                      <a:lumMod val="50000"/>
+                    </a:schemeClr>
+                  </a:solidFill>
+                </a:ln>
+                <a:effectLst/>
+              </p:spPr>
+              <p:style>
+                <a:lnRef idx="1">
+                  <a:schemeClr val="accent1"/>
+                </a:lnRef>
+                <a:fillRef idx="3">
+                  <a:schemeClr val="accent1"/>
+                </a:fillRef>
+                <a:effectRef idx="2">
+                  <a:schemeClr val="accent1"/>
+                </a:effectRef>
+                <a:fontRef idx="minor">
+                  <a:schemeClr val="lt1"/>
+                </a:fontRef>
+              </p:style>
+              <p:txBody>
+                <a:bodyPr rtlCol="0" anchor="ctr"/>
+                <a:lstStyle/>
+                <a:p>
+                  <a:pPr algn="ctr"/>
+                  <a:endParaRPr lang="de-DE"/>
+                </a:p>
+              </p:txBody>
+            </p:sp>
+            <p:cxnSp>
+              <p:nvCxnSpPr>
+                <p:cNvPr id="90" name="Gerade Verbindung 89"/>
+                <p:cNvCxnSpPr/>
+                <p:nvPr/>
+              </p:nvCxnSpPr>
+              <p:spPr>
+                <a:xfrm rot="10800000">
+                  <a:off x="4897469" y="3264111"/>
+                  <a:ext cx="224553" cy="759250"/>
+                </a:xfrm>
+                <a:prstGeom prst="line">
+                  <a:avLst/>
+                </a:prstGeom>
+                <a:noFill/>
+                <a:ln w="19050" cmpd="sng">
+                  <a:solidFill>
+                    <a:schemeClr val="accent6">
+                      <a:lumMod val="50000"/>
+                    </a:schemeClr>
+                  </a:solidFill>
+                </a:ln>
+                <a:effectLst/>
+              </p:spPr>
+              <p:style>
+                <a:lnRef idx="1">
+                  <a:schemeClr val="accent1"/>
+                </a:lnRef>
+                <a:fillRef idx="3">
+                  <a:schemeClr val="accent1"/>
+                </a:fillRef>
+                <a:effectRef idx="2">
+                  <a:schemeClr val="accent1"/>
+                </a:effectRef>
+                <a:fontRef idx="minor">
+                  <a:schemeClr val="lt1"/>
+                </a:fontRef>
+              </p:style>
+            </p:cxnSp>
+            <p:cxnSp>
+              <p:nvCxnSpPr>
+                <p:cNvPr id="91" name="Gerade Verbindung 90"/>
+                <p:cNvCxnSpPr/>
+                <p:nvPr/>
+              </p:nvCxnSpPr>
+              <p:spPr>
+                <a:xfrm rot="10800000" flipH="1">
+                  <a:off x="4897469" y="3264111"/>
+                  <a:ext cx="224553" cy="759250"/>
+                </a:xfrm>
+                <a:prstGeom prst="line">
+                  <a:avLst/>
+                </a:prstGeom>
+                <a:noFill/>
+                <a:ln w="19050" cmpd="sng">
+                  <a:solidFill>
+                    <a:schemeClr val="accent6">
+                      <a:lumMod val="50000"/>
+                    </a:schemeClr>
+                  </a:solidFill>
+                </a:ln>
+                <a:effectLst/>
+              </p:spPr>
+              <p:style>
+                <a:lnRef idx="1">
+                  <a:schemeClr val="accent1"/>
+                </a:lnRef>
+                <a:fillRef idx="3">
+                  <a:schemeClr val="accent1"/>
+                </a:fillRef>
+                <a:effectRef idx="2">
+                  <a:schemeClr val="accent1"/>
+                </a:effectRef>
+                <a:fontRef idx="minor">
+                  <a:schemeClr val="lt1"/>
+                </a:fontRef>
+              </p:style>
+            </p:cxnSp>
+          </p:grpSp>
+        </p:grpSp>
+        <p:grpSp>
+          <p:nvGrpSpPr>
+            <p:cNvPr id="81" name="Gruppierung 80"/>
+            <p:cNvGrpSpPr/>
+            <p:nvPr/>
+          </p:nvGrpSpPr>
+          <p:grpSpPr>
+            <a:xfrm>
+              <a:off x="2904031" y="6369754"/>
+              <a:ext cx="955579" cy="276999"/>
+              <a:chOff x="2946361" y="6369754"/>
+              <a:chExt cx="955579" cy="276999"/>
+            </a:xfrm>
+          </p:grpSpPr>
+          <p:sp>
+            <p:nvSpPr>
+              <p:cNvPr id="85" name="Rechteck 84"/>
+              <p:cNvSpPr/>
+              <p:nvPr/>
+            </p:nvSpPr>
+            <p:spPr>
+              <a:xfrm>
+                <a:off x="2946361" y="6415952"/>
+                <a:ext cx="180000" cy="180000"/>
+              </a:xfrm>
+              <a:prstGeom prst="rect">
+                <a:avLst/>
+              </a:prstGeom>
+              <a:pattFill prst="lgConfetti">
+                <a:fgClr>
+                  <a:srgbClr val="FF0000"/>
+                </a:fgClr>
+                <a:bgClr>
+                  <a:prstClr val="white"/>
+                </a:bgClr>
+              </a:pattFill>
+              <a:ln>
+                <a:solidFill>
+                  <a:srgbClr val="FF0000"/>
+                </a:solidFill>
+              </a:ln>
+              <a:effectLst/>
+            </p:spPr>
+            <p:style>
+              <a:lnRef idx="1">
+                <a:schemeClr val="accent1"/>
+              </a:lnRef>
+              <a:fillRef idx="3">
+                <a:schemeClr val="accent1"/>
+              </a:fillRef>
+              <a:effectRef idx="2">
+                <a:schemeClr val="accent1"/>
+              </a:effectRef>
+              <a:fontRef idx="minor">
+                <a:schemeClr val="lt1"/>
+              </a:fontRef>
+            </p:style>
+            <p:txBody>
+              <a:bodyPr rtlCol="0" anchor="ctr"/>
+              <a:lstStyle/>
+              <a:p>
+                <a:pPr algn="ctr"/>
+                <a:endParaRPr lang="de-DE"/>
+              </a:p>
+            </p:txBody>
+          </p:sp>
+          <p:sp>
+            <p:nvSpPr>
+              <p:cNvPr id="86" name="Textfeld 85"/>
+              <p:cNvSpPr txBox="1"/>
+              <p:nvPr/>
+            </p:nvSpPr>
+            <p:spPr>
+              <a:xfrm>
+                <a:off x="3140193" y="6369754"/>
+                <a:ext cx="761747" cy="276999"/>
+              </a:xfrm>
+              <a:prstGeom prst="rect">
+                <a:avLst/>
+              </a:prstGeom>
+              <a:noFill/>
+            </p:spPr>
+            <p:txBody>
+              <a:bodyPr wrap="none" rtlCol="0">
+                <a:spAutoFit/>
+              </a:bodyPr>
+              <a:lstStyle/>
+              <a:p>
+                <a:r>
+                  <a:rPr lang="de-DE" sz="1200" b="1" dirty="0">
+                    <a:solidFill>
+                      <a:srgbClr val="FF0000"/>
+                    </a:solidFill>
+                    <a:latin typeface="Avenir Book"/>
+                    <a:cs typeface="Avenir Book"/>
+                  </a:rPr>
+                  <a:t>Heizung</a:t>
+                </a:r>
+              </a:p>
+            </p:txBody>
+          </p:sp>
+        </p:grpSp>
+        <p:grpSp>
+          <p:nvGrpSpPr>
+            <p:cNvPr id="82" name="Gruppierung 81"/>
+            <p:cNvGrpSpPr/>
+            <p:nvPr/>
+          </p:nvGrpSpPr>
+          <p:grpSpPr>
+            <a:xfrm>
+              <a:off x="5263913" y="6369754"/>
+              <a:ext cx="1175900" cy="276999"/>
+              <a:chOff x="5261793" y="6369754"/>
+              <a:chExt cx="1175900" cy="276999"/>
+            </a:xfrm>
+          </p:grpSpPr>
+          <p:sp>
+            <p:nvSpPr>
+              <p:cNvPr id="83" name="Rechteck 82"/>
+              <p:cNvSpPr/>
+              <p:nvPr/>
+            </p:nvSpPr>
+            <p:spPr>
+              <a:xfrm>
+                <a:off x="5261793" y="6415952"/>
+                <a:ext cx="180000" cy="180000"/>
+              </a:xfrm>
+              <a:prstGeom prst="rect">
+                <a:avLst/>
+              </a:prstGeom>
+              <a:noFill/>
+              <a:ln w="19050" cmpd="sng">
+                <a:solidFill>
+                  <a:schemeClr val="accent6">
+                    <a:lumMod val="50000"/>
+                  </a:schemeClr>
+                </a:solidFill>
+              </a:ln>
+              <a:effectLst/>
+            </p:spPr>
+            <p:style>
+              <a:lnRef idx="1">
+                <a:schemeClr val="accent1"/>
+              </a:lnRef>
+              <a:fillRef idx="3">
+                <a:schemeClr val="accent1"/>
+              </a:fillRef>
+              <a:effectRef idx="2">
+                <a:schemeClr val="accent1"/>
+              </a:effectRef>
+              <a:fontRef idx="minor">
+                <a:schemeClr val="lt1"/>
+              </a:fontRef>
+            </p:style>
+            <p:txBody>
+              <a:bodyPr rtlCol="0" anchor="ctr"/>
+              <a:lstStyle/>
+              <a:p>
+                <a:pPr algn="ctr"/>
+                <a:endParaRPr lang="de-DE"/>
+              </a:p>
+            </p:txBody>
+          </p:sp>
+          <p:sp>
+            <p:nvSpPr>
+              <p:cNvPr id="84" name="Textfeld 83"/>
+              <p:cNvSpPr txBox="1"/>
+              <p:nvPr/>
+            </p:nvSpPr>
+            <p:spPr>
+              <a:xfrm>
+                <a:off x="5450434" y="6369754"/>
+                <a:ext cx="987259" cy="276999"/>
+              </a:xfrm>
+              <a:prstGeom prst="rect">
+                <a:avLst/>
+              </a:prstGeom>
+              <a:noFill/>
+            </p:spPr>
+            <p:txBody>
+              <a:bodyPr wrap="none" rtlCol="0">
+                <a:spAutoFit/>
+              </a:bodyPr>
+              <a:lstStyle/>
+              <a:p>
+                <a:r>
+                  <a:rPr lang="de-DE" sz="1200" b="1" dirty="0" smtClean="0">
+                    <a:solidFill>
+                      <a:schemeClr val="accent6">
+                        <a:lumMod val="50000"/>
+                      </a:schemeClr>
+                    </a:solidFill>
+                    <a:latin typeface="Avenir Book"/>
+                    <a:cs typeface="Avenir Book"/>
+                  </a:rPr>
+                  <a:t>Schrank</a:t>
+                </a:r>
+                <a:endParaRPr lang="de-DE" sz="1200" b="1" dirty="0">
+                  <a:solidFill>
+                    <a:schemeClr val="accent6">
+                      <a:lumMod val="50000"/>
+                    </a:schemeClr>
+                  </a:solidFill>
+                  <a:latin typeface="Avenir Book"/>
+                  <a:cs typeface="Avenir Book"/>
+                </a:endParaRPr>
+              </a:p>
+            </p:txBody>
+          </p:sp>
+        </p:grpSp>
+      </p:grpSp>
     </p:spTree>
     <p:extLst>
       <p:ext uri="{BB962C8B-B14F-4D97-AF65-F5344CB8AC3E}">
@@ -3219,6 +10143,981 @@
           <a:chExt cx="0" cy="0"/>
         </a:xfrm>
       </p:grpSpPr>
+      <p:pic>
+        <p:nvPicPr>
+          <p:cNvPr id="2" name="Bild 1"/>
+          <p:cNvPicPr>
+            <a:picLocks noChangeAspect="1"/>
+          </p:cNvPicPr>
+          <p:nvPr/>
+        </p:nvPicPr>
+        <p:blipFill>
+          <a:blip r:embed="rId2">
+            <a:extLst>
+              <a:ext uri="{28A0092B-C50C-407E-A947-70E740481C1C}">
+                <a14:useLocalDpi xmlns:a14="http://schemas.microsoft.com/office/drawing/2010/main" val="0"/>
+              </a:ext>
+            </a:extLst>
+          </a:blip>
+          <a:stretch>
+            <a:fillRect/>
+          </a:stretch>
+        </p:blipFill>
+        <p:spPr>
+          <a:xfrm>
+            <a:off x="1579400" y="200660"/>
+            <a:ext cx="9009888" cy="6358128"/>
+          </a:xfrm>
+          <a:prstGeom prst="rect">
+            <a:avLst/>
+          </a:prstGeom>
+        </p:spPr>
+      </p:pic>
+      <p:grpSp>
+        <p:nvGrpSpPr>
+          <p:cNvPr id="14" name="Gruppierung 13"/>
+          <p:cNvGrpSpPr/>
+          <p:nvPr/>
+        </p:nvGrpSpPr>
+        <p:grpSpPr>
+          <a:xfrm>
+            <a:off x="3644656" y="3435069"/>
+            <a:ext cx="668773" cy="927909"/>
+            <a:chOff x="4592651" y="3379931"/>
+            <a:chExt cx="668773" cy="927909"/>
+          </a:xfrm>
+        </p:grpSpPr>
+        <p:pic>
+          <p:nvPicPr>
+            <p:cNvPr id="3" name="Bild 2"/>
+            <p:cNvPicPr>
+              <a:picLocks noChangeAspect="1"/>
+            </p:cNvPicPr>
+            <p:nvPr/>
+          </p:nvPicPr>
+          <p:blipFill>
+            <a:blip r:embed="rId3"/>
+            <a:stretch>
+              <a:fillRect/>
+            </a:stretch>
+          </p:blipFill>
+          <p:spPr>
+            <a:xfrm>
+              <a:off x="4694664" y="3606799"/>
+              <a:ext cx="473358" cy="701041"/>
+            </a:xfrm>
+            <a:prstGeom prst="rect">
+              <a:avLst/>
+            </a:prstGeom>
+            <a:solidFill>
+              <a:schemeClr val="accent2"/>
+            </a:solidFill>
+          </p:spPr>
+        </p:pic>
+        <p:sp>
+          <p:nvSpPr>
+            <p:cNvPr id="7" name="Textfeld 6"/>
+            <p:cNvSpPr txBox="1"/>
+            <p:nvPr/>
+          </p:nvSpPr>
+          <p:spPr>
+            <a:xfrm>
+              <a:off x="4592651" y="3379931"/>
+              <a:ext cx="668773" cy="276999"/>
+            </a:xfrm>
+            <a:prstGeom prst="rect">
+              <a:avLst/>
+            </a:prstGeom>
+            <a:noFill/>
+          </p:spPr>
+          <p:txBody>
+            <a:bodyPr wrap="none" rtlCol="0">
+              <a:spAutoFit/>
+            </a:bodyPr>
+            <a:lstStyle/>
+            <a:p>
+              <a:r>
+                <a:rPr lang="de-DE" sz="1200" b="1" smtClean="0">
+                  <a:latin typeface="Avenir Black" charset="0"/>
+                  <a:ea typeface="Avenir Black" charset="0"/>
+                  <a:cs typeface="Avenir Black" charset="0"/>
+                </a:rPr>
+                <a:t>ABNM</a:t>
+              </a:r>
+              <a:endParaRPr lang="de-DE" sz="1200" b="1" dirty="0">
+                <a:latin typeface="Avenir Black" charset="0"/>
+                <a:ea typeface="Avenir Black" charset="0"/>
+                <a:cs typeface="Avenir Black" charset="0"/>
+              </a:endParaRPr>
+            </a:p>
+          </p:txBody>
+        </p:sp>
+      </p:grpSp>
+      <p:grpSp>
+        <p:nvGrpSpPr>
+          <p:cNvPr id="12" name="Gruppierung 11"/>
+          <p:cNvGrpSpPr/>
+          <p:nvPr/>
+        </p:nvGrpSpPr>
+        <p:grpSpPr>
+          <a:xfrm>
+            <a:off x="4379223" y="3019430"/>
+            <a:ext cx="872355" cy="917080"/>
+            <a:chOff x="397607" y="3262420"/>
+            <a:chExt cx="872355" cy="917080"/>
+          </a:xfrm>
+        </p:grpSpPr>
+        <p:pic>
+          <p:nvPicPr>
+            <p:cNvPr id="6" name="Bild 5"/>
+            <p:cNvPicPr>
+              <a:picLocks noChangeAspect="1"/>
+            </p:cNvPicPr>
+            <p:nvPr/>
+          </p:nvPicPr>
+          <p:blipFill rotWithShape="1">
+            <a:blip r:embed="rId2">
+              <a:extLst>
+                <a:ext uri="{28A0092B-C50C-407E-A947-70E740481C1C}">
+                  <a14:useLocalDpi xmlns:a14="http://schemas.microsoft.com/office/drawing/2010/main" val="0"/>
+                </a:ext>
+              </a:extLst>
+            </a:blip>
+            <a:srcRect l="23554" t="14261" r="71238" b="74713"/>
+            <a:stretch/>
+          </p:blipFill>
+          <p:spPr>
+            <a:xfrm>
+              <a:off x="599168" y="3478459"/>
+              <a:ext cx="469232" cy="701041"/>
+            </a:xfrm>
+            <a:prstGeom prst="rect">
+              <a:avLst/>
+            </a:prstGeom>
+          </p:spPr>
+        </p:pic>
+        <p:sp>
+          <p:nvSpPr>
+            <p:cNvPr id="8" name="Textfeld 7"/>
+            <p:cNvSpPr txBox="1"/>
+            <p:nvPr/>
+          </p:nvSpPr>
+          <p:spPr>
+            <a:xfrm>
+              <a:off x="397607" y="3262420"/>
+              <a:ext cx="872355" cy="276999"/>
+            </a:xfrm>
+            <a:prstGeom prst="rect">
+              <a:avLst/>
+            </a:prstGeom>
+            <a:noFill/>
+          </p:spPr>
+          <p:txBody>
+            <a:bodyPr wrap="none" rtlCol="0">
+              <a:spAutoFit/>
+            </a:bodyPr>
+            <a:lstStyle/>
+            <a:p>
+              <a:r>
+                <a:rPr lang="de-DE" sz="1200" b="1">
+                  <a:latin typeface="Avenir Black" charset="0"/>
+                  <a:ea typeface="Avenir Black" charset="0"/>
+                  <a:cs typeface="Avenir Black" charset="0"/>
+                </a:rPr>
+                <a:t>m</a:t>
+              </a:r>
+              <a:r>
+                <a:rPr lang="de-DE" sz="1200" b="1" smtClean="0">
+                  <a:latin typeface="Avenir Black" charset="0"/>
+                  <a:ea typeface="Avenir Black" charset="0"/>
+                  <a:cs typeface="Avenir Black" charset="0"/>
+                </a:rPr>
+                <a:t>c602_in</a:t>
+              </a:r>
+              <a:endParaRPr lang="de-DE" sz="1200" b="1" dirty="0">
+                <a:latin typeface="Avenir Black" charset="0"/>
+                <a:ea typeface="Avenir Black" charset="0"/>
+                <a:cs typeface="Avenir Black" charset="0"/>
+              </a:endParaRPr>
+            </a:p>
+          </p:txBody>
+        </p:sp>
+      </p:grpSp>
+      <p:grpSp>
+        <p:nvGrpSpPr>
+          <p:cNvPr id="13" name="Gruppierung 12"/>
+          <p:cNvGrpSpPr/>
+          <p:nvPr/>
+        </p:nvGrpSpPr>
+        <p:grpSpPr>
+          <a:xfrm>
+            <a:off x="4315130" y="1664107"/>
+            <a:ext cx="989373" cy="917079"/>
+            <a:chOff x="397607" y="1117599"/>
+            <a:chExt cx="989373" cy="917079"/>
+          </a:xfrm>
+        </p:grpSpPr>
+        <p:pic>
+          <p:nvPicPr>
+            <p:cNvPr id="5" name="Bild 4"/>
+            <p:cNvPicPr>
+              <a:picLocks noChangeAspect="1"/>
+            </p:cNvPicPr>
+            <p:nvPr/>
+          </p:nvPicPr>
+          <p:blipFill rotWithShape="1">
+            <a:blip r:embed="rId2">
+              <a:extLst>
+                <a:ext uri="{28A0092B-C50C-407E-A947-70E740481C1C}">
+                  <a14:useLocalDpi xmlns:a14="http://schemas.microsoft.com/office/drawing/2010/main" val="0"/>
+                </a:ext>
+              </a:extLst>
+            </a:blip>
+            <a:srcRect l="23554" t="14261" r="71238" b="74713"/>
+            <a:stretch/>
+          </p:blipFill>
+          <p:spPr>
+            <a:xfrm>
+              <a:off x="657678" y="1117599"/>
+              <a:ext cx="469232" cy="701041"/>
+            </a:xfrm>
+            <a:prstGeom prst="rect">
+              <a:avLst/>
+            </a:prstGeom>
+          </p:spPr>
+        </p:pic>
+        <p:sp>
+          <p:nvSpPr>
+            <p:cNvPr id="9" name="Textfeld 8"/>
+            <p:cNvSpPr txBox="1"/>
+            <p:nvPr/>
+          </p:nvSpPr>
+          <p:spPr>
+            <a:xfrm>
+              <a:off x="397607" y="1757679"/>
+              <a:ext cx="989373" cy="276999"/>
+            </a:xfrm>
+            <a:prstGeom prst="rect">
+              <a:avLst/>
+            </a:prstGeom>
+            <a:noFill/>
+          </p:spPr>
+          <p:txBody>
+            <a:bodyPr wrap="none" rtlCol="0">
+              <a:spAutoFit/>
+            </a:bodyPr>
+            <a:lstStyle/>
+            <a:p>
+              <a:r>
+                <a:rPr lang="de-DE" sz="1200" b="1" smtClean="0">
+                  <a:latin typeface="Avenir Black" charset="0"/>
+                  <a:ea typeface="Avenir Black" charset="0"/>
+                  <a:cs typeface="Avenir Black" charset="0"/>
+                </a:rPr>
+                <a:t>mc602_out</a:t>
+              </a:r>
+              <a:endParaRPr lang="de-DE" sz="1200" b="1" dirty="0">
+                <a:latin typeface="Avenir Black" charset="0"/>
+                <a:ea typeface="Avenir Black" charset="0"/>
+                <a:cs typeface="Avenir Black" charset="0"/>
+              </a:endParaRPr>
+            </a:p>
+          </p:txBody>
+        </p:sp>
+      </p:grpSp>
+      <p:grpSp>
+        <p:nvGrpSpPr>
+          <p:cNvPr id="11" name="Gruppierung 10"/>
+          <p:cNvGrpSpPr/>
+          <p:nvPr/>
+        </p:nvGrpSpPr>
+        <p:grpSpPr>
+          <a:xfrm>
+            <a:off x="3646517" y="2139252"/>
+            <a:ext cx="1064715" cy="937398"/>
+            <a:chOff x="120180" y="4584281"/>
+            <a:chExt cx="1064715" cy="937398"/>
+          </a:xfrm>
+        </p:grpSpPr>
+        <p:pic>
+          <p:nvPicPr>
+            <p:cNvPr id="4" name="Bild 3"/>
+            <p:cNvPicPr>
+              <a:picLocks noChangeAspect="1"/>
+            </p:cNvPicPr>
+            <p:nvPr/>
+          </p:nvPicPr>
+          <p:blipFill>
+            <a:blip r:embed="rId4"/>
+            <a:stretch>
+              <a:fillRect/>
+            </a:stretch>
+          </p:blipFill>
+          <p:spPr>
+            <a:xfrm>
+              <a:off x="408703" y="4584281"/>
+              <a:ext cx="487671" cy="701041"/>
+            </a:xfrm>
+            <a:prstGeom prst="rect">
+              <a:avLst/>
+            </a:prstGeom>
+            <a:solidFill>
+              <a:schemeClr val="accent2"/>
+            </a:solidFill>
+          </p:spPr>
+        </p:pic>
+        <p:sp>
+          <p:nvSpPr>
+            <p:cNvPr id="10" name="Textfeld 9"/>
+            <p:cNvSpPr txBox="1"/>
+            <p:nvPr/>
+          </p:nvSpPr>
+          <p:spPr>
+            <a:xfrm>
+              <a:off x="120180" y="5244680"/>
+              <a:ext cx="1064715" cy="276999"/>
+            </a:xfrm>
+            <a:prstGeom prst="rect">
+              <a:avLst/>
+            </a:prstGeom>
+            <a:noFill/>
+          </p:spPr>
+          <p:txBody>
+            <a:bodyPr wrap="none" rtlCol="0">
+              <a:spAutoFit/>
+            </a:bodyPr>
+            <a:lstStyle/>
+            <a:p>
+              <a:r>
+                <a:rPr lang="de-DE" sz="1200" b="1" dirty="0" smtClean="0">
+                  <a:latin typeface="Avenir Black" charset="0"/>
+                  <a:ea typeface="Avenir Black" charset="0"/>
+                  <a:cs typeface="Avenir Black" charset="0"/>
+                </a:rPr>
+                <a:t>mc602_flow</a:t>
+              </a:r>
+              <a:endParaRPr lang="de-DE" sz="1200" b="1" dirty="0">
+                <a:latin typeface="Avenir Black" charset="0"/>
+                <a:ea typeface="Avenir Black" charset="0"/>
+                <a:cs typeface="Avenir Black" charset="0"/>
+              </a:endParaRPr>
+            </a:p>
+          </p:txBody>
+        </p:sp>
+      </p:grpSp>
+      <p:grpSp>
+        <p:nvGrpSpPr>
+          <p:cNvPr id="15" name="Gruppierung 14"/>
+          <p:cNvGrpSpPr/>
+          <p:nvPr/>
+        </p:nvGrpSpPr>
+        <p:grpSpPr>
+          <a:xfrm>
+            <a:off x="4223330" y="4119517"/>
+            <a:ext cx="1222963" cy="679423"/>
+            <a:chOff x="4588557" y="253620"/>
+            <a:chExt cx="2556111" cy="1420061"/>
+          </a:xfrm>
+          <a:solidFill>
+            <a:schemeClr val="bg1"/>
+          </a:solidFill>
+        </p:grpSpPr>
+        <p:pic>
+          <p:nvPicPr>
+            <p:cNvPr id="16" name="Bild 15"/>
+            <p:cNvPicPr>
+              <a:picLocks noChangeAspect="1"/>
+            </p:cNvPicPr>
+            <p:nvPr/>
+          </p:nvPicPr>
+          <p:blipFill>
+            <a:blip r:embed="rId5">
+              <a:biLevel thresh="50000"/>
+              <a:extLst>
+                <a:ext uri="{BEBA8EAE-BF5A-486C-A8C5-ECC9F3942E4B}">
+                  <a14:imgProps xmlns:a14="http://schemas.microsoft.com/office/drawing/2010/main">
+                    <a14:imgLayer r:embed="rId6">
+                      <a14:imgEffect>
+                        <a14:backgroundRemoval t="0" b="90000" l="0" r="89869">
+                          <a14:foregroundMark x1="5556" y1="50000" x2="5556" y2="50000"/>
+                        </a14:backgroundRemoval>
+                      </a14:imgEffect>
+                      <a14:imgEffect>
+                        <a14:colorTemperature colorTemp="5900"/>
+                      </a14:imgEffect>
+                      <a14:imgEffect>
+                        <a14:saturation sat="0"/>
+                      </a14:imgEffect>
+                    </a14:imgLayer>
+                  </a14:imgProps>
+                </a:ext>
+              </a:extLst>
+            </a:blip>
+            <a:stretch>
+              <a:fillRect/>
+            </a:stretch>
+          </p:blipFill>
+          <p:spPr>
+            <a:xfrm>
+              <a:off x="4588557" y="253620"/>
+              <a:ext cx="2556111" cy="1420061"/>
+            </a:xfrm>
+            <a:prstGeom prst="rect">
+              <a:avLst/>
+            </a:prstGeom>
+            <a:grpFill/>
+          </p:spPr>
+        </p:pic>
+        <p:sp>
+          <p:nvSpPr>
+            <p:cNvPr id="17" name="Rechteck 16"/>
+            <p:cNvSpPr/>
+            <p:nvPr/>
+          </p:nvSpPr>
+          <p:spPr>
+            <a:xfrm>
+              <a:off x="5322649" y="560896"/>
+              <a:ext cx="1373081" cy="415591"/>
+            </a:xfrm>
+            <a:prstGeom prst="rect">
+              <a:avLst/>
+            </a:prstGeom>
+            <a:grpFill/>
+          </p:spPr>
+          <p:txBody>
+            <a:bodyPr wrap="none">
+              <a:spAutoFit/>
+            </a:bodyPr>
+            <a:lstStyle/>
+            <a:p>
+              <a:pPr algn="ctr"/>
+              <a:r>
+                <a:rPr lang="de-DE" sz="1100" b="1" dirty="0" smtClean="0">
+                  <a:latin typeface="Avenir Black" charset="0"/>
+                  <a:ea typeface="Avenir Black" charset="0"/>
+                  <a:cs typeface="Avenir Black" charset="0"/>
+                </a:rPr>
+                <a:t>Controller</a:t>
+              </a:r>
+              <a:endParaRPr lang="de-DE" sz="1100" b="1" dirty="0">
+                <a:latin typeface="Avenir Black" charset="0"/>
+                <a:ea typeface="Avenir Black" charset="0"/>
+                <a:cs typeface="Avenir Black" charset="0"/>
+              </a:endParaRPr>
+            </a:p>
+          </p:txBody>
+        </p:sp>
+      </p:grpSp>
+      <p:cxnSp>
+        <p:nvCxnSpPr>
+          <p:cNvPr id="19" name="Gerade Verbindung 18"/>
+          <p:cNvCxnSpPr/>
+          <p:nvPr/>
+        </p:nvCxnSpPr>
+        <p:spPr>
+          <a:xfrm>
+            <a:off x="3584984" y="1509038"/>
+            <a:ext cx="0" cy="3643791"/>
+          </a:xfrm>
+          <a:prstGeom prst="line">
+            <a:avLst/>
+          </a:prstGeom>
+          <a:ln w="38100">
+            <a:solidFill>
+              <a:srgbClr val="7030A0"/>
+            </a:solidFill>
+          </a:ln>
+        </p:spPr>
+        <p:style>
+          <a:lnRef idx="1">
+            <a:schemeClr val="accent1"/>
+          </a:lnRef>
+          <a:fillRef idx="0">
+            <a:schemeClr val="accent1"/>
+          </a:fillRef>
+          <a:effectRef idx="0">
+            <a:schemeClr val="accent1"/>
+          </a:effectRef>
+          <a:fontRef idx="minor">
+            <a:schemeClr val="tx1"/>
+          </a:fontRef>
+        </p:style>
+      </p:cxnSp>
+      <p:sp>
+        <p:nvSpPr>
+          <p:cNvPr id="22" name="Rechteck 21"/>
+          <p:cNvSpPr/>
+          <p:nvPr/>
+        </p:nvSpPr>
+        <p:spPr>
+          <a:xfrm>
+            <a:off x="4213981" y="4703825"/>
+            <a:ext cx="1232312" cy="269727"/>
+          </a:xfrm>
+          <a:prstGeom prst="rect">
+            <a:avLst/>
+          </a:prstGeom>
+          <a:solidFill>
+            <a:schemeClr val="accent3">
+              <a:lumMod val="75000"/>
+            </a:schemeClr>
+          </a:solidFill>
+          <a:ln w="12700">
+            <a:solidFill>
+              <a:srgbClr val="7030A0"/>
+            </a:solidFill>
+          </a:ln>
+        </p:spPr>
+        <p:style>
+          <a:lnRef idx="1">
+            <a:schemeClr val="accent1"/>
+          </a:lnRef>
+          <a:fillRef idx="3">
+            <a:schemeClr val="accent1"/>
+          </a:fillRef>
+          <a:effectRef idx="2">
+            <a:schemeClr val="accent1"/>
+          </a:effectRef>
+          <a:fontRef idx="minor">
+            <a:schemeClr val="lt1"/>
+          </a:fontRef>
+        </p:style>
+        <p:txBody>
+          <a:bodyPr rtlCol="0" anchor="ctr"/>
+          <a:lstStyle/>
+          <a:p>
+            <a:pPr algn="ctr"/>
+            <a:r>
+              <a:rPr lang="de-DE" sz="1400" dirty="0" smtClean="0">
+                <a:solidFill>
+                  <a:schemeClr val="tx1"/>
+                </a:solidFill>
+                <a:latin typeface="Avenir Book" charset="0"/>
+                <a:ea typeface="Avenir Book" charset="0"/>
+                <a:cs typeface="Avenir Book" charset="0"/>
+              </a:rPr>
+              <a:t>EX9132M</a:t>
+            </a:r>
+            <a:endParaRPr lang="de-DE" sz="1400" dirty="0">
+              <a:solidFill>
+                <a:schemeClr val="tx1"/>
+              </a:solidFill>
+              <a:latin typeface="Avenir Book" charset="0"/>
+              <a:ea typeface="Avenir Book" charset="0"/>
+              <a:cs typeface="Avenir Book" charset="0"/>
+            </a:endParaRPr>
+          </a:p>
+        </p:txBody>
+      </p:sp>
+      <p:cxnSp>
+        <p:nvCxnSpPr>
+          <p:cNvPr id="24" name="Gerade Verbindung 23"/>
+          <p:cNvCxnSpPr/>
+          <p:nvPr/>
+        </p:nvCxnSpPr>
+        <p:spPr>
+          <a:xfrm>
+            <a:off x="3584984" y="5152829"/>
+            <a:ext cx="4827496" cy="0"/>
+          </a:xfrm>
+          <a:prstGeom prst="line">
+            <a:avLst/>
+          </a:prstGeom>
+          <a:ln w="38100">
+            <a:solidFill>
+              <a:srgbClr val="7030A0"/>
+            </a:solidFill>
+          </a:ln>
+        </p:spPr>
+        <p:style>
+          <a:lnRef idx="1">
+            <a:schemeClr val="accent1"/>
+          </a:lnRef>
+          <a:fillRef idx="0">
+            <a:schemeClr val="accent1"/>
+          </a:fillRef>
+          <a:effectRef idx="0">
+            <a:schemeClr val="accent1"/>
+          </a:effectRef>
+          <a:fontRef idx="minor">
+            <a:schemeClr val="tx1"/>
+          </a:fontRef>
+        </p:style>
+      </p:cxnSp>
+      <p:cxnSp>
+        <p:nvCxnSpPr>
+          <p:cNvPr id="29" name="Gerade Verbindung 28"/>
+          <p:cNvCxnSpPr>
+            <a:stCxn id="22" idx="2"/>
+          </p:cNvCxnSpPr>
+          <p:nvPr/>
+        </p:nvCxnSpPr>
+        <p:spPr>
+          <a:xfrm>
+            <a:off x="4830137" y="4973552"/>
+            <a:ext cx="0" cy="158359"/>
+          </a:xfrm>
+          <a:prstGeom prst="line">
+            <a:avLst/>
+          </a:prstGeom>
+          <a:ln w="38100">
+            <a:solidFill>
+              <a:srgbClr val="7030A0"/>
+            </a:solidFill>
+          </a:ln>
+        </p:spPr>
+        <p:style>
+          <a:lnRef idx="1">
+            <a:schemeClr val="accent1"/>
+          </a:lnRef>
+          <a:fillRef idx="0">
+            <a:schemeClr val="accent1"/>
+          </a:fillRef>
+          <a:effectRef idx="0">
+            <a:schemeClr val="accent1"/>
+          </a:effectRef>
+          <a:fontRef idx="minor">
+            <a:schemeClr val="tx1"/>
+          </a:fontRef>
+        </p:style>
+      </p:cxnSp>
+      <p:cxnSp>
+        <p:nvCxnSpPr>
+          <p:cNvPr id="35" name="Gerade Verbindung 34"/>
+          <p:cNvCxnSpPr/>
+          <p:nvPr/>
+        </p:nvCxnSpPr>
+        <p:spPr>
+          <a:xfrm>
+            <a:off x="3584984" y="1509038"/>
+            <a:ext cx="131205" cy="0"/>
+          </a:xfrm>
+          <a:prstGeom prst="line">
+            <a:avLst/>
+          </a:prstGeom>
+          <a:ln w="38100">
+            <a:solidFill>
+              <a:srgbClr val="7030A0"/>
+            </a:solidFill>
+          </a:ln>
+        </p:spPr>
+        <p:style>
+          <a:lnRef idx="1">
+            <a:schemeClr val="accent1"/>
+          </a:lnRef>
+          <a:fillRef idx="0">
+            <a:schemeClr val="accent1"/>
+          </a:fillRef>
+          <a:effectRef idx="0">
+            <a:schemeClr val="accent1"/>
+          </a:effectRef>
+          <a:fontRef idx="minor">
+            <a:schemeClr val="tx1"/>
+          </a:fontRef>
+        </p:style>
+      </p:cxnSp>
+      <p:cxnSp>
+        <p:nvCxnSpPr>
+          <p:cNvPr id="38" name="Gerade Verbindung 37"/>
+          <p:cNvCxnSpPr/>
+          <p:nvPr/>
+        </p:nvCxnSpPr>
+        <p:spPr>
+          <a:xfrm>
+            <a:off x="3616037" y="2062173"/>
+            <a:ext cx="949004" cy="3255"/>
+          </a:xfrm>
+          <a:prstGeom prst="line">
+            <a:avLst/>
+          </a:prstGeom>
+          <a:ln w="38100">
+            <a:solidFill>
+              <a:srgbClr val="7030A0"/>
+            </a:solidFill>
+          </a:ln>
+        </p:spPr>
+        <p:style>
+          <a:lnRef idx="1">
+            <a:schemeClr val="accent1"/>
+          </a:lnRef>
+          <a:fillRef idx="0">
+            <a:schemeClr val="accent1"/>
+          </a:fillRef>
+          <a:effectRef idx="0">
+            <a:schemeClr val="accent1"/>
+          </a:effectRef>
+          <a:fontRef idx="minor">
+            <a:schemeClr val="tx1"/>
+          </a:fontRef>
+        </p:style>
+      </p:cxnSp>
+      <p:cxnSp>
+        <p:nvCxnSpPr>
+          <p:cNvPr id="42" name="Gerade Verbindung 41"/>
+          <p:cNvCxnSpPr/>
+          <p:nvPr/>
+        </p:nvCxnSpPr>
+        <p:spPr>
+          <a:xfrm>
+            <a:off x="3596525" y="2457892"/>
+            <a:ext cx="338515" cy="0"/>
+          </a:xfrm>
+          <a:prstGeom prst="line">
+            <a:avLst/>
+          </a:prstGeom>
+          <a:ln w="38100">
+            <a:solidFill>
+              <a:srgbClr val="7030A0"/>
+            </a:solidFill>
+          </a:ln>
+        </p:spPr>
+        <p:style>
+          <a:lnRef idx="1">
+            <a:schemeClr val="accent1"/>
+          </a:lnRef>
+          <a:fillRef idx="0">
+            <a:schemeClr val="accent1"/>
+          </a:fillRef>
+          <a:effectRef idx="0">
+            <a:schemeClr val="accent1"/>
+          </a:effectRef>
+          <a:fontRef idx="minor">
+            <a:schemeClr val="tx1"/>
+          </a:fontRef>
+        </p:style>
+      </p:cxnSp>
+      <p:cxnSp>
+        <p:nvCxnSpPr>
+          <p:cNvPr id="46" name="Gerade Verbindung 45"/>
+          <p:cNvCxnSpPr/>
+          <p:nvPr/>
+        </p:nvCxnSpPr>
+        <p:spPr>
+          <a:xfrm>
+            <a:off x="3603302" y="3394111"/>
+            <a:ext cx="967322" cy="0"/>
+          </a:xfrm>
+          <a:prstGeom prst="line">
+            <a:avLst/>
+          </a:prstGeom>
+          <a:ln w="38100">
+            <a:solidFill>
+              <a:srgbClr val="7030A0"/>
+            </a:solidFill>
+          </a:ln>
+        </p:spPr>
+        <p:style>
+          <a:lnRef idx="1">
+            <a:schemeClr val="accent1"/>
+          </a:lnRef>
+          <a:fillRef idx="0">
+            <a:schemeClr val="accent1"/>
+          </a:fillRef>
+          <a:effectRef idx="0">
+            <a:schemeClr val="accent1"/>
+          </a:effectRef>
+          <a:fontRef idx="minor">
+            <a:schemeClr val="tx1"/>
+          </a:fontRef>
+        </p:style>
+      </p:cxnSp>
+      <p:cxnSp>
+        <p:nvCxnSpPr>
+          <p:cNvPr id="52" name="Gerade Verbindung 51"/>
+          <p:cNvCxnSpPr/>
+          <p:nvPr/>
+        </p:nvCxnSpPr>
+        <p:spPr>
+          <a:xfrm>
+            <a:off x="5446293" y="4838688"/>
+            <a:ext cx="324587" cy="0"/>
+          </a:xfrm>
+          <a:prstGeom prst="line">
+            <a:avLst/>
+          </a:prstGeom>
+          <a:ln w="38100">
+            <a:solidFill>
+              <a:schemeClr val="accent6"/>
+            </a:solidFill>
+          </a:ln>
+        </p:spPr>
+        <p:style>
+          <a:lnRef idx="1">
+            <a:schemeClr val="accent1"/>
+          </a:lnRef>
+          <a:fillRef idx="0">
+            <a:schemeClr val="accent1"/>
+          </a:fillRef>
+          <a:effectRef idx="0">
+            <a:schemeClr val="accent1"/>
+          </a:effectRef>
+          <a:fontRef idx="minor">
+            <a:schemeClr val="tx1"/>
+          </a:fontRef>
+        </p:style>
+      </p:cxnSp>
+      <p:sp>
+        <p:nvSpPr>
+          <p:cNvPr id="54" name="Rechteck 53"/>
+          <p:cNvSpPr/>
+          <p:nvPr/>
+        </p:nvSpPr>
+        <p:spPr>
+          <a:xfrm>
+            <a:off x="5417806" y="3913533"/>
+            <a:ext cx="968222" cy="269727"/>
+          </a:xfrm>
+          <a:prstGeom prst="rect">
+            <a:avLst/>
+          </a:prstGeom>
+          <a:solidFill>
+            <a:schemeClr val="accent3">
+              <a:lumMod val="75000"/>
+            </a:schemeClr>
+          </a:solidFill>
+          <a:ln w="12700">
+            <a:solidFill>
+              <a:schemeClr val="accent6"/>
+            </a:solidFill>
+          </a:ln>
+        </p:spPr>
+        <p:style>
+          <a:lnRef idx="1">
+            <a:schemeClr val="accent1"/>
+          </a:lnRef>
+          <a:fillRef idx="3">
+            <a:schemeClr val="accent1"/>
+          </a:fillRef>
+          <a:effectRef idx="2">
+            <a:schemeClr val="accent1"/>
+          </a:effectRef>
+          <a:fontRef idx="minor">
+            <a:schemeClr val="lt1"/>
+          </a:fontRef>
+        </p:style>
+        <p:txBody>
+          <a:bodyPr rtlCol="0" anchor="ctr"/>
+          <a:lstStyle/>
+          <a:p>
+            <a:pPr algn="ctr"/>
+            <a:r>
+              <a:rPr lang="de-DE" sz="1400" smtClean="0">
+                <a:solidFill>
+                  <a:schemeClr val="tx1"/>
+                </a:solidFill>
+                <a:latin typeface="Avenir Book" charset="0"/>
+                <a:ea typeface="Avenir Book" charset="0"/>
+                <a:cs typeface="Avenir Book" charset="0"/>
+              </a:rPr>
+              <a:t>EX9024M</a:t>
+            </a:r>
+            <a:endParaRPr lang="de-DE" sz="1400" dirty="0">
+              <a:solidFill>
+                <a:schemeClr val="tx1"/>
+              </a:solidFill>
+              <a:latin typeface="Avenir Book" charset="0"/>
+              <a:ea typeface="Avenir Book" charset="0"/>
+              <a:cs typeface="Avenir Book" charset="0"/>
+            </a:endParaRPr>
+          </a:p>
+        </p:txBody>
+      </p:sp>
+      <p:cxnSp>
+        <p:nvCxnSpPr>
+          <p:cNvPr id="56" name="Gerade Verbindung 55"/>
+          <p:cNvCxnSpPr/>
+          <p:nvPr/>
+        </p:nvCxnSpPr>
+        <p:spPr>
+          <a:xfrm flipH="1" flipV="1">
+            <a:off x="5770880" y="4204178"/>
+            <a:ext cx="1" cy="620290"/>
+          </a:xfrm>
+          <a:prstGeom prst="line">
+            <a:avLst/>
+          </a:prstGeom>
+          <a:ln w="38100">
+            <a:solidFill>
+              <a:schemeClr val="accent6"/>
+            </a:solidFill>
+          </a:ln>
+        </p:spPr>
+        <p:style>
+          <a:lnRef idx="1">
+            <a:schemeClr val="accent1"/>
+          </a:lnRef>
+          <a:fillRef idx="0">
+            <a:schemeClr val="accent1"/>
+          </a:fillRef>
+          <a:effectRef idx="0">
+            <a:schemeClr val="accent1"/>
+          </a:effectRef>
+          <a:fontRef idx="minor">
+            <a:schemeClr val="tx1"/>
+          </a:fontRef>
+        </p:style>
+      </p:cxnSp>
+      <p:cxnSp>
+        <p:nvCxnSpPr>
+          <p:cNvPr id="61" name="Gerade Verbindung 60"/>
+          <p:cNvCxnSpPr>
+            <a:endCxn id="54" idx="1"/>
+          </p:cNvCxnSpPr>
+          <p:nvPr/>
+        </p:nvCxnSpPr>
+        <p:spPr>
+          <a:xfrm flipV="1">
+            <a:off x="4213170" y="4048397"/>
+            <a:ext cx="1204636" cy="0"/>
+          </a:xfrm>
+          <a:prstGeom prst="line">
+            <a:avLst/>
+          </a:prstGeom>
+          <a:ln w="38100">
+            <a:solidFill>
+              <a:srgbClr val="C00000"/>
+            </a:solidFill>
+          </a:ln>
+        </p:spPr>
+        <p:style>
+          <a:lnRef idx="1">
+            <a:schemeClr val="accent1"/>
+          </a:lnRef>
+          <a:fillRef idx="0">
+            <a:schemeClr val="accent1"/>
+          </a:fillRef>
+          <a:effectRef idx="0">
+            <a:schemeClr val="accent1"/>
+          </a:effectRef>
+          <a:fontRef idx="minor">
+            <a:schemeClr val="tx1"/>
+          </a:fontRef>
+        </p:style>
+      </p:cxnSp>
+      <p:pic>
+        <p:nvPicPr>
+          <p:cNvPr id="64" name="Bild 63"/>
+          <p:cNvPicPr>
+            <a:picLocks noChangeAspect="1"/>
+          </p:cNvPicPr>
+          <p:nvPr/>
+        </p:nvPicPr>
+        <p:blipFill>
+          <a:blip r:embed="rId7"/>
+          <a:stretch>
+            <a:fillRect/>
+          </a:stretch>
+        </p:blipFill>
+        <p:spPr>
+          <a:xfrm>
+            <a:off x="1587500" y="254000"/>
+            <a:ext cx="9017000" cy="6350000"/>
+          </a:xfrm>
+          <a:prstGeom prst="rect">
+            <a:avLst/>
+          </a:prstGeom>
+        </p:spPr>
+      </p:pic>
     </p:spTree>
     <p:extLst>
       <p:ext uri="{BB962C8B-B14F-4D97-AF65-F5344CB8AC3E}">

--- a/docs/abbildungen/201603026_Anlage.pptx
+++ b/docs/abbildungen/201603026_Anlage.pptx
@@ -201,7 +201,7 @@
           <a:p>
             <a:fld id="{5753CF93-5E45-3941-8549-3B143DEE3F14}" type="datetimeFigureOut">
               <a:rPr lang="de-DE" smtClean="0"/>
-              <a:t>30.03.16</a:t>
+              <a:t>31.03.16</a:t>
             </a:fld>
             <a:endParaRPr lang="de-DE"/>
           </a:p>
@@ -415,7 +415,7 @@
           <a:p>
             <a:fld id="{CAD28D52-5B67-8840-9FB3-766E3199C55A}" type="datetimeFigureOut">
               <a:rPr lang="de-DE" smtClean="0"/>
-              <a:t>30.03.16</a:t>
+              <a:t>31.03.16</a:t>
             </a:fld>
             <a:endParaRPr lang="de-DE"/>
           </a:p>
@@ -585,7 +585,7 @@
           <a:p>
             <a:fld id="{CAD28D52-5B67-8840-9FB3-766E3199C55A}" type="datetimeFigureOut">
               <a:rPr lang="de-DE" smtClean="0"/>
-              <a:t>30.03.16</a:t>
+              <a:t>31.03.16</a:t>
             </a:fld>
             <a:endParaRPr lang="de-DE"/>
           </a:p>
@@ -765,7 +765,7 @@
           <a:p>
             <a:fld id="{CAD28D52-5B67-8840-9FB3-766E3199C55A}" type="datetimeFigureOut">
               <a:rPr lang="de-DE" smtClean="0"/>
-              <a:t>30.03.16</a:t>
+              <a:t>31.03.16</a:t>
             </a:fld>
             <a:endParaRPr lang="de-DE"/>
           </a:p>
@@ -935,7 +935,7 @@
           <a:p>
             <a:fld id="{CAD28D52-5B67-8840-9FB3-766E3199C55A}" type="datetimeFigureOut">
               <a:rPr lang="de-DE" smtClean="0"/>
-              <a:t>30.03.16</a:t>
+              <a:t>31.03.16</a:t>
             </a:fld>
             <a:endParaRPr lang="de-DE"/>
           </a:p>
@@ -1181,7 +1181,7 @@
           <a:p>
             <a:fld id="{CAD28D52-5B67-8840-9FB3-766E3199C55A}" type="datetimeFigureOut">
               <a:rPr lang="de-DE" smtClean="0"/>
-              <a:t>30.03.16</a:t>
+              <a:t>31.03.16</a:t>
             </a:fld>
             <a:endParaRPr lang="de-DE"/>
           </a:p>
@@ -1413,7 +1413,7 @@
           <a:p>
             <a:fld id="{CAD28D52-5B67-8840-9FB3-766E3199C55A}" type="datetimeFigureOut">
               <a:rPr lang="de-DE" smtClean="0"/>
-              <a:t>30.03.16</a:t>
+              <a:t>31.03.16</a:t>
             </a:fld>
             <a:endParaRPr lang="de-DE"/>
           </a:p>
@@ -1780,7 +1780,7 @@
           <a:p>
             <a:fld id="{CAD28D52-5B67-8840-9FB3-766E3199C55A}" type="datetimeFigureOut">
               <a:rPr lang="de-DE" smtClean="0"/>
-              <a:t>30.03.16</a:t>
+              <a:t>31.03.16</a:t>
             </a:fld>
             <a:endParaRPr lang="de-DE"/>
           </a:p>
@@ -1898,7 +1898,7 @@
           <a:p>
             <a:fld id="{CAD28D52-5B67-8840-9FB3-766E3199C55A}" type="datetimeFigureOut">
               <a:rPr lang="de-DE" smtClean="0"/>
-              <a:t>30.03.16</a:t>
+              <a:t>31.03.16</a:t>
             </a:fld>
             <a:endParaRPr lang="de-DE"/>
           </a:p>
@@ -1993,7 +1993,7 @@
           <a:p>
             <a:fld id="{CAD28D52-5B67-8840-9FB3-766E3199C55A}" type="datetimeFigureOut">
               <a:rPr lang="de-DE" smtClean="0"/>
-              <a:t>30.03.16</a:t>
+              <a:t>31.03.16</a:t>
             </a:fld>
             <a:endParaRPr lang="de-DE"/>
           </a:p>
@@ -2270,7 +2270,7 @@
           <a:p>
             <a:fld id="{CAD28D52-5B67-8840-9FB3-766E3199C55A}" type="datetimeFigureOut">
               <a:rPr lang="de-DE" smtClean="0"/>
-              <a:t>30.03.16</a:t>
+              <a:t>31.03.16</a:t>
             </a:fld>
             <a:endParaRPr lang="de-DE"/>
           </a:p>
@@ -2523,7 +2523,7 @@
           <a:p>
             <a:fld id="{CAD28D52-5B67-8840-9FB3-766E3199C55A}" type="datetimeFigureOut">
               <a:rPr lang="de-DE" smtClean="0"/>
-              <a:t>30.03.16</a:t>
+              <a:t>31.03.16</a:t>
             </a:fld>
             <a:endParaRPr lang="de-DE"/>
           </a:p>
@@ -2736,7 +2736,7 @@
           <a:p>
             <a:fld id="{CAD28D52-5B67-8840-9FB3-766E3199C55A}" type="datetimeFigureOut">
               <a:rPr lang="de-DE" smtClean="0"/>
-              <a:t>30.03.16</a:t>
+              <a:t>31.03.16</a:t>
             </a:fld>
             <a:endParaRPr lang="de-DE"/>
           </a:p>
@@ -11094,30 +11094,6 @@
           </a:fontRef>
         </p:style>
       </p:cxnSp>
-      <p:pic>
-        <p:nvPicPr>
-          <p:cNvPr id="64" name="Bild 63"/>
-          <p:cNvPicPr>
-            <a:picLocks noChangeAspect="1"/>
-          </p:cNvPicPr>
-          <p:nvPr/>
-        </p:nvPicPr>
-        <p:blipFill>
-          <a:blip r:embed="rId7"/>
-          <a:stretch>
-            <a:fillRect/>
-          </a:stretch>
-        </p:blipFill>
-        <p:spPr>
-          <a:xfrm>
-            <a:off x="1587500" y="254000"/>
-            <a:ext cx="9017000" cy="6350000"/>
-          </a:xfrm>
-          <a:prstGeom prst="rect">
-            <a:avLst/>
-          </a:prstGeom>
-        </p:spPr>
-      </p:pic>
     </p:spTree>
     <p:extLst>
       <p:ext uri="{BB962C8B-B14F-4D97-AF65-F5344CB8AC3E}">
